--- a/presentation/workshop_ankor_datavault_model_presentation.pptx
+++ b/presentation/workshop_ankor_datavault_model_presentation.pptx
@@ -5,32 +5,30 @@
     <p:sldMasterId id="2147483744" r:id="rId1"/>
   </p:sldMasterIdLst>
   <p:notesMasterIdLst>
-    <p:notesMasterId r:id="rId25"/>
+    <p:notesMasterId r:id="rId23"/>
   </p:notesMasterIdLst>
   <p:sldIdLst>
     <p:sldId id="256" r:id="rId2"/>
     <p:sldId id="281" r:id="rId3"/>
     <p:sldId id="279" r:id="rId4"/>
-    <p:sldId id="289" r:id="rId5"/>
-    <p:sldId id="287" r:id="rId6"/>
-    <p:sldId id="288" r:id="rId7"/>
-    <p:sldId id="308" r:id="rId8"/>
-    <p:sldId id="284" r:id="rId9"/>
-    <p:sldId id="286" r:id="rId10"/>
-    <p:sldId id="292" r:id="rId11"/>
-    <p:sldId id="298" r:id="rId12"/>
-    <p:sldId id="305" r:id="rId13"/>
-    <p:sldId id="291" r:id="rId14"/>
+    <p:sldId id="310" r:id="rId5"/>
+    <p:sldId id="289" r:id="rId6"/>
+    <p:sldId id="287" r:id="rId7"/>
+    <p:sldId id="288" r:id="rId8"/>
+    <p:sldId id="308" r:id="rId9"/>
+    <p:sldId id="284" r:id="rId10"/>
+    <p:sldId id="286" r:id="rId11"/>
+    <p:sldId id="292" r:id="rId12"/>
+    <p:sldId id="298" r:id="rId13"/>
+    <p:sldId id="305" r:id="rId14"/>
     <p:sldId id="296" r:id="rId15"/>
     <p:sldId id="304" r:id="rId16"/>
-    <p:sldId id="294" r:id="rId17"/>
-    <p:sldId id="301" r:id="rId18"/>
-    <p:sldId id="302" r:id="rId19"/>
-    <p:sldId id="303" r:id="rId20"/>
-    <p:sldId id="309" r:id="rId21"/>
-    <p:sldId id="293" r:id="rId22"/>
-    <p:sldId id="278" r:id="rId23"/>
-    <p:sldId id="272" r:id="rId24"/>
+    <p:sldId id="301" r:id="rId17"/>
+    <p:sldId id="309" r:id="rId18"/>
+    <p:sldId id="293" r:id="rId19"/>
+    <p:sldId id="291" r:id="rId20"/>
+    <p:sldId id="278" r:id="rId21"/>
+    <p:sldId id="272" r:id="rId22"/>
   </p:sldIdLst>
   <p:sldSz cx="12192000" cy="6858000"/>
   <p:notesSz cx="6858000" cy="9144000"/>
@@ -981,7 +979,7 @@
         <a:p>
           <a:r>
             <a:rPr lang="ru-RU" dirty="0"/>
-            <a:t>Сложно, вероятность масштабных переработок схемы</a:t>
+            <a:t>Просто, но есть вероятность масштабных переработок схемы</a:t>
           </a:r>
         </a:p>
       </dgm:t>
@@ -3216,7 +3214,7 @@
           </a:pPr>
           <a:r>
             <a:rPr lang="ru-RU" sz="1500" kern="1200" dirty="0"/>
-            <a:t>Сложно, вероятность масштабных переработок схемы</a:t>
+            <a:t>Просто, но есть вероятность масштабных переработок схемы</a:t>
           </a:r>
         </a:p>
       </dsp:txBody>
@@ -5748,7 +5746,7 @@
           <a:p>
             <a:fld id="{EB24B70E-E497-4323-825B-7BFAFF3F9D73}" type="datetimeFigureOut">
               <a:rPr lang="ru-RU" smtClean="0"/>
-              <a:t>24.09.2022</a:t>
+              <a:t>07.12.2022</a:t>
             </a:fld>
             <a:endParaRPr lang="ru-RU"/>
           </a:p>
@@ -6060,6 +6058,178 @@
           <a:bodyPr/>
           <a:lstStyle/>
           <a:p>
+            <a:pPr marL="0" marR="0" lvl="0" indent="0" algn="l" defTabSz="914400" rtl="0" eaLnBrk="1" fontAlgn="auto" latinLnBrk="0" hangingPunct="1">
+              <a:lnSpc>
+                <a:spcPct val="100000"/>
+              </a:lnSpc>
+              <a:spcBef>
+                <a:spcPts val="0"/>
+              </a:spcBef>
+              <a:spcAft>
+                <a:spcPts val="0"/>
+              </a:spcAft>
+              <a:buClrTx/>
+              <a:buSzTx/>
+              <a:buFontTx/>
+              <a:buNone/>
+              <a:tabLst/>
+              <a:defRPr/>
+            </a:pPr>
+            <a:r>
+              <a:rPr lang="ru-RU" sz="1200" b="1" dirty="0" err="1">
+                <a:solidFill>
+                  <a:schemeClr val="accent1"/>
+                </a:solidFill>
+                <a:ea typeface="DejaVu Sans" pitchFamily="2"/>
+                <a:cs typeface="DejaVu Sans" pitchFamily="2"/>
+              </a:rPr>
+              <a:t>Инмон</a:t>
+            </a:r>
+            <a:r>
+              <a:rPr lang="ru-RU" sz="1200" b="1" dirty="0">
+                <a:solidFill>
+                  <a:schemeClr val="accent1"/>
+                </a:solidFill>
+                <a:ea typeface="DejaVu Sans" pitchFamily="2"/>
+                <a:cs typeface="DejaVu Sans" pitchFamily="2"/>
+              </a:rPr>
+              <a:t>, </a:t>
+            </a:r>
+            <a:r>
+              <a:rPr lang="ru-RU" sz="1200" b="1" dirty="0" err="1">
+                <a:solidFill>
+                  <a:schemeClr val="accent1"/>
+                </a:solidFill>
+                <a:ea typeface="DejaVu Sans" pitchFamily="2"/>
+                <a:cs typeface="DejaVu Sans" pitchFamily="2"/>
+              </a:rPr>
+              <a:t>Кимбалл</a:t>
+            </a:r>
+            <a:r>
+              <a:rPr lang="en-US" sz="1200" b="1" dirty="0">
+                <a:solidFill>
+                  <a:schemeClr val="accent1"/>
+                </a:solidFill>
+                <a:ea typeface="DejaVu Sans" pitchFamily="2"/>
+                <a:cs typeface="DejaVu Sans" pitchFamily="2"/>
+              </a:rPr>
+              <a:t> (3NF, </a:t>
+            </a:r>
+            <a:r>
+              <a:rPr lang="ru-RU" sz="1200" b="1" dirty="0">
+                <a:solidFill>
+                  <a:schemeClr val="accent1"/>
+                </a:solidFill>
+                <a:ea typeface="DejaVu Sans" pitchFamily="2"/>
+                <a:cs typeface="DejaVu Sans" pitchFamily="2"/>
+              </a:rPr>
+              <a:t>Звезда</a:t>
+            </a:r>
+            <a:r>
+              <a:rPr lang="en-US" sz="1200" b="1" dirty="0">
+                <a:solidFill>
+                  <a:schemeClr val="accent1"/>
+                </a:solidFill>
+                <a:ea typeface="DejaVu Sans" pitchFamily="2"/>
+                <a:cs typeface="DejaVu Sans" pitchFamily="2"/>
+              </a:rPr>
+              <a:t>)</a:t>
+            </a:r>
+          </a:p>
+          <a:p>
+            <a:pPr marL="0" marR="0" lvl="0" indent="0" algn="l" defTabSz="914400" rtl="0" eaLnBrk="1" fontAlgn="auto" latinLnBrk="0" hangingPunct="1">
+              <a:lnSpc>
+                <a:spcPct val="100000"/>
+              </a:lnSpc>
+              <a:spcBef>
+                <a:spcPts val="0"/>
+              </a:spcBef>
+              <a:spcAft>
+                <a:spcPts val="0"/>
+              </a:spcAft>
+              <a:buClrTx/>
+              <a:buSzTx/>
+              <a:buFontTx/>
+              <a:buNone/>
+              <a:tabLst/>
+              <a:defRPr/>
+            </a:pPr>
+            <a:r>
+              <a:rPr lang="en-US" sz="1200" b="1" dirty="0">
+                <a:solidFill>
+                  <a:schemeClr val="accent1"/>
+                </a:solidFill>
+                <a:ea typeface="DejaVu Sans" pitchFamily="2"/>
+                <a:cs typeface="DejaVu Sans" pitchFamily="2"/>
+              </a:rPr>
+              <a:t>https://stackoverflow.com/questions/73441453/maximum-number-of-databases-and-tables-in-hive-metastore</a:t>
+            </a:r>
+          </a:p>
+          <a:p>
+            <a:pPr marL="0" marR="0" lvl="0" indent="0" algn="l" defTabSz="914400" rtl="0" eaLnBrk="1" fontAlgn="auto" latinLnBrk="0" hangingPunct="1">
+              <a:lnSpc>
+                <a:spcPct val="100000"/>
+              </a:lnSpc>
+              <a:spcBef>
+                <a:spcPts val="0"/>
+              </a:spcBef>
+              <a:spcAft>
+                <a:spcPts val="0"/>
+              </a:spcAft>
+              <a:buClrTx/>
+              <a:buSzTx/>
+              <a:buFontTx/>
+              <a:buNone/>
+              <a:tabLst/>
+              <a:defRPr/>
+            </a:pPr>
+            <a:br>
+              <a:rPr lang="en-US" sz="1200" b="1" dirty="0">
+                <a:solidFill>
+                  <a:schemeClr val="accent1"/>
+                </a:solidFill>
+                <a:ea typeface="DejaVu Sans" pitchFamily="2"/>
+                <a:cs typeface="DejaVu Sans" pitchFamily="2"/>
+              </a:rPr>
+            </a:br>
+            <a:r>
+              <a:rPr lang="en-US" sz="1200" b="1" dirty="0">
+                <a:solidFill>
+                  <a:schemeClr val="accent1"/>
+                </a:solidFill>
+                <a:ea typeface="DejaVu Sans" pitchFamily="2"/>
+                <a:cs typeface="DejaVu Sans" pitchFamily="2"/>
+              </a:rPr>
+              <a:t>https://community.cloudera.com/t5/Support-Questions/Max-number-of-databases-and-tables-allowed-in-Hive-Metastore/td-p/351053&amp;cd=2&amp;hl=ru&amp;ct=clnk&amp;gl=ru</a:t>
+            </a:r>
+          </a:p>
+          <a:p>
+            <a:pPr marL="0" marR="0" lvl="0" indent="0" algn="l" defTabSz="914400" rtl="0" eaLnBrk="1" fontAlgn="auto" latinLnBrk="0" hangingPunct="1">
+              <a:lnSpc>
+                <a:spcPct val="100000"/>
+              </a:lnSpc>
+              <a:spcBef>
+                <a:spcPts val="0"/>
+              </a:spcBef>
+              <a:spcAft>
+                <a:spcPts val="0"/>
+              </a:spcAft>
+              <a:buClrTx/>
+              <a:buSzTx/>
+              <a:buFontTx/>
+              <a:buNone/>
+              <a:tabLst/>
+              <a:defRPr/>
+            </a:pPr>
+            <a:endParaRPr lang="en-US" sz="1200" b="1" dirty="0">
+              <a:solidFill>
+                <a:schemeClr val="accent1"/>
+              </a:solidFill>
+              <a:ea typeface="DejaVu Sans" pitchFamily="2"/>
+              <a:cs typeface="DejaVu Sans" pitchFamily="2"/>
+            </a:endParaRPr>
+          </a:p>
+          <a:p>
             <a:endParaRPr lang="ru-RU" dirty="0"/>
           </a:p>
         </p:txBody>
@@ -6081,7 +6251,7 @@
           <a:p>
             <a:fld id="{C3D2E854-1F21-43A3-882D-02B15013A861}" type="slidenum">
               <a:rPr lang="ru-RU" smtClean="0"/>
-              <a:t>10</a:t>
+              <a:t>3</a:t>
             </a:fld>
             <a:endParaRPr lang="ru-RU"/>
           </a:p>
@@ -6090,7 +6260,7 @@
     </p:spTree>
     <p:extLst>
       <p:ext uri="{BB962C8B-B14F-4D97-AF65-F5344CB8AC3E}">
-        <p14:creationId xmlns:p14="http://schemas.microsoft.com/office/powerpoint/2010/main" val="897831597"/>
+        <p14:creationId xmlns:p14="http://schemas.microsoft.com/office/powerpoint/2010/main" val="1661911195"/>
       </p:ext>
     </p:extLst>
   </p:cSld>
@@ -6144,6 +6314,10 @@
           <a:bodyPr/>
           <a:lstStyle/>
           <a:p>
+            <a:r>
+              <a:rPr lang="ru-RU"/>
+              <a:t>Аналитические Б</a:t>
+            </a:r>
             <a:endParaRPr lang="ru-RU" dirty="0"/>
           </a:p>
         </p:txBody>
@@ -6165,7 +6339,7 @@
           <a:p>
             <a:fld id="{C3D2E854-1F21-43A3-882D-02B15013A861}" type="slidenum">
               <a:rPr lang="ru-RU" smtClean="0"/>
-              <a:t>11</a:t>
+              <a:t>6</a:t>
             </a:fld>
             <a:endParaRPr lang="ru-RU"/>
           </a:p>
@@ -6174,7 +6348,7 @@
     </p:spTree>
     <p:extLst>
       <p:ext uri="{BB962C8B-B14F-4D97-AF65-F5344CB8AC3E}">
-        <p14:creationId xmlns:p14="http://schemas.microsoft.com/office/powerpoint/2010/main" val="1415393481"/>
+        <p14:creationId xmlns:p14="http://schemas.microsoft.com/office/powerpoint/2010/main" val="1225925854"/>
       </p:ext>
     </p:extLst>
   </p:cSld>
@@ -6228,22 +6402,6 @@
           <a:bodyPr/>
           <a:lstStyle/>
           <a:p>
-            <a:r>
-              <a:rPr lang="ru-RU" dirty="0"/>
-              <a:t>Есть еще </a:t>
-            </a:r>
-            <a:r>
-              <a:rPr lang="en-US" dirty="0"/>
-              <a:t>Knots – </a:t>
-            </a:r>
-            <a:r>
-              <a:rPr lang="ru-RU" dirty="0"/>
-              <a:t>аналоги </a:t>
-            </a:r>
-            <a:r>
-              <a:rPr lang="en-US" dirty="0" err="1"/>
-              <a:t>dict</a:t>
-            </a:r>
             <a:endParaRPr lang="ru-RU" dirty="0"/>
           </a:p>
         </p:txBody>
@@ -6265,7 +6423,7 @@
           <a:p>
             <a:fld id="{C3D2E854-1F21-43A3-882D-02B15013A861}" type="slidenum">
               <a:rPr lang="ru-RU" smtClean="0"/>
-              <a:t>12</a:t>
+              <a:t>11</a:t>
             </a:fld>
             <a:endParaRPr lang="ru-RU"/>
           </a:p>
@@ -6274,7 +6432,7 @@
     </p:spTree>
     <p:extLst>
       <p:ext uri="{BB962C8B-B14F-4D97-AF65-F5344CB8AC3E}">
-        <p14:creationId xmlns:p14="http://schemas.microsoft.com/office/powerpoint/2010/main" val="924892207"/>
+        <p14:creationId xmlns:p14="http://schemas.microsoft.com/office/powerpoint/2010/main" val="897831597"/>
       </p:ext>
     </p:extLst>
   </p:cSld>
@@ -6349,7 +6507,7 @@
           <a:p>
             <a:fld id="{C3D2E854-1F21-43A3-882D-02B15013A861}" type="slidenum">
               <a:rPr lang="ru-RU" smtClean="0"/>
-              <a:t>16</a:t>
+              <a:t>12</a:t>
             </a:fld>
             <a:endParaRPr lang="ru-RU"/>
           </a:p>
@@ -6358,7 +6516,7 @@
     </p:spTree>
     <p:extLst>
       <p:ext uri="{BB962C8B-B14F-4D97-AF65-F5344CB8AC3E}">
-        <p14:creationId xmlns:p14="http://schemas.microsoft.com/office/powerpoint/2010/main" val="1027624281"/>
+        <p14:creationId xmlns:p14="http://schemas.microsoft.com/office/powerpoint/2010/main" val="1415393481"/>
       </p:ext>
     </p:extLst>
   </p:cSld>
@@ -6412,6 +6570,22 @@
           <a:bodyPr/>
           <a:lstStyle/>
           <a:p>
+            <a:r>
+              <a:rPr lang="ru-RU" dirty="0"/>
+              <a:t>Есть еще </a:t>
+            </a:r>
+            <a:r>
+              <a:rPr lang="en-US" dirty="0"/>
+              <a:t>Knots – </a:t>
+            </a:r>
+            <a:r>
+              <a:rPr lang="ru-RU" dirty="0"/>
+              <a:t>аналоги </a:t>
+            </a:r>
+            <a:r>
+              <a:rPr lang="en-US" dirty="0" err="1"/>
+              <a:t>dict</a:t>
+            </a:r>
             <a:endParaRPr lang="ru-RU" dirty="0"/>
           </a:p>
         </p:txBody>
@@ -6433,7 +6607,7 @@
           <a:p>
             <a:fld id="{C3D2E854-1F21-43A3-882D-02B15013A861}" type="slidenum">
               <a:rPr lang="ru-RU" smtClean="0"/>
-              <a:t>17</a:t>
+              <a:t>13</a:t>
             </a:fld>
             <a:endParaRPr lang="ru-RU"/>
           </a:p>
@@ -6442,7 +6616,7 @@
     </p:spTree>
     <p:extLst>
       <p:ext uri="{BB962C8B-B14F-4D97-AF65-F5344CB8AC3E}">
-        <p14:creationId xmlns:p14="http://schemas.microsoft.com/office/powerpoint/2010/main" val="1811686144"/>
+        <p14:creationId xmlns:p14="http://schemas.microsoft.com/office/powerpoint/2010/main" val="924892207"/>
       </p:ext>
     </p:extLst>
   </p:cSld>
@@ -6496,7 +6670,14 @@
           <a:bodyPr/>
           <a:lstStyle/>
           <a:p>
-            <a:endParaRPr lang="ru-RU" dirty="0"/>
+            <a:r>
+              <a:rPr lang="en-US" dirty="0"/>
+              <a:t>DWH</a:t>
+            </a:r>
+            <a:r>
+              <a:rPr lang="ru-RU" dirty="0"/>
+              <a:t> для нескольких источников</a:t>
+            </a:r>
           </a:p>
         </p:txBody>
       </p:sp>
@@ -6517,7 +6698,7 @@
           <a:p>
             <a:fld id="{C3D2E854-1F21-43A3-882D-02B15013A861}" type="slidenum">
               <a:rPr lang="ru-RU" smtClean="0"/>
-              <a:t>18</a:t>
+              <a:t>16</a:t>
             </a:fld>
             <a:endParaRPr lang="ru-RU"/>
           </a:p>
@@ -6526,7 +6707,7 @@
     </p:spTree>
     <p:extLst>
       <p:ext uri="{BB962C8B-B14F-4D97-AF65-F5344CB8AC3E}">
-        <p14:creationId xmlns:p14="http://schemas.microsoft.com/office/powerpoint/2010/main" val="3654312067"/>
+        <p14:creationId xmlns:p14="http://schemas.microsoft.com/office/powerpoint/2010/main" val="1811686144"/>
       </p:ext>
     </p:extLst>
   </p:cSld>
@@ -6601,91 +6782,7 @@
           <a:p>
             <a:fld id="{C3D2E854-1F21-43A3-882D-02B15013A861}" type="slidenum">
               <a:rPr lang="ru-RU" smtClean="0"/>
-              <a:t>19</a:t>
-            </a:fld>
-            <a:endParaRPr lang="ru-RU"/>
-          </a:p>
-        </p:txBody>
-      </p:sp>
-    </p:spTree>
-    <p:extLst>
-      <p:ext uri="{BB962C8B-B14F-4D97-AF65-F5344CB8AC3E}">
-        <p14:creationId xmlns:p14="http://schemas.microsoft.com/office/powerpoint/2010/main" val="1236659494"/>
-      </p:ext>
-    </p:extLst>
-  </p:cSld>
-  <p:clrMapOvr>
-    <a:masterClrMapping/>
-  </p:clrMapOvr>
-</p:notes>
-</file>
-
-<file path=ppt/notesSlides/notesSlide8.xml><?xml version="1.0" encoding="utf-8"?>
-<p:notes xmlns:a="http://schemas.openxmlformats.org/drawingml/2006/main" xmlns:r="http://schemas.openxmlformats.org/officeDocument/2006/relationships" xmlns:p="http://schemas.openxmlformats.org/presentationml/2006/main">
-  <p:cSld>
-    <p:spTree>
-      <p:nvGrpSpPr>
-        <p:cNvPr id="1" name=""/>
-        <p:cNvGrpSpPr/>
-        <p:nvPr/>
-      </p:nvGrpSpPr>
-      <p:grpSpPr>
-        <a:xfrm>
-          <a:off x="0" y="0"/>
-          <a:ext cx="0" cy="0"/>
-          <a:chOff x="0" y="0"/>
-          <a:chExt cx="0" cy="0"/>
-        </a:xfrm>
-      </p:grpSpPr>
-      <p:sp>
-        <p:nvSpPr>
-          <p:cNvPr id="2" name="Slide Image Placeholder 1"/>
-          <p:cNvSpPr>
-            <a:spLocks noGrp="1" noRot="1" noChangeAspect="1"/>
-          </p:cNvSpPr>
-          <p:nvPr>
-            <p:ph type="sldImg"/>
-          </p:nvPr>
-        </p:nvSpPr>
-        <p:spPr/>
-      </p:sp>
-      <p:sp>
-        <p:nvSpPr>
-          <p:cNvPr id="3" name="Notes Placeholder 2"/>
-          <p:cNvSpPr>
-            <a:spLocks noGrp="1"/>
-          </p:cNvSpPr>
-          <p:nvPr>
-            <p:ph type="body" idx="1"/>
-          </p:nvPr>
-        </p:nvSpPr>
-        <p:spPr/>
-        <p:txBody>
-          <a:bodyPr/>
-          <a:lstStyle/>
-          <a:p>
-            <a:endParaRPr lang="ru-RU" dirty="0"/>
-          </a:p>
-        </p:txBody>
-      </p:sp>
-      <p:sp>
-        <p:nvSpPr>
-          <p:cNvPr id="4" name="Slide Number Placeholder 3"/>
-          <p:cNvSpPr>
-            <a:spLocks noGrp="1"/>
-          </p:cNvSpPr>
-          <p:nvPr>
-            <p:ph type="sldNum" sz="quarter" idx="5"/>
-          </p:nvPr>
-        </p:nvSpPr>
-        <p:spPr/>
-        <p:txBody>
-          <a:bodyPr/>
-          <a:lstStyle/>
-          <a:p>
-            <a:fld id="{C3D2E854-1F21-43A3-882D-02B15013A861}" type="slidenum">
-              <a:rPr lang="ru-RU" smtClean="0"/>
-              <a:t>20</a:t>
+              <a:t>17</a:t>
             </a:fld>
             <a:endParaRPr lang="ru-RU"/>
           </a:p>
@@ -7107,7 +7204,7 @@
           <a:p>
             <a:fld id="{7CD77A28-62FA-4A1C-955D-4EB5AA405F1C}" type="datetimeFigureOut">
               <a:rPr lang="ru-RU" smtClean="0"/>
-              <a:t>24.09.2022</a:t>
+              <a:t>07.12.2022</a:t>
             </a:fld>
             <a:endParaRPr lang="ru-RU" dirty="0"/>
           </a:p>
@@ -7286,7 +7383,7 @@
           <a:p>
             <a:fld id="{7CD77A28-62FA-4A1C-955D-4EB5AA405F1C}" type="datetimeFigureOut">
               <a:rPr lang="ru-RU" smtClean="0"/>
-              <a:t>24.09.2022</a:t>
+              <a:t>07.12.2022</a:t>
             </a:fld>
             <a:endParaRPr lang="ru-RU" dirty="0"/>
           </a:p>
@@ -7466,7 +7563,7 @@
           <a:p>
             <a:fld id="{7CD77A28-62FA-4A1C-955D-4EB5AA405F1C}" type="datetimeFigureOut">
               <a:rPr lang="ru-RU" smtClean="0"/>
-              <a:t>24.09.2022</a:t>
+              <a:t>07.12.2022</a:t>
             </a:fld>
             <a:endParaRPr lang="ru-RU" dirty="0"/>
           </a:p>
@@ -7636,7 +7733,7 @@
           <a:p>
             <a:fld id="{7CD77A28-62FA-4A1C-955D-4EB5AA405F1C}" type="datetimeFigureOut">
               <a:rPr lang="ru-RU" smtClean="0"/>
-              <a:t>24.09.2022</a:t>
+              <a:t>07.12.2022</a:t>
             </a:fld>
             <a:endParaRPr lang="ru-RU" dirty="0"/>
           </a:p>
@@ -7949,7 +8046,7 @@
           <a:p>
             <a:fld id="{7CD77A28-62FA-4A1C-955D-4EB5AA405F1C}" type="datetimeFigureOut">
               <a:rPr lang="ru-RU" smtClean="0"/>
-              <a:t>24.09.2022</a:t>
+              <a:t>07.12.2022</a:t>
             </a:fld>
             <a:endParaRPr lang="ru-RU" dirty="0"/>
           </a:p>
@@ -8335,7 +8432,7 @@
           <a:p>
             <a:fld id="{7CD77A28-62FA-4A1C-955D-4EB5AA405F1C}" type="datetimeFigureOut">
               <a:rPr lang="ru-RU" smtClean="0"/>
-              <a:t>24.09.2022</a:t>
+              <a:t>07.12.2022</a:t>
             </a:fld>
             <a:endParaRPr lang="ru-RU" dirty="0"/>
           </a:p>
@@ -8769,7 +8866,7 @@
           <a:p>
             <a:fld id="{7CD77A28-62FA-4A1C-955D-4EB5AA405F1C}" type="datetimeFigureOut">
               <a:rPr lang="ru-RU" smtClean="0"/>
-              <a:t>24.09.2022</a:t>
+              <a:t>07.12.2022</a:t>
             </a:fld>
             <a:endParaRPr lang="ru-RU" dirty="0"/>
           </a:p>
@@ -8887,7 +8984,7 @@
           <a:p>
             <a:fld id="{7CD77A28-62FA-4A1C-955D-4EB5AA405F1C}" type="datetimeFigureOut">
               <a:rPr lang="ru-RU" smtClean="0"/>
-              <a:t>24.09.2022</a:t>
+              <a:t>07.12.2022</a:t>
             </a:fld>
             <a:endParaRPr lang="ru-RU" dirty="0"/>
           </a:p>
@@ -8982,7 +9079,7 @@
           <a:p>
             <a:fld id="{7CD77A28-62FA-4A1C-955D-4EB5AA405F1C}" type="datetimeFigureOut">
               <a:rPr lang="ru-RU" smtClean="0"/>
-              <a:t>24.09.2022</a:t>
+              <a:t>07.12.2022</a:t>
             </a:fld>
             <a:endParaRPr lang="ru-RU" dirty="0"/>
           </a:p>
@@ -9332,7 +9429,7 @@
           <a:p>
             <a:fld id="{7CD77A28-62FA-4A1C-955D-4EB5AA405F1C}" type="datetimeFigureOut">
               <a:rPr lang="ru-RU" smtClean="0"/>
-              <a:t>24.09.2022</a:t>
+              <a:t>07.12.2022</a:t>
             </a:fld>
             <a:endParaRPr lang="ru-RU" dirty="0"/>
           </a:p>
@@ -9756,7 +9853,7 @@
           <a:p>
             <a:fld id="{7CD77A28-62FA-4A1C-955D-4EB5AA405F1C}" type="datetimeFigureOut">
               <a:rPr lang="ru-RU" smtClean="0"/>
-              <a:t>24.09.2022</a:t>
+              <a:t>07.12.2022</a:t>
             </a:fld>
             <a:endParaRPr lang="ru-RU" dirty="0"/>
           </a:p>
@@ -10037,7 +10134,7 @@
           <a:p>
             <a:fld id="{7CD77A28-62FA-4A1C-955D-4EB5AA405F1C}" type="datetimeFigureOut">
               <a:rPr lang="ru-RU" smtClean="0"/>
-              <a:t>24.09.2022</a:t>
+              <a:t>07.12.2022</a:t>
             </a:fld>
             <a:endParaRPr lang="ru-RU" dirty="0"/>
           </a:p>
@@ -10641,18 +10738,12 @@
               </a:rPr>
               <a:t>Модель данных</a:t>
             </a:r>
-            <a:br>
-              <a:rPr lang="ru-RU" dirty="0">
-                <a:ea typeface="DejaVu Sans" pitchFamily="2"/>
-                <a:cs typeface="DejaVu Sans" pitchFamily="2"/>
-              </a:rPr>
-            </a:br>
-            <a:r>
-              <a:rPr lang="en-US" sz="5400" dirty="0">
-                <a:ea typeface="DejaVu Sans" pitchFamily="2"/>
-                <a:cs typeface="DejaVu Sans" pitchFamily="2"/>
-              </a:rPr>
-              <a:t>Anchor &amp; Data Vault 2.0</a:t>
+            <a:r>
+              <a:rPr lang="en-US" dirty="0">
+                <a:ea typeface="DejaVu Sans" pitchFamily="2"/>
+                <a:cs typeface="DejaVu Sans" pitchFamily="2"/>
+              </a:rPr>
+              <a:t> Anchor</a:t>
             </a:r>
             <a:endParaRPr lang="ru-RU" dirty="0"/>
           </a:p>
@@ -10700,6 +10791,130 @@
 </file>
 
 <file path=ppt/slides/slide10.xml><?xml version="1.0" encoding="utf-8"?>
+<p:sld xmlns:a="http://schemas.openxmlformats.org/drawingml/2006/main" xmlns:r="http://schemas.openxmlformats.org/officeDocument/2006/relationships" xmlns:p="http://schemas.openxmlformats.org/presentationml/2006/main">
+  <p:cSld>
+    <p:spTree>
+      <p:nvGrpSpPr>
+        <p:cNvPr id="1" name=""/>
+        <p:cNvGrpSpPr/>
+        <p:nvPr/>
+      </p:nvGrpSpPr>
+      <p:grpSpPr>
+        <a:xfrm>
+          <a:off x="0" y="0"/>
+          <a:ext cx="0" cy="0"/>
+          <a:chOff x="0" y="0"/>
+          <a:chExt cx="0" cy="0"/>
+        </a:xfrm>
+      </p:grpSpPr>
+      <p:pic>
+        <p:nvPicPr>
+          <p:cNvPr id="1026" name="Picture 2" descr="https://hsto.org/r/w1560/getpro/habr/upload_files/5d1/822/348/5d1822348e0aaa75814d80a01c84223f.png">
+            <a:extLst>
+              <a:ext uri="{FF2B5EF4-FFF2-40B4-BE49-F238E27FC236}">
+                <a16:creationId xmlns:a16="http://schemas.microsoft.com/office/drawing/2014/main" id="{EDFA957E-829E-43E7-860E-2A1B170958A7}"/>
+              </a:ext>
+            </a:extLst>
+          </p:cNvPr>
+          <p:cNvPicPr>
+            <a:picLocks noChangeAspect="1" noChangeArrowheads="1"/>
+          </p:cNvPicPr>
+          <p:nvPr/>
+        </p:nvPicPr>
+        <p:blipFill>
+          <a:blip r:embed="rId2">
+            <a:extLst>
+              <a:ext uri="{28A0092B-C50C-407E-A947-70E740481C1C}">
+                <a14:useLocalDpi xmlns:a14="http://schemas.microsoft.com/office/drawing/2010/main" val="0"/>
+              </a:ext>
+            </a:extLst>
+          </a:blip>
+          <a:srcRect/>
+          <a:stretch>
+            <a:fillRect/>
+          </a:stretch>
+        </p:blipFill>
+        <p:spPr bwMode="auto">
+          <a:xfrm>
+            <a:off x="3331029" y="842250"/>
+            <a:ext cx="8065562" cy="6015750"/>
+          </a:xfrm>
+          <a:prstGeom prst="rect">
+            <a:avLst/>
+          </a:prstGeom>
+          <a:noFill/>
+          <a:extLst>
+            <a:ext uri="{909E8E84-426E-40DD-AFC4-6F175D3DCCD1}">
+              <a14:hiddenFill xmlns:a14="http://schemas.microsoft.com/office/drawing/2010/main">
+                <a:solidFill>
+                  <a:srgbClr val="FFFFFF"/>
+                </a:solidFill>
+              </a14:hiddenFill>
+            </a:ext>
+          </a:extLst>
+        </p:spPr>
+      </p:pic>
+      <p:sp>
+        <p:nvSpPr>
+          <p:cNvPr id="2" name="Title 1">
+            <a:extLst>
+              <a:ext uri="{FF2B5EF4-FFF2-40B4-BE49-F238E27FC236}">
+                <a16:creationId xmlns:a16="http://schemas.microsoft.com/office/drawing/2014/main" id="{74ED2800-BE23-482A-B152-A72BC607E8B0}"/>
+              </a:ext>
+            </a:extLst>
+          </p:cNvPr>
+          <p:cNvSpPr>
+            <a:spLocks noGrp="1"/>
+          </p:cNvSpPr>
+          <p:nvPr>
+            <p:ph type="title"/>
+          </p:nvPr>
+        </p:nvSpPr>
+        <p:spPr/>
+        <p:txBody>
+          <a:bodyPr>
+            <a:normAutofit/>
+          </a:bodyPr>
+          <a:lstStyle/>
+          <a:p>
+            <a:r>
+              <a:rPr lang="ru-RU" dirty="0">
+                <a:ea typeface="DejaVu Sans" pitchFamily="2"/>
+                <a:cs typeface="DejaVu Sans" pitchFamily="2"/>
+              </a:rPr>
+              <a:t>Абстрактный</a:t>
+            </a:r>
+            <a:br>
+              <a:rPr lang="ru-RU" dirty="0">
+                <a:ea typeface="DejaVu Sans" pitchFamily="2"/>
+                <a:cs typeface="DejaVu Sans" pitchFamily="2"/>
+              </a:rPr>
+            </a:br>
+            <a:r>
+              <a:rPr lang="ru-RU" dirty="0">
+                <a:ea typeface="DejaVu Sans" pitchFamily="2"/>
+                <a:cs typeface="DejaVu Sans" pitchFamily="2"/>
+              </a:rPr>
+              <a:t>пример</a:t>
+            </a:r>
+            <a:endParaRPr lang="ru-RU" dirty="0"/>
+          </a:p>
+        </p:txBody>
+      </p:sp>
+    </p:spTree>
+    <p:extLst>
+      <p:ext uri="{BB962C8B-B14F-4D97-AF65-F5344CB8AC3E}">
+        <p14:creationId xmlns:p14="http://schemas.microsoft.com/office/powerpoint/2010/main" val="1384498176"/>
+      </p:ext>
+    </p:extLst>
+  </p:cSld>
+  <p:clrMapOvr>
+    <a:masterClrMapping/>
+  </p:clrMapOvr>
+</p:sld>
+</file>
+
+<file path=ppt/slides/slide11.xml><?xml version="1.0" encoding="utf-8"?>
 <p:sld xmlns:a="http://schemas.openxmlformats.org/drawingml/2006/main" xmlns:r="http://schemas.openxmlformats.org/officeDocument/2006/relationships" xmlns:p="http://schemas.openxmlformats.org/presentationml/2006/main">
   <p:cSld>
     <p:spTree>
@@ -12096,7 +12311,7 @@
                 <a:ea typeface="DejaVu Sans" pitchFamily="2"/>
                 <a:cs typeface="DejaVu Sans" pitchFamily="2"/>
               </a:rPr>
-              <a:t> не может быть атрибутов</a:t>
+              <a:t> не должно быть атрибутов.</a:t>
             </a:r>
             <a:r>
               <a:rPr lang="en-US" dirty="0">
@@ -12106,7 +12321,7 @@
                 <a:ea typeface="DejaVu Sans" pitchFamily="2"/>
                 <a:cs typeface="DejaVu Sans" pitchFamily="2"/>
               </a:rPr>
-              <a:t>! </a:t>
+              <a:t> </a:t>
             </a:r>
             <a:r>
               <a:rPr lang="ru-RU" dirty="0">
@@ -12378,7 +12593,7 @@
 </p:sld>
 </file>
 
-<file path=ppt/slides/slide11.xml><?xml version="1.0" encoding="utf-8"?>
+<file path=ppt/slides/slide12.xml><?xml version="1.0" encoding="utf-8"?>
 <p:sld xmlns:a="http://schemas.openxmlformats.org/drawingml/2006/main" xmlns:r="http://schemas.openxmlformats.org/officeDocument/2006/relationships" xmlns:p="http://schemas.openxmlformats.org/presentationml/2006/main">
   <p:cSld>
     <p:spTree>
@@ -12603,7 +12818,7 @@
             </a:br>
             <a:r>
               <a:rPr lang="ru-RU" sz="2800" dirty="0"/>
-              <a:t>краткое имя якоря + краткое имя атрибута- (3 буквы) + имя атрибута </a:t>
+              <a:t>краткое имя якоря + краткое имя атрибута (3 буквы) + имя атрибута </a:t>
             </a:r>
             <a:br>
               <a:rPr lang="en-US" sz="2800" dirty="0"/>
@@ -12672,125 +12887,6 @@
     <p:extLst>
       <p:ext uri="{BB962C8B-B14F-4D97-AF65-F5344CB8AC3E}">
         <p14:creationId xmlns:p14="http://schemas.microsoft.com/office/powerpoint/2010/main" val="1035054893"/>
-      </p:ext>
-    </p:extLst>
-  </p:cSld>
-  <p:clrMapOvr>
-    <a:masterClrMapping/>
-  </p:clrMapOvr>
-</p:sld>
-</file>
-
-<file path=ppt/slides/slide12.xml><?xml version="1.0" encoding="utf-8"?>
-<p:sld xmlns:a="http://schemas.openxmlformats.org/drawingml/2006/main" xmlns:r="http://schemas.openxmlformats.org/officeDocument/2006/relationships" xmlns:p="http://schemas.openxmlformats.org/presentationml/2006/main">
-  <p:cSld>
-    <p:spTree>
-      <p:nvGrpSpPr>
-        <p:cNvPr id="1" name=""/>
-        <p:cNvGrpSpPr/>
-        <p:nvPr/>
-      </p:nvGrpSpPr>
-      <p:grpSpPr>
-        <a:xfrm>
-          <a:off x="0" y="0"/>
-          <a:ext cx="0" cy="0"/>
-          <a:chOff x="0" y="0"/>
-          <a:chExt cx="0" cy="0"/>
-        </a:xfrm>
-      </p:grpSpPr>
-      <p:sp>
-        <p:nvSpPr>
-          <p:cNvPr id="2" name="Title 1">
-            <a:extLst>
-              <a:ext uri="{FF2B5EF4-FFF2-40B4-BE49-F238E27FC236}">
-                <a16:creationId xmlns:a16="http://schemas.microsoft.com/office/drawing/2014/main" id="{74ED2800-BE23-482A-B152-A72BC607E8B0}"/>
-              </a:ext>
-            </a:extLst>
-          </p:cNvPr>
-          <p:cNvSpPr>
-            <a:spLocks noGrp="1"/>
-          </p:cNvSpPr>
-          <p:nvPr>
-            <p:ph type="title"/>
-          </p:nvPr>
-        </p:nvSpPr>
-        <p:spPr/>
-        <p:txBody>
-          <a:bodyPr>
-            <a:normAutofit/>
-          </a:bodyPr>
-          <a:lstStyle/>
-          <a:p>
-            <a:r>
-              <a:rPr lang="en-US" dirty="0">
-                <a:ea typeface="DejaVu Sans" pitchFamily="2"/>
-                <a:cs typeface="DejaVu Sans" pitchFamily="2"/>
-              </a:rPr>
-              <a:t>Anchor</a:t>
-            </a:r>
-            <a:r>
-              <a:rPr lang="ru-RU" dirty="0">
-                <a:ea typeface="DejaVu Sans" pitchFamily="2"/>
-                <a:cs typeface="DejaVu Sans" pitchFamily="2"/>
-              </a:rPr>
-              <a:t> </a:t>
-            </a:r>
-            <a:r>
-              <a:rPr lang="en-US" dirty="0">
-                <a:ea typeface="DejaVu Sans" pitchFamily="2"/>
-                <a:cs typeface="DejaVu Sans" pitchFamily="2"/>
-              </a:rPr>
-              <a:t>vs Data Vault 2.0</a:t>
-            </a:r>
-            <a:br>
-              <a:rPr lang="ru-RU" dirty="0">
-                <a:ea typeface="DejaVu Sans" pitchFamily="2"/>
-                <a:cs typeface="DejaVu Sans" pitchFamily="2"/>
-              </a:rPr>
-            </a:br>
-            <a:r>
-              <a:rPr lang="ru-RU" sz="3600" dirty="0">
-                <a:ea typeface="DejaVu Sans" pitchFamily="2"/>
-                <a:cs typeface="DejaVu Sans" pitchFamily="2"/>
-              </a:rPr>
-              <a:t>Общее сравнение</a:t>
-            </a:r>
-            <a:endParaRPr lang="ru-RU" dirty="0"/>
-          </a:p>
-        </p:txBody>
-      </p:sp>
-      <p:graphicFrame>
-        <p:nvGraphicFramePr>
-          <p:cNvPr id="4" name="Diagram 3">
-            <a:extLst>
-              <a:ext uri="{FF2B5EF4-FFF2-40B4-BE49-F238E27FC236}">
-                <a16:creationId xmlns:a16="http://schemas.microsoft.com/office/drawing/2014/main" id="{E5D749EF-4FCD-4122-9C37-C7B3FEBF08D2}"/>
-              </a:ext>
-            </a:extLst>
-          </p:cNvPr>
-          <p:cNvGraphicFramePr/>
-          <p:nvPr>
-            <p:extLst>
-              <p:ext uri="{D42A27DB-BD31-4B8C-83A1-F6EECF244321}">
-                <p14:modId xmlns:p14="http://schemas.microsoft.com/office/powerpoint/2010/main" val="62701220"/>
-              </p:ext>
-            </p:extLst>
-          </p:nvPr>
-        </p:nvGraphicFramePr>
-        <p:xfrm>
-          <a:off x="531875" y="2054691"/>
-          <a:ext cx="11128249" cy="5418667"/>
-        </p:xfrm>
-        <a:graphic>
-          <a:graphicData uri="http://schemas.openxmlformats.org/drawingml/2006/diagram">
-            <dgm:relIds xmlns:dgm="http://schemas.openxmlformats.org/drawingml/2006/diagram" xmlns:r="http://schemas.openxmlformats.org/officeDocument/2006/relationships" r:dm="rId3" r:lo="rId4" r:qs="rId5" r:cs="rId6"/>
-          </a:graphicData>
-        </a:graphic>
-      </p:graphicFrame>
-    </p:spTree>
-    <p:extLst>
-      <p:ext uri="{BB962C8B-B14F-4D97-AF65-F5344CB8AC3E}">
-        <p14:creationId xmlns:p14="http://schemas.microsoft.com/office/powerpoint/2010/main" val="3648852823"/>
       </p:ext>
     </p:extLst>
   </p:cSld>
@@ -12845,17 +12941,24 @@
                 <a:ea typeface="DejaVu Sans" pitchFamily="2"/>
                 <a:cs typeface="DejaVu Sans" pitchFamily="2"/>
               </a:rPr>
-              <a:t>Data Vault 2.0 &amp; </a:t>
-            </a:r>
-            <a:r>
-              <a:rPr lang="en-US" dirty="0" err="1">
-                <a:ea typeface="DejaVu Sans" pitchFamily="2"/>
-                <a:cs typeface="DejaVu Sans" pitchFamily="2"/>
-              </a:rPr>
-              <a:t>Ankor</a:t>
+              <a:t>Anchor</a:t>
+            </a:r>
+            <a:r>
+              <a:rPr lang="ru-RU" dirty="0">
+                <a:ea typeface="DejaVu Sans" pitchFamily="2"/>
+                <a:cs typeface="DejaVu Sans" pitchFamily="2"/>
+              </a:rPr>
+              <a:t> </a:t>
+            </a:r>
+            <a:r>
+              <a:rPr lang="en-US" dirty="0">
+                <a:ea typeface="DejaVu Sans" pitchFamily="2"/>
+                <a:cs typeface="DejaVu Sans" pitchFamily="2"/>
+              </a:rPr>
+              <a:t>vs Data Vault 2.0</a:t>
             </a:r>
             <a:br>
-              <a:rPr lang="en-US" dirty="0">
+              <a:rPr lang="ru-RU" dirty="0">
                 <a:ea typeface="DejaVu Sans" pitchFamily="2"/>
                 <a:cs typeface="DejaVu Sans" pitchFamily="2"/>
               </a:rPr>
@@ -12865,327 +12968,44 @@
                 <a:ea typeface="DejaVu Sans" pitchFamily="2"/>
                 <a:cs typeface="DejaVu Sans" pitchFamily="2"/>
               </a:rPr>
-              <a:t>Комбинация подходов</a:t>
+              <a:t>Общее сравнение</a:t>
             </a:r>
             <a:endParaRPr lang="ru-RU" dirty="0"/>
           </a:p>
         </p:txBody>
       </p:sp>
-      <p:sp>
-        <p:nvSpPr>
-          <p:cNvPr id="3" name="Content Placeholder 2">
+      <p:graphicFrame>
+        <p:nvGraphicFramePr>
+          <p:cNvPr id="4" name="Diagram 3">
             <a:extLst>
               <a:ext uri="{FF2B5EF4-FFF2-40B4-BE49-F238E27FC236}">
-                <a16:creationId xmlns:a16="http://schemas.microsoft.com/office/drawing/2014/main" id="{C15EB09F-B745-4151-9C07-58D16BCE98C4}"/>
+                <a16:creationId xmlns:a16="http://schemas.microsoft.com/office/drawing/2014/main" id="{E5D749EF-4FCD-4122-9C37-C7B3FEBF08D2}"/>
               </a:ext>
             </a:extLst>
           </p:cNvPr>
-          <p:cNvSpPr>
-            <a:spLocks noGrp="1"/>
-          </p:cNvSpPr>
+          <p:cNvGraphicFramePr/>
           <p:nvPr>
-            <p:ph idx="1"/>
+            <p:extLst>
+              <p:ext uri="{D42A27DB-BD31-4B8C-83A1-F6EECF244321}">
+                <p14:modId xmlns:p14="http://schemas.microsoft.com/office/powerpoint/2010/main" val="175417636"/>
+              </p:ext>
+            </p:extLst>
           </p:nvPr>
-        </p:nvSpPr>
-        <p:spPr>
-          <a:xfrm>
-            <a:off x="1451579" y="2413590"/>
-            <a:ext cx="9603275" cy="3727327"/>
-          </a:xfrm>
-        </p:spPr>
-        <p:txBody>
-          <a:bodyPr>
-            <a:normAutofit/>
-          </a:bodyPr>
-          <a:lstStyle/>
-          <a:p>
-            <a:pPr lvl="0">
-              <a:buClr>
-                <a:srgbClr val="666666"/>
-              </a:buClr>
-              <a:buSzPct val="45000"/>
-              <a:buFont typeface="StarSymbol"/>
-              <a:buChar char="●"/>
-            </a:pPr>
-            <a:r>
-              <a:rPr lang="ru-RU" dirty="0">
-                <a:solidFill>
-                  <a:srgbClr val="000000"/>
-                </a:solidFill>
-                <a:ea typeface="DejaVu Sans" pitchFamily="2"/>
-                <a:cs typeface="DejaVu Sans" pitchFamily="2"/>
-              </a:rPr>
-              <a:t>Часто используют комбинацию этих моделей: </a:t>
-            </a:r>
-            <a:r>
-              <a:rPr lang="ru-RU" dirty="0" err="1">
-                <a:solidFill>
-                  <a:srgbClr val="000000"/>
-                </a:solidFill>
-                <a:ea typeface="DejaVu Sans" pitchFamily="2"/>
-                <a:cs typeface="DejaVu Sans" pitchFamily="2"/>
-              </a:rPr>
-              <a:t>хабы</a:t>
-            </a:r>
-            <a:r>
-              <a:rPr lang="ru-RU" dirty="0">
-                <a:solidFill>
-                  <a:srgbClr val="000000"/>
-                </a:solidFill>
-                <a:ea typeface="DejaVu Sans" pitchFamily="2"/>
-                <a:cs typeface="DejaVu Sans" pitchFamily="2"/>
-              </a:rPr>
-              <a:t>, сателлиты и </a:t>
-            </a:r>
-            <a:r>
-              <a:rPr lang="ru-RU" dirty="0" err="1">
-                <a:solidFill>
-                  <a:srgbClr val="000000"/>
-                </a:solidFill>
-                <a:ea typeface="DejaVu Sans" pitchFamily="2"/>
-                <a:cs typeface="DejaVu Sans" pitchFamily="2"/>
-              </a:rPr>
-              <a:t>линки</a:t>
-            </a:r>
-            <a:r>
-              <a:rPr lang="ru-RU" dirty="0">
-                <a:solidFill>
-                  <a:srgbClr val="000000"/>
-                </a:solidFill>
-                <a:ea typeface="DejaVu Sans" pitchFamily="2"/>
-                <a:cs typeface="DejaVu Sans" pitchFamily="2"/>
-              </a:rPr>
-              <a:t> из </a:t>
-            </a:r>
-            <a:r>
-              <a:rPr lang="en-US" dirty="0">
-                <a:solidFill>
-                  <a:srgbClr val="000000"/>
-                </a:solidFill>
-                <a:ea typeface="DejaVu Sans" pitchFamily="2"/>
-                <a:cs typeface="DejaVu Sans" pitchFamily="2"/>
-              </a:rPr>
-              <a:t>DV 2.0</a:t>
-            </a:r>
-            <a:r>
-              <a:rPr lang="ru-RU" dirty="0">
-                <a:solidFill>
-                  <a:srgbClr val="000000"/>
-                </a:solidFill>
-                <a:ea typeface="DejaVu Sans" pitchFamily="2"/>
-                <a:cs typeface="DejaVu Sans" pitchFamily="2"/>
-              </a:rPr>
-              <a:t> и гранулярность </a:t>
-            </a:r>
-            <a:r>
-              <a:rPr lang="en-US" dirty="0">
-                <a:solidFill>
-                  <a:srgbClr val="000000"/>
-                </a:solidFill>
-                <a:ea typeface="DejaVu Sans" pitchFamily="2"/>
-                <a:cs typeface="DejaVu Sans" pitchFamily="2"/>
-              </a:rPr>
-              <a:t>Anchor</a:t>
-            </a:r>
-            <a:br>
-              <a:rPr lang="en-US" dirty="0">
-                <a:solidFill>
-                  <a:srgbClr val="000000"/>
-                </a:solidFill>
-                <a:ea typeface="DejaVu Sans" pitchFamily="2"/>
-                <a:cs typeface="DejaVu Sans" pitchFamily="2"/>
-              </a:rPr>
-            </a:br>
-            <a:endParaRPr lang="ru-RU" dirty="0">
-              <a:solidFill>
-                <a:srgbClr val="000000"/>
-              </a:solidFill>
-              <a:ea typeface="DejaVu Sans" pitchFamily="2"/>
-              <a:cs typeface="DejaVu Sans" pitchFamily="2"/>
-            </a:endParaRPr>
-          </a:p>
-          <a:p>
-            <a:pPr lvl="0">
-              <a:buClr>
-                <a:srgbClr val="666666"/>
-              </a:buClr>
-              <a:buSzPct val="45000"/>
-              <a:buFont typeface="StarSymbol"/>
-              <a:buChar char="●"/>
-            </a:pPr>
-            <a:r>
-              <a:rPr lang="ru-RU" dirty="0">
-                <a:solidFill>
-                  <a:srgbClr val="000000"/>
-                </a:solidFill>
-                <a:ea typeface="DejaVu Sans" pitchFamily="2"/>
-                <a:cs typeface="DejaVu Sans" pitchFamily="2"/>
-              </a:rPr>
-              <a:t>Примеры: </a:t>
-            </a:r>
-            <a:br>
-              <a:rPr lang="en-US" dirty="0">
-                <a:solidFill>
-                  <a:srgbClr val="000000"/>
-                </a:solidFill>
-                <a:ea typeface="DejaVu Sans" pitchFamily="2"/>
-                <a:cs typeface="DejaVu Sans" pitchFamily="2"/>
-              </a:rPr>
-            </a:br>
-            <a:endParaRPr lang="en-US" dirty="0">
-              <a:solidFill>
-                <a:srgbClr val="000000"/>
-              </a:solidFill>
-              <a:ea typeface="DejaVu Sans" pitchFamily="2"/>
-              <a:cs typeface="DejaVu Sans" pitchFamily="2"/>
-            </a:endParaRPr>
-          </a:p>
-          <a:p>
-            <a:pPr lvl="1">
-              <a:buClr>
-                <a:srgbClr val="666666"/>
-              </a:buClr>
-              <a:buSzPct val="45000"/>
-              <a:buFont typeface="StarSymbol"/>
-              <a:buChar char="●"/>
-            </a:pPr>
-            <a:r>
-              <a:rPr lang="ru-RU" dirty="0" err="1">
-                <a:solidFill>
-                  <a:srgbClr val="000000"/>
-                </a:solidFill>
-                <a:ea typeface="DejaVu Sans" pitchFamily="2"/>
-                <a:cs typeface="DejaVu Sans" pitchFamily="2"/>
-              </a:rPr>
-              <a:t>Сибур</a:t>
-            </a:r>
-            <a:r>
-              <a:rPr lang="en-US" dirty="0">
-                <a:solidFill>
-                  <a:srgbClr val="000000"/>
-                </a:solidFill>
-                <a:ea typeface="DejaVu Sans" pitchFamily="2"/>
-                <a:cs typeface="DejaVu Sans" pitchFamily="2"/>
-              </a:rPr>
-              <a:t>: </a:t>
-            </a:r>
-            <a:r>
-              <a:rPr lang="en-US" dirty="0">
-                <a:solidFill>
-                  <a:srgbClr val="000000"/>
-                </a:solidFill>
-                <a:ea typeface="DejaVu Sans" pitchFamily="2"/>
-                <a:cs typeface="DejaVu Sans" pitchFamily="2"/>
-                <a:hlinkClick r:id="rId2"/>
-              </a:rPr>
-              <a:t>https://sibur.digital/84-osobennosti-data-driven-v-neftekhimii</a:t>
-            </a:r>
-            <a:br>
-              <a:rPr lang="en-US" dirty="0">
-                <a:solidFill>
-                  <a:srgbClr val="000000"/>
-                </a:solidFill>
-                <a:ea typeface="DejaVu Sans" pitchFamily="2"/>
-                <a:cs typeface="DejaVu Sans" pitchFamily="2"/>
-              </a:rPr>
-            </a:br>
-            <a:endParaRPr lang="en-US" dirty="0">
-              <a:solidFill>
-                <a:srgbClr val="000000"/>
-              </a:solidFill>
-              <a:ea typeface="DejaVu Sans" pitchFamily="2"/>
-              <a:cs typeface="DejaVu Sans" pitchFamily="2"/>
-            </a:endParaRPr>
-          </a:p>
-          <a:p>
-            <a:pPr lvl="1">
-              <a:buClr>
-                <a:srgbClr val="666666"/>
-              </a:buClr>
-              <a:buSzPct val="45000"/>
-              <a:buFont typeface="StarSymbol"/>
-              <a:buChar char="●"/>
-            </a:pPr>
-            <a:r>
-              <a:rPr lang="ru-RU" dirty="0">
-                <a:solidFill>
-                  <a:srgbClr val="000000"/>
-                </a:solidFill>
-                <a:ea typeface="DejaVu Sans" pitchFamily="2"/>
-                <a:cs typeface="DejaVu Sans" pitchFamily="2"/>
-              </a:rPr>
-              <a:t>Яндекс.</a:t>
-            </a:r>
-            <a:r>
-              <a:rPr lang="en-US" dirty="0">
-                <a:solidFill>
-                  <a:srgbClr val="000000"/>
-                </a:solidFill>
-                <a:ea typeface="DejaVu Sans" pitchFamily="2"/>
-                <a:cs typeface="DejaVu Sans" pitchFamily="2"/>
-              </a:rPr>
-              <a:t>Go: </a:t>
-            </a:r>
-            <a:r>
-              <a:rPr lang="en-US" dirty="0">
-                <a:solidFill>
-                  <a:srgbClr val="000000"/>
-                </a:solidFill>
-                <a:ea typeface="DejaVu Sans" pitchFamily="2"/>
-                <a:cs typeface="DejaVu Sans" pitchFamily="2"/>
-                <a:hlinkClick r:id="rId3"/>
-              </a:rPr>
-              <a:t>https://habr.com/ru/company/yandex/blog/557140/</a:t>
-            </a:r>
-            <a:endParaRPr lang="en-US" dirty="0">
-              <a:solidFill>
-                <a:srgbClr val="000000"/>
-              </a:solidFill>
-              <a:ea typeface="DejaVu Sans" pitchFamily="2"/>
-              <a:cs typeface="DejaVu Sans" pitchFamily="2"/>
-            </a:endParaRPr>
-          </a:p>
-          <a:p>
-            <a:pPr marL="274320" lvl="1" indent="0">
-              <a:buClr>
-                <a:srgbClr val="666666"/>
-              </a:buClr>
-              <a:buSzPct val="45000"/>
-              <a:buNone/>
-            </a:pPr>
-            <a:endParaRPr lang="ru-RU" dirty="0">
-              <a:solidFill>
-                <a:srgbClr val="000000"/>
-              </a:solidFill>
-              <a:ea typeface="DejaVu Sans" pitchFamily="2"/>
-              <a:cs typeface="DejaVu Sans" pitchFamily="2"/>
-            </a:endParaRPr>
-          </a:p>
-          <a:p>
-            <a:pPr marL="0" lvl="0" indent="0">
-              <a:buClr>
-                <a:srgbClr val="666666"/>
-              </a:buClr>
-              <a:buSzPct val="45000"/>
-              <a:buNone/>
-            </a:pPr>
-            <a:endParaRPr lang="ru-RU" dirty="0">
-              <a:solidFill>
-                <a:srgbClr val="000000"/>
-              </a:solidFill>
-              <a:ea typeface="DejaVu Sans" pitchFamily="2"/>
-              <a:cs typeface="DejaVu Sans" pitchFamily="2"/>
-            </a:endParaRPr>
-          </a:p>
-          <a:p>
-            <a:endParaRPr lang="ru-RU" dirty="0"/>
-          </a:p>
-        </p:txBody>
-      </p:sp>
+        </p:nvGraphicFramePr>
+        <p:xfrm>
+          <a:off x="531875" y="2054691"/>
+          <a:ext cx="11128249" cy="5418667"/>
+        </p:xfrm>
+        <a:graphic>
+          <a:graphicData uri="http://schemas.openxmlformats.org/drawingml/2006/diagram">
+            <dgm:relIds xmlns:dgm="http://schemas.openxmlformats.org/drawingml/2006/diagram" xmlns:r="http://schemas.openxmlformats.org/officeDocument/2006/relationships" r:dm="rId3" r:lo="rId4" r:qs="rId5" r:cs="rId6"/>
+          </a:graphicData>
+        </a:graphic>
+      </p:graphicFrame>
     </p:spTree>
     <p:extLst>
       <p:ext uri="{BB962C8B-B14F-4D97-AF65-F5344CB8AC3E}">
-        <p14:creationId xmlns:p14="http://schemas.microsoft.com/office/powerpoint/2010/main" val="3191551256"/>
+        <p14:creationId xmlns:p14="http://schemas.microsoft.com/office/powerpoint/2010/main" val="3648852823"/>
       </p:ext>
     </p:extLst>
   </p:cSld>
@@ -13234,7 +13054,7 @@
         </p:blipFill>
         <p:spPr>
           <a:xfrm>
-            <a:off x="729343" y="992407"/>
+            <a:off x="637102" y="992407"/>
             <a:ext cx="11267394" cy="5865593"/>
           </a:xfrm>
           <a:prstGeom prst="rect">
@@ -13488,12 +13308,12 @@
         <p:spPr>
           <a:xfrm>
             <a:off x="1069848" y="2169042"/>
-            <a:ext cx="9603275" cy="3991025"/>
+            <a:ext cx="5968905" cy="4514927"/>
           </a:xfrm>
         </p:spPr>
         <p:txBody>
           <a:bodyPr>
-            <a:normAutofit/>
+            <a:normAutofit lnSpcReduction="10000"/>
           </a:bodyPr>
           <a:lstStyle/>
           <a:p>
@@ -13529,15 +13349,7 @@
             </a:pPr>
             <a:r>
               <a:rPr lang="ru-RU" sz="2600" dirty="0"/>
-              <a:t> </a:t>
-            </a:r>
-            <a:r>
-              <a:rPr lang="en-US" sz="2600" dirty="0"/>
-              <a:t>online</a:t>
-            </a:r>
-            <a:r>
-              <a:rPr lang="ru-RU" sz="2600" dirty="0"/>
-              <a:t> магазин</a:t>
+              <a:t>Доставка еды</a:t>
             </a:r>
           </a:p>
           <a:p>
@@ -13579,9 +13391,26 @@
               <a:buChar char="Ø"/>
             </a:pPr>
             <a:r>
+              <a:rPr lang="ru-RU" sz="2400" b="1" dirty="0"/>
+              <a:t>Рестораны</a:t>
+            </a:r>
+            <a:r>
               <a:rPr lang="ru-RU" sz="2400" dirty="0"/>
-              <a:t>Клиент</a:t>
-            </a:r>
+              <a:t> (</a:t>
+            </a:r>
+            <a:r>
+              <a:rPr lang="en-US" sz="2400" dirty="0"/>
+              <a:t>id</a:t>
+            </a:r>
+            <a:r>
+              <a:rPr lang="ru-RU" sz="2400" dirty="0"/>
+              <a:t>, </a:t>
+            </a:r>
+            <a:r>
+              <a:rPr lang="en-US" sz="2400" dirty="0"/>
+              <a:t>name)</a:t>
+            </a:r>
+            <a:endParaRPr lang="ru-RU" sz="2400" dirty="0"/>
           </a:p>
           <a:p>
             <a:pPr lvl="1">
@@ -13593,9 +13422,18 @@
               <a:buChar char="Ø"/>
             </a:pPr>
             <a:r>
-              <a:rPr lang="ru-RU" sz="2400" dirty="0"/>
-              <a:t>Товар</a:t>
-            </a:r>
+              <a:rPr lang="ru-RU" sz="2400" b="1" dirty="0"/>
+              <a:t>Курьеры</a:t>
+            </a:r>
+            <a:r>
+              <a:rPr lang="en-US" sz="2400" b="1" dirty="0"/>
+              <a:t> </a:t>
+            </a:r>
+            <a:r>
+              <a:rPr lang="en-US" sz="2400" dirty="0"/>
+              <a:t>(id, name)</a:t>
+            </a:r>
+            <a:endParaRPr lang="ru-RU" sz="2400" dirty="0"/>
           </a:p>
           <a:p>
             <a:pPr lvl="1">
@@ -13607,283 +13445,57 @@
               <a:buChar char="Ø"/>
             </a:pPr>
             <a:r>
-              <a:rPr lang="ru-RU" sz="2400" dirty="0"/>
-              <a:t>Продажа</a:t>
-            </a:r>
-          </a:p>
-          <a:p>
-            <a:pPr marL="0" lvl="0" indent="0">
-              <a:buClr>
-                <a:srgbClr val="666666"/>
-              </a:buClr>
-              <a:buSzPct val="45000"/>
-              <a:buNone/>
-            </a:pPr>
-            <a:endParaRPr lang="ru-RU" sz="2800" dirty="0">
-              <a:solidFill>
-                <a:srgbClr val="000000"/>
-              </a:solidFill>
-              <a:ea typeface="DejaVu Sans" pitchFamily="2"/>
-              <a:cs typeface="DejaVu Sans" pitchFamily="2"/>
-            </a:endParaRPr>
-          </a:p>
-          <a:p>
-            <a:endParaRPr lang="ru-RU" sz="2800" dirty="0"/>
-          </a:p>
-        </p:txBody>
-      </p:sp>
-    </p:spTree>
-    <p:extLst>
-      <p:ext uri="{BB962C8B-B14F-4D97-AF65-F5344CB8AC3E}">
-        <p14:creationId xmlns:p14="http://schemas.microsoft.com/office/powerpoint/2010/main" val="3490055149"/>
-      </p:ext>
-    </p:extLst>
-  </p:cSld>
-  <p:clrMapOvr>
-    <a:masterClrMapping/>
-  </p:clrMapOvr>
-</p:sld>
-</file>
-
-<file path=ppt/slides/slide17.xml><?xml version="1.0" encoding="utf-8"?>
-<p:sld xmlns:a="http://schemas.openxmlformats.org/drawingml/2006/main" xmlns:r="http://schemas.openxmlformats.org/officeDocument/2006/relationships" xmlns:p="http://schemas.openxmlformats.org/presentationml/2006/main">
-  <p:cSld>
-    <p:spTree>
-      <p:nvGrpSpPr>
-        <p:cNvPr id="1" name=""/>
-        <p:cNvGrpSpPr/>
-        <p:nvPr/>
-      </p:nvGrpSpPr>
-      <p:grpSpPr>
-        <a:xfrm>
-          <a:off x="0" y="0"/>
-          <a:ext cx="0" cy="0"/>
-          <a:chOff x="0" y="0"/>
-          <a:chExt cx="0" cy="0"/>
-        </a:xfrm>
-      </p:grpSpPr>
-      <p:sp>
-        <p:nvSpPr>
-          <p:cNvPr id="7" name="Title 1">
-            <a:extLst>
-              <a:ext uri="{FF2B5EF4-FFF2-40B4-BE49-F238E27FC236}">
-                <a16:creationId xmlns:a16="http://schemas.microsoft.com/office/drawing/2014/main" id="{1EF4567A-7000-4DBA-860E-8218A54FC856}"/>
-              </a:ext>
-            </a:extLst>
-          </p:cNvPr>
-          <p:cNvSpPr txBox="1">
-            <a:spLocks/>
-          </p:cNvSpPr>
-          <p:nvPr/>
-        </p:nvSpPr>
-        <p:spPr>
-          <a:xfrm>
-            <a:off x="1069848" y="484632"/>
-            <a:ext cx="10058400" cy="1609344"/>
-          </a:xfrm>
-          <a:prstGeom prst="rect">
-            <a:avLst/>
-          </a:prstGeom>
-        </p:spPr>
-        <p:txBody>
-          <a:bodyPr vert="horz" lIns="91440" tIns="45720" rIns="91440" bIns="45720" rtlCol="0" anchor="ctr">
-            <a:normAutofit/>
-          </a:bodyPr>
-          <a:lstStyle>
-            <a:lvl1pPr algn="l" defTabSz="914400" rtl="0" eaLnBrk="1" latinLnBrk="0" hangingPunct="1">
-              <a:lnSpc>
-                <a:spcPct val="90000"/>
-              </a:lnSpc>
-              <a:spcBef>
-                <a:spcPct val="0"/>
-              </a:spcBef>
-              <a:buNone/>
-              <a:defRPr sz="4800" kern="1200" cap="none" baseline="0">
-                <a:blipFill>
-                  <a:blip r:embed="rId3">
-                    <a:extLst>
-                      <a:ext uri="{28A0092B-C50C-407E-A947-70E740481C1C}">
-                        <a14:useLocalDpi xmlns:a14="http://schemas.microsoft.com/office/drawing/2010/main" val="0"/>
-                      </a:ext>
-                    </a:extLst>
-                  </a:blip>
-                  <a:tile tx="6350" ty="-127000" sx="65000" sy="64000" flip="none" algn="tl"/>
-                </a:blipFill>
-                <a:latin typeface="+mj-lt"/>
-                <a:ea typeface="+mj-ea"/>
-                <a:cs typeface="+mj-cs"/>
-              </a:defRPr>
-            </a:lvl1pPr>
-          </a:lstStyle>
-          <a:p>
-            <a:r>
-              <a:rPr lang="ru-RU" dirty="0">
-                <a:ea typeface="DejaVu Sans" pitchFamily="2"/>
-                <a:cs typeface="DejaVu Sans" pitchFamily="2"/>
-              </a:rPr>
-              <a:t>Проектирование</a:t>
-            </a:r>
-          </a:p>
-          <a:p>
-            <a:r>
-              <a:rPr lang="en-US" dirty="0">
-                <a:ea typeface="DejaVu Sans" pitchFamily="2"/>
-                <a:cs typeface="DejaVu Sans" pitchFamily="2"/>
-              </a:rPr>
-              <a:t>anchor</a:t>
-            </a:r>
-            <a:r>
-              <a:rPr lang="ru-RU" dirty="0">
-                <a:ea typeface="DejaVu Sans" pitchFamily="2"/>
-                <a:cs typeface="DejaVu Sans" pitchFamily="2"/>
-              </a:rPr>
-              <a:t> модели</a:t>
-            </a:r>
-            <a:endParaRPr lang="ru-RU" dirty="0"/>
-          </a:p>
-        </p:txBody>
-      </p:sp>
-      <p:sp>
-        <p:nvSpPr>
-          <p:cNvPr id="10" name="Content Placeholder 2">
-            <a:extLst>
-              <a:ext uri="{FF2B5EF4-FFF2-40B4-BE49-F238E27FC236}">
-                <a16:creationId xmlns:a16="http://schemas.microsoft.com/office/drawing/2014/main" id="{32BBA25A-D744-446A-BD85-6796C997ED1A}"/>
-              </a:ext>
-            </a:extLst>
-          </p:cNvPr>
-          <p:cNvSpPr>
-            <a:spLocks noGrp="1"/>
-          </p:cNvSpPr>
-          <p:nvPr>
-            <p:ph idx="1"/>
-          </p:nvPr>
-        </p:nvSpPr>
-        <p:spPr>
-          <a:xfrm>
-            <a:off x="1069848" y="2169042"/>
-            <a:ext cx="9603275" cy="3991025"/>
-          </a:xfrm>
-        </p:spPr>
-        <p:txBody>
-          <a:bodyPr>
-            <a:normAutofit/>
-          </a:bodyPr>
-          <a:lstStyle/>
-          <a:p>
-            <a:pPr lvl="0">
-              <a:buClr>
-                <a:srgbClr val="666666"/>
-              </a:buClr>
-              <a:buSzPct val="45000"/>
-              <a:buFont typeface="StarSymbol"/>
-              <a:buChar char="●"/>
-            </a:pPr>
-            <a:r>
-              <a:rPr lang="ru-RU" sz="2800" dirty="0"/>
-              <a:t>Предметная область</a:t>
-            </a:r>
-            <a:r>
-              <a:rPr lang="en-US" sz="2800" dirty="0"/>
-              <a:t>:</a:t>
+              <a:rPr lang="ru-RU" sz="2400" b="1" dirty="0"/>
+              <a:t>Доставки</a:t>
+            </a:r>
+            <a:r>
+              <a:rPr lang="en-US" sz="2400" dirty="0"/>
+              <a:t> (</a:t>
+            </a:r>
+            <a:r>
+              <a:rPr lang="en-US" sz="2400" dirty="0" err="1"/>
+              <a:t>order_id</a:t>
+            </a:r>
+            <a:r>
+              <a:rPr lang="en-US" sz="2400" dirty="0"/>
+              <a:t>, </a:t>
+            </a:r>
+            <a:r>
+              <a:rPr lang="en-US" sz="2400" dirty="0" err="1"/>
+              <a:t>order_ts</a:t>
+            </a:r>
+            <a:r>
+              <a:rPr lang="en-US" sz="2400" dirty="0"/>
+              <a:t>, </a:t>
+            </a:r>
+            <a:r>
+              <a:rPr lang="en-US" sz="2400" dirty="0" err="1"/>
+              <a:t>delivery_id</a:t>
+            </a:r>
+            <a:r>
+              <a:rPr lang="en-US" sz="2400" dirty="0"/>
+              <a:t>,</a:t>
             </a:r>
             <a:br>
-              <a:rPr lang="en-US" sz="2800" dirty="0"/>
+              <a:rPr lang="en-US" sz="2400" dirty="0"/>
             </a:br>
-            <a:endParaRPr lang="en-US" sz="2800" dirty="0"/>
-          </a:p>
-          <a:p>
-            <a:pPr lvl="1">
-              <a:buClr>
-                <a:srgbClr val="666666"/>
-              </a:buClr>
-              <a:buSzPct val="45000"/>
-              <a:buFont typeface="Wingdings" panose="05000000000000000000" pitchFamily="2" charset="2"/>
-              <a:buChar char="Ø"/>
-            </a:pPr>
-            <a:r>
-              <a:rPr lang="ru-RU" sz="2600" dirty="0"/>
-              <a:t> </a:t>
-            </a:r>
-            <a:r>
-              <a:rPr lang="en-US" sz="2600" dirty="0"/>
-              <a:t>online</a:t>
-            </a:r>
-            <a:r>
-              <a:rPr lang="ru-RU" sz="2600" dirty="0"/>
-              <a:t> магазин</a:t>
-            </a:r>
-          </a:p>
-          <a:p>
-            <a:pPr lvl="0">
-              <a:buClr>
-                <a:srgbClr val="666666"/>
-              </a:buClr>
-              <a:buSzPct val="45000"/>
-              <a:buFont typeface="StarSymbol"/>
-              <a:buChar char="●"/>
-            </a:pPr>
-            <a:endParaRPr lang="ru-RU" sz="2800" dirty="0"/>
-          </a:p>
-          <a:p>
-            <a:pPr lvl="0">
-              <a:buClr>
-                <a:srgbClr val="666666"/>
-              </a:buClr>
-              <a:buSzPct val="45000"/>
-              <a:buFont typeface="StarSymbol"/>
-              <a:buChar char="●"/>
-            </a:pPr>
-            <a:r>
-              <a:rPr lang="ru-RU" sz="2800" dirty="0"/>
-              <a:t>Основные сущности:</a:t>
-            </a:r>
-            <a:br>
-              <a:rPr lang="ru-RU" sz="2800" dirty="0"/>
-            </a:br>
-            <a:endParaRPr lang="ru-RU" sz="2800" dirty="0"/>
-          </a:p>
-          <a:p>
-            <a:pPr lvl="1">
-              <a:buClr>
-                <a:srgbClr val="666666"/>
-              </a:buClr>
-              <a:buSzPct val="45000"/>
-              <a:buFont typeface="Wingdings" panose="05000000000000000000" pitchFamily="2" charset="2"/>
-              <a:buChar char="Ø"/>
-            </a:pPr>
-            <a:r>
-              <a:rPr lang="ru-RU" sz="2400" dirty="0"/>
-              <a:t>Клиент</a:t>
-            </a:r>
-          </a:p>
-          <a:p>
-            <a:pPr lvl="1">
-              <a:buClr>
-                <a:srgbClr val="666666"/>
-              </a:buClr>
-              <a:buSzPct val="45000"/>
-              <a:buFont typeface="Wingdings" panose="05000000000000000000" pitchFamily="2" charset="2"/>
-              <a:buChar char="Ø"/>
-            </a:pPr>
-            <a:r>
-              <a:rPr lang="ru-RU" sz="2400" dirty="0"/>
-              <a:t>Товар</a:t>
-            </a:r>
-          </a:p>
-          <a:p>
-            <a:pPr lvl="1">
-              <a:buClr>
-                <a:srgbClr val="666666"/>
-              </a:buClr>
-              <a:buSzPct val="45000"/>
-              <a:buFont typeface="Wingdings" panose="05000000000000000000" pitchFamily="2" charset="2"/>
-              <a:buChar char="Ø"/>
-            </a:pPr>
-            <a:r>
-              <a:rPr lang="ru-RU" sz="2400" dirty="0"/>
-              <a:t>Продажа</a:t>
-            </a:r>
+            <a:r>
+              <a:rPr lang="en-US" sz="2400" dirty="0" err="1"/>
+              <a:t>courier_id</a:t>
+            </a:r>
+            <a:r>
+              <a:rPr lang="en-US" sz="2400" dirty="0"/>
+              <a:t>, address, </a:t>
+            </a:r>
+            <a:r>
+              <a:rPr lang="en-US" sz="2400" dirty="0" err="1"/>
+              <a:t>delivery_ts</a:t>
+            </a:r>
+            <a:r>
+              <a:rPr lang="en-US" sz="2400" dirty="0"/>
+              <a:t>)</a:t>
+            </a:r>
+            <a:endParaRPr lang="ru-RU" sz="2400" dirty="0"/>
           </a:p>
           <a:p>
             <a:pPr marL="0" lvl="0" indent="0">
@@ -13920,7 +13532,7 @@
         </p:nvSpPr>
         <p:spPr>
           <a:xfrm>
-            <a:off x="0" y="0"/>
+            <a:off x="-10883" y="0"/>
             <a:ext cx="12192000" cy="6858000"/>
           </a:xfrm>
           <a:prstGeom prst="rect">
@@ -14060,7 +13672,7 @@
                 <a:ea typeface="DejaVu Sans" pitchFamily="2"/>
                 <a:cs typeface="DejaVu Sans" pitchFamily="2"/>
               </a:rPr>
-              <a:t>Задание 1</a:t>
+              <a:t>Задание</a:t>
             </a:r>
             <a:endParaRPr lang="ru-RU" dirty="0"/>
           </a:p>
@@ -14346,54 +13958,27 @@
             </a:pPr>
             <a:r>
               <a:rPr lang="ru-RU" sz="2800" dirty="0"/>
-              <a:t>Знакомство с командой</a:t>
-            </a:r>
-            <a:br>
-              <a:rPr lang="ru-RU" sz="2800" dirty="0"/>
-            </a:br>
-            <a:endParaRPr lang="ru-RU" sz="2800" dirty="0"/>
-          </a:p>
-          <a:p>
-            <a:pPr lvl="1">
+              <a:t>Выбрать спикера от команды</a:t>
+            </a:r>
+          </a:p>
+          <a:p>
+            <a:pPr>
               <a:buClr>
                 <a:srgbClr val="666666"/>
               </a:buClr>
               <a:buSzPct val="45000"/>
-              <a:buFont typeface="Wingdings" panose="05000000000000000000" pitchFamily="2" charset="2"/>
-              <a:buChar char="Ø"/>
+              <a:buFont typeface="StarSymbol"/>
+              <a:buChar char="●"/>
             </a:pPr>
             <a:r>
-              <a:rPr lang="ru-RU" sz="2600" dirty="0"/>
-              <a:t>Представиться, вкратце рассказать о себе</a:t>
-            </a:r>
-          </a:p>
-          <a:p>
-            <a:pPr lvl="1">
-              <a:buClr>
-                <a:srgbClr val="666666"/>
-              </a:buClr>
-              <a:buSzPct val="45000"/>
-              <a:buFont typeface="Wingdings" panose="05000000000000000000" pitchFamily="2" charset="2"/>
-              <a:buChar char="Ø"/>
-            </a:pPr>
-            <a:r>
-              <a:rPr lang="ru-RU" sz="2600" dirty="0"/>
-              <a:t>Обменяться контактами</a:t>
-            </a:r>
-          </a:p>
-          <a:p>
-            <a:pPr lvl="1">
-              <a:buClr>
-                <a:srgbClr val="666666"/>
-              </a:buClr>
-              <a:buSzPct val="45000"/>
-              <a:buFont typeface="Wingdings" panose="05000000000000000000" pitchFamily="2" charset="2"/>
-              <a:buChar char="Ø"/>
-            </a:pPr>
-            <a:r>
-              <a:rPr lang="ru-RU" sz="2600" dirty="0"/>
-              <a:t>Выбрать спикера от команды</a:t>
-            </a:r>
+              <a:rPr lang="ru-RU" sz="2800" dirty="0"/>
+              <a:t>Построить модель предметной области по якорной модели (</a:t>
+            </a:r>
+            <a:r>
+              <a:rPr lang="en-US" sz="2800" dirty="0"/>
+              <a:t>anchor model)</a:t>
+            </a:r>
+            <a:endParaRPr lang="ru-RU" sz="2800" dirty="0"/>
           </a:p>
           <a:p>
             <a:pPr lvl="1">
@@ -14404,7 +13989,38 @@
               <a:buFont typeface="StarSymbol"/>
               <a:buChar char="●"/>
             </a:pPr>
-            <a:endParaRPr lang="ru-RU" sz="2600" dirty="0"/>
+            <a:r>
+              <a:rPr lang="en-US" sz="2400" dirty="0">
+                <a:hlinkClick r:id="rId4" action="ppaction://hlinkfile"/>
+              </a:rPr>
+              <a:t>Draw.io</a:t>
+            </a:r>
+            <a:endParaRPr lang="en-US" sz="2400" dirty="0"/>
+          </a:p>
+          <a:p>
+            <a:pPr lvl="1">
+              <a:buClr>
+                <a:srgbClr val="666666"/>
+              </a:buClr>
+              <a:buSzPct val="45000"/>
+              <a:buFont typeface="StarSymbol"/>
+              <a:buChar char="●"/>
+            </a:pPr>
+            <a:r>
+              <a:rPr lang="en-US" sz="2400" dirty="0"/>
+              <a:t>Zoom notes</a:t>
+            </a:r>
+            <a:endParaRPr lang="ru-RU" sz="2400" dirty="0"/>
+          </a:p>
+          <a:p>
+            <a:pPr marL="0" indent="0">
+              <a:buClr>
+                <a:srgbClr val="666666"/>
+              </a:buClr>
+              <a:buSzPct val="45000"/>
+              <a:buNone/>
+            </a:pPr>
+            <a:endParaRPr lang="ru-RU" sz="2800" dirty="0"/>
           </a:p>
           <a:p>
             <a:pPr>
@@ -14415,24 +14031,21 @@
               <a:buFont typeface="StarSymbol"/>
               <a:buChar char="●"/>
             </a:pPr>
-            <a:endParaRPr lang="ru-RU" sz="2800" dirty="0"/>
-          </a:p>
-          <a:p>
-            <a:pPr>
-              <a:buClr>
-                <a:srgbClr val="666666"/>
-              </a:buClr>
-              <a:buSzPct val="45000"/>
-              <a:buFont typeface="StarSymbol"/>
-              <a:buChar char="●"/>
-            </a:pPr>
             <a:r>
               <a:rPr lang="ru-RU" sz="2800" dirty="0" err="1"/>
               <a:t>Тайминг</a:t>
             </a:r>
             <a:r>
               <a:rPr lang="ru-RU" sz="2800" dirty="0"/>
-              <a:t> – 5 минут</a:t>
+              <a:t> – </a:t>
+            </a:r>
+            <a:r>
+              <a:rPr lang="en-US" sz="2800" dirty="0"/>
+              <a:t>30</a:t>
+            </a:r>
+            <a:r>
+              <a:rPr lang="ru-RU" sz="2800" dirty="0"/>
+              <a:t> минут</a:t>
             </a:r>
           </a:p>
         </p:txBody>
@@ -14441,6 +14054,161 @@
     <p:extLst>
       <p:ext uri="{BB962C8B-B14F-4D97-AF65-F5344CB8AC3E}">
         <p14:creationId xmlns:p14="http://schemas.microsoft.com/office/powerpoint/2010/main" val="945959014"/>
+      </p:ext>
+    </p:extLst>
+  </p:cSld>
+  <p:clrMapOvr>
+    <a:masterClrMapping/>
+  </p:clrMapOvr>
+</p:sld>
+</file>
+
+<file path=ppt/slides/slide17.xml><?xml version="1.0" encoding="utf-8"?>
+<p:sld xmlns:a="http://schemas.openxmlformats.org/drawingml/2006/main" xmlns:r="http://schemas.openxmlformats.org/officeDocument/2006/relationships" xmlns:p="http://schemas.openxmlformats.org/presentationml/2006/main">
+  <p:cSld>
+    <p:spTree>
+      <p:nvGrpSpPr>
+        <p:cNvPr id="1" name=""/>
+        <p:cNvGrpSpPr/>
+        <p:nvPr/>
+      </p:nvGrpSpPr>
+      <p:grpSpPr>
+        <a:xfrm>
+          <a:off x="0" y="0"/>
+          <a:ext cx="0" cy="0"/>
+          <a:chOff x="0" y="0"/>
+          <a:chExt cx="0" cy="0"/>
+        </a:xfrm>
+      </p:grpSpPr>
+      <p:sp>
+        <p:nvSpPr>
+          <p:cNvPr id="2" name="Title 1">
+            <a:extLst>
+              <a:ext uri="{FF2B5EF4-FFF2-40B4-BE49-F238E27FC236}">
+                <a16:creationId xmlns:a16="http://schemas.microsoft.com/office/drawing/2014/main" id="{FA7CD49F-D4C2-48A5-9EF0-80BD7AB3DA72}"/>
+              </a:ext>
+            </a:extLst>
+          </p:cNvPr>
+          <p:cNvSpPr>
+            <a:spLocks noGrp="1"/>
+          </p:cNvSpPr>
+          <p:nvPr>
+            <p:ph type="title"/>
+          </p:nvPr>
+        </p:nvSpPr>
+        <p:spPr>
+          <a:xfrm>
+            <a:off x="1002060" y="137596"/>
+            <a:ext cx="10058400" cy="1609344"/>
+          </a:xfrm>
+        </p:spPr>
+        <p:txBody>
+          <a:bodyPr/>
+          <a:lstStyle/>
+          <a:p>
+            <a:r>
+              <a:rPr lang="en-US" dirty="0"/>
+              <a:t>ETL template</a:t>
+            </a:r>
+            <a:endParaRPr lang="ru-RU" dirty="0"/>
+          </a:p>
+        </p:txBody>
+      </p:sp>
+      <p:pic>
+        <p:nvPicPr>
+          <p:cNvPr id="1026" name="Picture 2" descr="https://i.ytimg.com/vi/x-WkIngiHf4/maxresdefault.jpg">
+            <a:extLst>
+              <a:ext uri="{FF2B5EF4-FFF2-40B4-BE49-F238E27FC236}">
+                <a16:creationId xmlns:a16="http://schemas.microsoft.com/office/drawing/2014/main" id="{F2AF4024-7B43-409A-B953-AE521359C8B5}"/>
+              </a:ext>
+            </a:extLst>
+          </p:cNvPr>
+          <p:cNvPicPr>
+            <a:picLocks noChangeAspect="1" noChangeArrowheads="1"/>
+          </p:cNvPicPr>
+          <p:nvPr/>
+        </p:nvPicPr>
+        <p:blipFill rotWithShape="1">
+          <a:blip r:embed="rId3">
+            <a:extLst>
+              <a:ext uri="{28A0092B-C50C-407E-A947-70E740481C1C}">
+                <a14:useLocalDpi xmlns:a14="http://schemas.microsoft.com/office/drawing/2010/main" val="0"/>
+              </a:ext>
+            </a:extLst>
+          </a:blip>
+          <a:srcRect l="5762" t="23899" r="21917" b="9134"/>
+          <a:stretch/>
+        </p:blipFill>
+        <p:spPr bwMode="auto">
+          <a:xfrm>
+            <a:off x="816428" y="1230087"/>
+            <a:ext cx="10540703" cy="5490318"/>
+          </a:xfrm>
+          <a:prstGeom prst="rect">
+            <a:avLst/>
+          </a:prstGeom>
+          <a:noFill/>
+          <a:extLst>
+            <a:ext uri="{909E8E84-426E-40DD-AFC4-6F175D3DCCD1}">
+              <a14:hiddenFill xmlns:a14="http://schemas.microsoft.com/office/drawing/2010/main">
+                <a:solidFill>
+                  <a:srgbClr val="FFFFFF"/>
+                </a:solidFill>
+              </a14:hiddenFill>
+            </a:ext>
+          </a:extLst>
+        </p:spPr>
+      </p:pic>
+      <p:sp>
+        <p:nvSpPr>
+          <p:cNvPr id="6" name="Content Placeholder 2">
+            <a:extLst>
+              <a:ext uri="{FF2B5EF4-FFF2-40B4-BE49-F238E27FC236}">
+                <a16:creationId xmlns:a16="http://schemas.microsoft.com/office/drawing/2014/main" id="{1FD58966-FB84-4FC2-BB43-C27E8C54B0E4}"/>
+              </a:ext>
+            </a:extLst>
+          </p:cNvPr>
+          <p:cNvSpPr>
+            <a:spLocks noGrp="1"/>
+          </p:cNvSpPr>
+          <p:nvPr>
+            <p:ph idx="1"/>
+          </p:nvPr>
+        </p:nvSpPr>
+        <p:spPr>
+          <a:xfrm>
+            <a:off x="6530221" y="827752"/>
+            <a:ext cx="5117493" cy="315248"/>
+          </a:xfrm>
+        </p:spPr>
+        <p:txBody>
+          <a:bodyPr>
+            <a:normAutofit fontScale="92500" lnSpcReduction="20000"/>
+          </a:bodyPr>
+          <a:lstStyle/>
+          <a:p>
+            <a:r>
+              <a:rPr lang="en-US" dirty="0"/>
+              <a:t>Source: </a:t>
+            </a:r>
+            <a:r>
+              <a:rPr lang="en-US" dirty="0">
+                <a:hlinkClick r:id="rId4"/>
+              </a:rPr>
+              <a:t>https://www.anchormodeling.com/</a:t>
+            </a:r>
+            <a:r>
+              <a:rPr lang="en-US" dirty="0"/>
+              <a:t> </a:t>
+            </a:r>
+            <a:endParaRPr lang="ru-RU" dirty="0"/>
+          </a:p>
+        </p:txBody>
+      </p:sp>
+    </p:spTree>
+    <p:extLst>
+      <p:ext uri="{BB962C8B-B14F-4D97-AF65-F5344CB8AC3E}">
+        <p14:creationId xmlns:p14="http://schemas.microsoft.com/office/powerpoint/2010/main" val="2068844240"/>
       </p:ext>
     </p:extLst>
   </p:cSld>
@@ -14469,80 +14237,53 @@
       </p:grpSpPr>
       <p:sp>
         <p:nvSpPr>
-          <p:cNvPr id="7" name="Title 1">
+          <p:cNvPr id="2" name="Title 1">
             <a:extLst>
               <a:ext uri="{FF2B5EF4-FFF2-40B4-BE49-F238E27FC236}">
-                <a16:creationId xmlns:a16="http://schemas.microsoft.com/office/drawing/2014/main" id="{1EF4567A-7000-4DBA-860E-8218A54FC856}"/>
+                <a16:creationId xmlns:a16="http://schemas.microsoft.com/office/drawing/2014/main" id="{74ED2800-BE23-482A-B152-A72BC607E8B0}"/>
               </a:ext>
             </a:extLst>
           </p:cNvPr>
-          <p:cNvSpPr txBox="1">
-            <a:spLocks/>
+          <p:cNvSpPr>
+            <a:spLocks noGrp="1"/>
           </p:cNvSpPr>
-          <p:nvPr/>
+          <p:nvPr>
+            <p:ph type="title"/>
+          </p:nvPr>
         </p:nvSpPr>
-        <p:spPr>
-          <a:xfrm>
-            <a:off x="1069848" y="484632"/>
-            <a:ext cx="10058400" cy="1609344"/>
-          </a:xfrm>
-          <a:prstGeom prst="rect">
-            <a:avLst/>
-          </a:prstGeom>
-        </p:spPr>
+        <p:spPr/>
         <p:txBody>
-          <a:bodyPr vert="horz" lIns="91440" tIns="45720" rIns="91440" bIns="45720" rtlCol="0" anchor="ctr">
+          <a:bodyPr>
             <a:normAutofit/>
           </a:bodyPr>
-          <a:lstStyle>
-            <a:lvl1pPr algn="l" defTabSz="914400" rtl="0" eaLnBrk="1" latinLnBrk="0" hangingPunct="1">
-              <a:lnSpc>
-                <a:spcPct val="90000"/>
-              </a:lnSpc>
-              <a:spcBef>
-                <a:spcPct val="0"/>
-              </a:spcBef>
-              <a:buNone/>
-              <a:defRPr sz="4800" kern="1200" cap="none" baseline="0">
-                <a:blipFill>
-                  <a:blip r:embed="rId3">
-                    <a:extLst>
-                      <a:ext uri="{28A0092B-C50C-407E-A947-70E740481C1C}">
-                        <a14:useLocalDpi xmlns:a14="http://schemas.microsoft.com/office/drawing/2010/main" val="0"/>
-                      </a:ext>
-                    </a:extLst>
-                  </a:blip>
-                  <a:tile tx="6350" ty="-127000" sx="65000" sy="64000" flip="none" algn="tl"/>
-                </a:blipFill>
-                <a:latin typeface="+mj-lt"/>
-                <a:ea typeface="+mj-ea"/>
-                <a:cs typeface="+mj-cs"/>
-              </a:defRPr>
-            </a:lvl1pPr>
-          </a:lstStyle>
-          <a:p>
+          <a:lstStyle/>
+          <a:p>
+            <a:r>
+              <a:rPr lang="en-US" dirty="0">
+                <a:ea typeface="DejaVu Sans" pitchFamily="2"/>
+                <a:cs typeface="DejaVu Sans" pitchFamily="2"/>
+              </a:rPr>
+              <a:t>Anchor</a:t>
+            </a:r>
             <a:r>
               <a:rPr lang="ru-RU" dirty="0">
                 <a:ea typeface="DejaVu Sans" pitchFamily="2"/>
                 <a:cs typeface="DejaVu Sans" pitchFamily="2"/>
               </a:rPr>
-              <a:t>Проектирование</a:t>
-            </a:r>
-          </a:p>
-          <a:p>
-            <a:r>
-              <a:rPr lang="en-US" dirty="0">
-                <a:ea typeface="DejaVu Sans" pitchFamily="2"/>
-                <a:cs typeface="DejaVu Sans" pitchFamily="2"/>
-              </a:rPr>
-              <a:t>anchor</a:t>
-            </a:r>
-            <a:r>
+              <a:t> – якорная модель</a:t>
+            </a:r>
+            <a:br>
               <a:rPr lang="ru-RU" dirty="0">
                 <a:ea typeface="DejaVu Sans" pitchFamily="2"/>
                 <a:cs typeface="DejaVu Sans" pitchFamily="2"/>
               </a:rPr>
-              <a:t> модели</a:t>
+            </a:br>
+            <a:r>
+              <a:rPr lang="ru-RU" sz="3600" dirty="0">
+                <a:ea typeface="DejaVu Sans" pitchFamily="2"/>
+                <a:cs typeface="DejaVu Sans" pitchFamily="2"/>
+              </a:rPr>
+              <a:t>Оптимизация физической модели</a:t>
             </a:r>
             <a:endParaRPr lang="ru-RU" dirty="0"/>
           </a:p>
@@ -14550,10 +14291,10 @@
       </p:sp>
       <p:sp>
         <p:nvSpPr>
-          <p:cNvPr id="10" name="Content Placeholder 2">
+          <p:cNvPr id="3" name="Content Placeholder 2">
             <a:extLst>
               <a:ext uri="{FF2B5EF4-FFF2-40B4-BE49-F238E27FC236}">
-                <a16:creationId xmlns:a16="http://schemas.microsoft.com/office/drawing/2014/main" id="{32BBA25A-D744-446A-BD85-6796C997ED1A}"/>
+                <a16:creationId xmlns:a16="http://schemas.microsoft.com/office/drawing/2014/main" id="{C15EB09F-B745-4151-9C07-58D16BCE98C4}"/>
               </a:ext>
             </a:extLst>
           </p:cNvPr>
@@ -14566,8 +14307,8 @@
         </p:nvSpPr>
         <p:spPr>
           <a:xfrm>
-            <a:off x="1069848" y="2169042"/>
-            <a:ext cx="9603275" cy="3991025"/>
+            <a:off x="1440946" y="2093976"/>
+            <a:ext cx="8298477" cy="4672147"/>
           </a:xfrm>
         </p:spPr>
         <p:txBody>
@@ -14585,109 +14326,8 @@
               <a:buChar char="●"/>
             </a:pPr>
             <a:r>
-              <a:rPr lang="ru-RU" sz="2800" dirty="0"/>
-              <a:t>Предметная область</a:t>
-            </a:r>
-            <a:r>
-              <a:rPr lang="en-US" sz="2800" dirty="0"/>
-              <a:t>:</a:t>
-            </a:r>
-            <a:br>
-              <a:rPr lang="en-US" sz="2800" dirty="0"/>
-            </a:br>
-            <a:endParaRPr lang="en-US" sz="2800" dirty="0"/>
-          </a:p>
-          <a:p>
-            <a:pPr lvl="1">
-              <a:buClr>
-                <a:srgbClr val="666666"/>
-              </a:buClr>
-              <a:buSzPct val="45000"/>
-              <a:buFont typeface="Wingdings" panose="05000000000000000000" pitchFamily="2" charset="2"/>
-              <a:buChar char="Ø"/>
-            </a:pPr>
-            <a:r>
-              <a:rPr lang="ru-RU" sz="2600" dirty="0"/>
-              <a:t> </a:t>
-            </a:r>
-            <a:r>
-              <a:rPr lang="en-US" sz="2600" dirty="0"/>
-              <a:t>online</a:t>
-            </a:r>
-            <a:r>
-              <a:rPr lang="ru-RU" sz="2600" dirty="0"/>
-              <a:t> магазин</a:t>
-            </a:r>
-          </a:p>
-          <a:p>
-            <a:pPr lvl="0">
-              <a:buClr>
-                <a:srgbClr val="666666"/>
-              </a:buClr>
-              <a:buSzPct val="45000"/>
-              <a:buFont typeface="StarSymbol"/>
-              <a:buChar char="●"/>
-            </a:pPr>
-            <a:endParaRPr lang="ru-RU" sz="2800" dirty="0"/>
-          </a:p>
-          <a:p>
-            <a:pPr lvl="0">
-              <a:buClr>
-                <a:srgbClr val="666666"/>
-              </a:buClr>
-              <a:buSzPct val="45000"/>
-              <a:buFont typeface="StarSymbol"/>
-              <a:buChar char="●"/>
-            </a:pPr>
-            <a:r>
-              <a:rPr lang="ru-RU" sz="2800" dirty="0"/>
-              <a:t>Основные сущности:</a:t>
-            </a:r>
-            <a:br>
-              <a:rPr lang="ru-RU" sz="2800" dirty="0"/>
-            </a:br>
-            <a:endParaRPr lang="ru-RU" sz="2800" dirty="0"/>
-          </a:p>
-          <a:p>
-            <a:pPr lvl="1">
-              <a:buClr>
-                <a:srgbClr val="666666"/>
-              </a:buClr>
-              <a:buSzPct val="45000"/>
-              <a:buFont typeface="Wingdings" panose="05000000000000000000" pitchFamily="2" charset="2"/>
-              <a:buChar char="Ø"/>
-            </a:pPr>
-            <a:r>
-              <a:rPr lang="ru-RU" sz="2400" dirty="0"/>
-              <a:t>Клиент</a:t>
-            </a:r>
-          </a:p>
-          <a:p>
-            <a:pPr lvl="1">
-              <a:buClr>
-                <a:srgbClr val="666666"/>
-              </a:buClr>
-              <a:buSzPct val="45000"/>
-              <a:buFont typeface="Wingdings" panose="05000000000000000000" pitchFamily="2" charset="2"/>
-              <a:buChar char="Ø"/>
-            </a:pPr>
-            <a:r>
-              <a:rPr lang="ru-RU" sz="2400" dirty="0"/>
-              <a:t>Товар</a:t>
-            </a:r>
-          </a:p>
-          <a:p>
-            <a:pPr lvl="1">
-              <a:buClr>
-                <a:srgbClr val="666666"/>
-              </a:buClr>
-              <a:buSzPct val="45000"/>
-              <a:buFont typeface="Wingdings" panose="05000000000000000000" pitchFamily="2" charset="2"/>
-              <a:buChar char="Ø"/>
-            </a:pPr>
-            <a:r>
-              <a:rPr lang="ru-RU" sz="2400" dirty="0"/>
-              <a:t>Продажа</a:t>
+              <a:rPr lang="en-US" b="1" dirty="0"/>
+              <a:t>Join elimination</a:t>
             </a:r>
           </a:p>
           <a:p>
@@ -14698,7 +14338,104 @@
               <a:buSzPct val="45000"/>
               <a:buNone/>
             </a:pPr>
-            <a:endParaRPr lang="ru-RU" sz="2800" dirty="0">
+            <a:r>
+              <a:rPr lang="ru-RU" dirty="0"/>
+              <a:t>Анализ запроса на предмет использования таблиц</a:t>
+            </a:r>
+            <a:r>
+              <a:rPr lang="en-US" dirty="0"/>
+              <a:t>:</a:t>
+            </a:r>
+          </a:p>
+          <a:p>
+            <a:pPr marL="0" lvl="0" indent="0">
+              <a:buClr>
+                <a:srgbClr val="666666"/>
+              </a:buClr>
+              <a:buSzPct val="45000"/>
+              <a:buNone/>
+            </a:pPr>
+            <a:r>
+              <a:rPr lang="ru-RU" dirty="0"/>
+              <a:t>Если в запросе из таблицы не выбирается и не используется ни одного атрибута – такая таблицы из плана запроса исключается</a:t>
+            </a:r>
+            <a:endParaRPr lang="en-US" dirty="0"/>
+          </a:p>
+          <a:p>
+            <a:pPr marL="0" lvl="0" indent="0">
+              <a:buClr>
+                <a:srgbClr val="666666"/>
+              </a:buClr>
+              <a:buSzPct val="45000"/>
+              <a:buNone/>
+            </a:pPr>
+            <a:r>
+              <a:rPr lang="ru-RU" dirty="0"/>
+              <a:t>Применяется в основном для оптимизации выборки части атрибутов из </a:t>
+            </a:r>
+            <a:r>
+              <a:rPr lang="en-US" dirty="0"/>
+              <a:t>view</a:t>
+            </a:r>
+          </a:p>
+          <a:p>
+            <a:pPr marL="0" indent="0">
+              <a:buClr>
+                <a:srgbClr val="666666"/>
+              </a:buClr>
+              <a:buSzPct val="45000"/>
+              <a:buNone/>
+            </a:pPr>
+            <a:endParaRPr lang="en-US" dirty="0"/>
+          </a:p>
+          <a:p>
+            <a:pPr>
+              <a:buClr>
+                <a:srgbClr val="666666"/>
+              </a:buClr>
+              <a:buSzPct val="45000"/>
+            </a:pPr>
+            <a:r>
+              <a:rPr lang="en-US" b="1" dirty="0"/>
+              <a:t>Cluster index + merge join</a:t>
+            </a:r>
+            <a:endParaRPr lang="ru-RU" b="1" dirty="0"/>
+          </a:p>
+          <a:p>
+            <a:pPr marL="0" indent="0">
+              <a:buClr>
+                <a:srgbClr val="666666"/>
+              </a:buClr>
+              <a:buSzPct val="45000"/>
+              <a:buNone/>
+            </a:pPr>
+            <a:r>
+              <a:rPr lang="ru-RU" dirty="0"/>
+              <a:t>Добавление кластерного индекса на суррогатные ключи обеспечивает хранение данных в отсортированном виде, который будет оптимален для </a:t>
+            </a:r>
+            <a:r>
+              <a:rPr lang="ru-RU" dirty="0" err="1"/>
+              <a:t>джойна</a:t>
+            </a:r>
+            <a:r>
+              <a:rPr lang="ru-RU" dirty="0"/>
+              <a:t> таблиц через </a:t>
+            </a:r>
+            <a:r>
+              <a:rPr lang="en-US" dirty="0"/>
+              <a:t>merge join</a:t>
+            </a:r>
+            <a:endParaRPr lang="ru-RU" dirty="0"/>
+          </a:p>
+          <a:p>
+            <a:pPr marL="0" indent="0">
+              <a:buClr>
+                <a:srgbClr val="666666"/>
+              </a:buClr>
+              <a:buSzPct val="45000"/>
+              <a:buNone/>
+            </a:pPr>
+            <a:endParaRPr lang="ru-RU" dirty="0">
               <a:solidFill>
                 <a:srgbClr val="000000"/>
               </a:solidFill>
@@ -14707,525 +14444,60 @@
             </a:endParaRPr>
           </a:p>
           <a:p>
-            <a:endParaRPr lang="ru-RU" sz="2800" dirty="0"/>
+            <a:pPr marL="0" lvl="0" indent="0">
+              <a:buClr>
+                <a:srgbClr val="666666"/>
+              </a:buClr>
+              <a:buSzPct val="45000"/>
+              <a:buNone/>
+            </a:pPr>
+            <a:endParaRPr lang="ru-RU" dirty="0">
+              <a:solidFill>
+                <a:srgbClr val="000000"/>
+              </a:solidFill>
+              <a:ea typeface="DejaVu Sans" pitchFamily="2"/>
+              <a:cs typeface="DejaVu Sans" pitchFamily="2"/>
+            </a:endParaRPr>
+          </a:p>
+          <a:p>
+            <a:endParaRPr lang="ru-RU" dirty="0"/>
           </a:p>
         </p:txBody>
       </p:sp>
-      <p:sp>
-        <p:nvSpPr>
-          <p:cNvPr id="4" name="Rectangle 3">
+      <p:pic>
+        <p:nvPicPr>
+          <p:cNvPr id="4" name="Picture 3">
             <a:extLst>
               <a:ext uri="{FF2B5EF4-FFF2-40B4-BE49-F238E27FC236}">
-                <a16:creationId xmlns:a16="http://schemas.microsoft.com/office/drawing/2014/main" id="{954A197D-5061-4C23-8E05-F183BB34F59F}"/>
+                <a16:creationId xmlns:a16="http://schemas.microsoft.com/office/drawing/2014/main" id="{CECC54B2-5B5F-421A-80B3-F0041397DFC0}"/>
               </a:ext>
             </a:extLst>
           </p:cNvPr>
-          <p:cNvSpPr/>
+          <p:cNvPicPr>
+            <a:picLocks noChangeAspect="1"/>
+          </p:cNvPicPr>
           <p:nvPr/>
-        </p:nvSpPr>
+        </p:nvPicPr>
+        <p:blipFill>
+          <a:blip r:embed="rId2"/>
+          <a:stretch>
+            <a:fillRect/>
+          </a:stretch>
+        </p:blipFill>
         <p:spPr>
           <a:xfrm>
-            <a:off x="0" y="0"/>
-            <a:ext cx="12192000" cy="6858000"/>
-          </a:xfrm>
-          <a:prstGeom prst="rect">
-            <a:avLst/>
-          </a:prstGeom>
-          <a:solidFill>
-            <a:schemeClr val="dk1">
-              <a:alpha val="21000"/>
-            </a:schemeClr>
-          </a:solidFill>
-        </p:spPr>
-        <p:style>
-          <a:lnRef idx="2">
-            <a:schemeClr val="dk1">
-              <a:shade val="50000"/>
-            </a:schemeClr>
-          </a:lnRef>
-          <a:fillRef idx="1">
-            <a:schemeClr val="dk1"/>
-          </a:fillRef>
-          <a:effectRef idx="0">
-            <a:schemeClr val="dk1"/>
-          </a:effectRef>
-          <a:fontRef idx="minor">
-            <a:schemeClr val="lt1"/>
-          </a:fontRef>
-        </p:style>
-        <p:txBody>
-          <a:bodyPr rtlCol="0" anchor="ctr"/>
-          <a:lstStyle/>
-          <a:p>
-            <a:pPr algn="ctr"/>
-            <a:endParaRPr lang="ru-RU" dirty="0"/>
-          </a:p>
-        </p:txBody>
-      </p:sp>
-      <p:sp>
-        <p:nvSpPr>
-          <p:cNvPr id="5" name="Rectangle 4">
-            <a:extLst>
-              <a:ext uri="{FF2B5EF4-FFF2-40B4-BE49-F238E27FC236}">
-                <a16:creationId xmlns:a16="http://schemas.microsoft.com/office/drawing/2014/main" id="{0CB849B5-5FE2-40BE-BC00-AC9E03B04C5E}"/>
-              </a:ext>
-            </a:extLst>
-          </p:cNvPr>
-          <p:cNvSpPr/>
-          <p:nvPr/>
-        </p:nvSpPr>
-        <p:spPr>
-          <a:xfrm>
-            <a:off x="7123814" y="1"/>
-            <a:ext cx="5068185" cy="6858000"/>
+            <a:off x="9246989" y="3172005"/>
+            <a:ext cx="2778433" cy="2403813"/>
           </a:xfrm>
           <a:prstGeom prst="rect">
             <a:avLst/>
           </a:prstGeom>
         </p:spPr>
-        <p:style>
-          <a:lnRef idx="2">
-            <a:schemeClr val="dk1"/>
-          </a:lnRef>
-          <a:fillRef idx="1">
-            <a:schemeClr val="lt1"/>
-          </a:fillRef>
-          <a:effectRef idx="0">
-            <a:schemeClr val="dk1"/>
-          </a:effectRef>
-          <a:fontRef idx="minor">
-            <a:schemeClr val="dk1"/>
-          </a:fontRef>
-        </p:style>
-        <p:txBody>
-          <a:bodyPr rtlCol="0" anchor="ctr"/>
-          <a:lstStyle/>
-          <a:p>
-            <a:pPr algn="ctr"/>
-            <a:endParaRPr lang="ru-RU"/>
-          </a:p>
-        </p:txBody>
-      </p:sp>
-      <p:sp>
-        <p:nvSpPr>
-          <p:cNvPr id="6" name="Title 1">
-            <a:extLst>
-              <a:ext uri="{FF2B5EF4-FFF2-40B4-BE49-F238E27FC236}">
-                <a16:creationId xmlns:a16="http://schemas.microsoft.com/office/drawing/2014/main" id="{1BF48606-88DE-42B9-BD72-B78C20334A2A}"/>
-              </a:ext>
-            </a:extLst>
-          </p:cNvPr>
-          <p:cNvSpPr txBox="1">
-            <a:spLocks/>
-          </p:cNvSpPr>
-          <p:nvPr/>
-        </p:nvSpPr>
-        <p:spPr>
-          <a:xfrm>
-            <a:off x="7899989" y="222362"/>
-            <a:ext cx="4292010" cy="1609344"/>
-          </a:xfrm>
-          <a:prstGeom prst="rect">
-            <a:avLst/>
-          </a:prstGeom>
-        </p:spPr>
-        <p:txBody>
-          <a:bodyPr vert="horz" lIns="91440" tIns="45720" rIns="91440" bIns="45720" rtlCol="0" anchor="ctr">
-            <a:normAutofit/>
-          </a:bodyPr>
-          <a:lstStyle>
-            <a:lvl1pPr algn="l" defTabSz="914400" rtl="0" eaLnBrk="1" latinLnBrk="0" hangingPunct="1">
-              <a:lnSpc>
-                <a:spcPct val="90000"/>
-              </a:lnSpc>
-              <a:spcBef>
-                <a:spcPct val="0"/>
-              </a:spcBef>
-              <a:buNone/>
-              <a:defRPr sz="4800" kern="1200" cap="none" baseline="0">
-                <a:blipFill>
-                  <a:blip r:embed="rId3">
-                    <a:extLst>
-                      <a:ext uri="{28A0092B-C50C-407E-A947-70E740481C1C}">
-                        <a14:useLocalDpi xmlns:a14="http://schemas.microsoft.com/office/drawing/2010/main" val="0"/>
-                      </a:ext>
-                    </a:extLst>
-                  </a:blip>
-                  <a:tile tx="6350" ty="-127000" sx="65000" sy="64000" flip="none" algn="tl"/>
-                </a:blipFill>
-                <a:latin typeface="+mj-lt"/>
-                <a:ea typeface="+mj-ea"/>
-                <a:cs typeface="+mj-cs"/>
-              </a:defRPr>
-            </a:lvl1pPr>
-          </a:lstStyle>
-          <a:p>
-            <a:r>
-              <a:rPr lang="ru-RU" dirty="0">
-                <a:ea typeface="DejaVu Sans" pitchFamily="2"/>
-                <a:cs typeface="DejaVu Sans" pitchFamily="2"/>
-              </a:rPr>
-              <a:t>Задание 2</a:t>
-            </a:r>
-            <a:endParaRPr lang="ru-RU" dirty="0"/>
-          </a:p>
-        </p:txBody>
-      </p:sp>
-      <p:sp>
-        <p:nvSpPr>
-          <p:cNvPr id="8" name="Content Placeholder 2">
-            <a:extLst>
-              <a:ext uri="{FF2B5EF4-FFF2-40B4-BE49-F238E27FC236}">
-                <a16:creationId xmlns:a16="http://schemas.microsoft.com/office/drawing/2014/main" id="{6595D009-711B-40A8-AA2F-C0C69AB2A7AA}"/>
-              </a:ext>
-            </a:extLst>
-          </p:cNvPr>
-          <p:cNvSpPr txBox="1">
-            <a:spLocks/>
-          </p:cNvSpPr>
-          <p:nvPr/>
-        </p:nvSpPr>
-        <p:spPr>
-          <a:xfrm>
-            <a:off x="7336466" y="2093976"/>
-            <a:ext cx="4855533" cy="4589993"/>
-          </a:xfrm>
-          <a:prstGeom prst="rect">
-            <a:avLst/>
-          </a:prstGeom>
-        </p:spPr>
-        <p:txBody>
-          <a:bodyPr vert="horz" lIns="91440" tIns="45720" rIns="91440" bIns="45720" rtlCol="0">
-            <a:normAutofit/>
-          </a:bodyPr>
-          <a:lstStyle>
-            <a:lvl1pPr marL="182880" indent="-182880" algn="l" defTabSz="914400" rtl="0" eaLnBrk="1" latinLnBrk="0" hangingPunct="1">
-              <a:lnSpc>
-                <a:spcPct val="90000"/>
-              </a:lnSpc>
-              <a:spcBef>
-                <a:spcPts val="1200"/>
-              </a:spcBef>
-              <a:buClr>
-                <a:schemeClr val="accent1">
-                  <a:lumMod val="75000"/>
-                </a:schemeClr>
-              </a:buClr>
-              <a:buSzPct val="85000"/>
-              <a:buFont typeface="Wingdings" pitchFamily="2" charset="2"/>
-              <a:buChar char="§"/>
-              <a:defRPr sz="2000" kern="1200">
-                <a:solidFill>
-                  <a:schemeClr val="tx1"/>
-                </a:solidFill>
-                <a:latin typeface="+mn-lt"/>
-                <a:ea typeface="+mn-ea"/>
-                <a:cs typeface="+mn-cs"/>
-              </a:defRPr>
-            </a:lvl1pPr>
-            <a:lvl2pPr marL="457200" indent="-182880" algn="l" defTabSz="914400" rtl="0" eaLnBrk="1" latinLnBrk="0" hangingPunct="1">
-              <a:lnSpc>
-                <a:spcPct val="90000"/>
-              </a:lnSpc>
-              <a:spcBef>
-                <a:spcPts val="400"/>
-              </a:spcBef>
-              <a:spcAft>
-                <a:spcPts val="200"/>
-              </a:spcAft>
-              <a:buClr>
-                <a:schemeClr val="accent1">
-                  <a:lumMod val="75000"/>
-                </a:schemeClr>
-              </a:buClr>
-              <a:buSzPct val="85000"/>
-              <a:buFont typeface="Wingdings" pitchFamily="2" charset="2"/>
-              <a:buChar char="§"/>
-              <a:defRPr sz="1800" kern="1200">
-                <a:solidFill>
-                  <a:schemeClr val="tx1"/>
-                </a:solidFill>
-                <a:latin typeface="+mn-lt"/>
-                <a:ea typeface="+mn-ea"/>
-                <a:cs typeface="+mn-cs"/>
-              </a:defRPr>
-            </a:lvl2pPr>
-            <a:lvl3pPr marL="731520" indent="-182880" algn="l" defTabSz="914400" rtl="0" eaLnBrk="1" latinLnBrk="0" hangingPunct="1">
-              <a:lnSpc>
-                <a:spcPct val="90000"/>
-              </a:lnSpc>
-              <a:spcBef>
-                <a:spcPts val="400"/>
-              </a:spcBef>
-              <a:spcAft>
-                <a:spcPts val="200"/>
-              </a:spcAft>
-              <a:buClr>
-                <a:schemeClr val="accent1">
-                  <a:lumMod val="75000"/>
-                </a:schemeClr>
-              </a:buClr>
-              <a:buSzPct val="85000"/>
-              <a:buFont typeface="Wingdings" pitchFamily="2" charset="2"/>
-              <a:buChar char="§"/>
-              <a:defRPr sz="1600" kern="1200">
-                <a:solidFill>
-                  <a:schemeClr val="tx1"/>
-                </a:solidFill>
-                <a:latin typeface="+mn-lt"/>
-                <a:ea typeface="+mn-ea"/>
-                <a:cs typeface="+mn-cs"/>
-              </a:defRPr>
-            </a:lvl3pPr>
-            <a:lvl4pPr marL="1005840" indent="-182880" algn="l" defTabSz="914400" rtl="0" eaLnBrk="1" latinLnBrk="0" hangingPunct="1">
-              <a:lnSpc>
-                <a:spcPct val="90000"/>
-              </a:lnSpc>
-              <a:spcBef>
-                <a:spcPts val="400"/>
-              </a:spcBef>
-              <a:spcAft>
-                <a:spcPts val="200"/>
-              </a:spcAft>
-              <a:buClr>
-                <a:schemeClr val="accent1">
-                  <a:lumMod val="75000"/>
-                </a:schemeClr>
-              </a:buClr>
-              <a:buSzPct val="85000"/>
-              <a:buFont typeface="Wingdings" pitchFamily="2" charset="2"/>
-              <a:buChar char="§"/>
-              <a:defRPr sz="1600" kern="1200">
-                <a:solidFill>
-                  <a:schemeClr val="tx1"/>
-                </a:solidFill>
-                <a:latin typeface="+mn-lt"/>
-                <a:ea typeface="+mn-ea"/>
-                <a:cs typeface="+mn-cs"/>
-              </a:defRPr>
-            </a:lvl4pPr>
-            <a:lvl5pPr marL="1280160" indent="-182880" algn="l" defTabSz="914400" rtl="0" eaLnBrk="1" latinLnBrk="0" hangingPunct="1">
-              <a:lnSpc>
-                <a:spcPct val="90000"/>
-              </a:lnSpc>
-              <a:spcBef>
-                <a:spcPts val="400"/>
-              </a:spcBef>
-              <a:spcAft>
-                <a:spcPts val="200"/>
-              </a:spcAft>
-              <a:buClr>
-                <a:schemeClr val="accent1">
-                  <a:lumMod val="75000"/>
-                </a:schemeClr>
-              </a:buClr>
-              <a:buSzPct val="85000"/>
-              <a:buFont typeface="Wingdings" pitchFamily="2" charset="2"/>
-              <a:buChar char="§"/>
-              <a:defRPr sz="1600" kern="1200">
-                <a:solidFill>
-                  <a:schemeClr val="tx1"/>
-                </a:solidFill>
-                <a:latin typeface="+mn-lt"/>
-                <a:ea typeface="+mn-ea"/>
-                <a:cs typeface="+mn-cs"/>
-              </a:defRPr>
-            </a:lvl5pPr>
-            <a:lvl6pPr marL="1600000" indent="-228600" algn="l" defTabSz="914400" rtl="0" eaLnBrk="1" latinLnBrk="0" hangingPunct="1">
-              <a:lnSpc>
-                <a:spcPct val="90000"/>
-              </a:lnSpc>
-              <a:spcBef>
-                <a:spcPts val="400"/>
-              </a:spcBef>
-              <a:spcAft>
-                <a:spcPts val="200"/>
-              </a:spcAft>
-              <a:buClr>
-                <a:schemeClr val="accent1">
-                  <a:lumMod val="75000"/>
-                </a:schemeClr>
-              </a:buClr>
-              <a:buSzPct val="85000"/>
-              <a:buFont typeface="Wingdings" pitchFamily="2" charset="2"/>
-              <a:buChar char="§"/>
-              <a:defRPr sz="1600" kern="1200">
-                <a:solidFill>
-                  <a:schemeClr val="tx1"/>
-                </a:solidFill>
-                <a:latin typeface="+mn-lt"/>
-                <a:ea typeface="+mn-ea"/>
-                <a:cs typeface="+mn-cs"/>
-              </a:defRPr>
-            </a:lvl6pPr>
-            <a:lvl7pPr marL="1900000" indent="-228600" algn="l" defTabSz="914400" rtl="0" eaLnBrk="1" latinLnBrk="0" hangingPunct="1">
-              <a:lnSpc>
-                <a:spcPct val="90000"/>
-              </a:lnSpc>
-              <a:spcBef>
-                <a:spcPts val="400"/>
-              </a:spcBef>
-              <a:spcAft>
-                <a:spcPts val="200"/>
-              </a:spcAft>
-              <a:buClr>
-                <a:schemeClr val="accent1">
-                  <a:lumMod val="75000"/>
-                </a:schemeClr>
-              </a:buClr>
-              <a:buSzPct val="85000"/>
-              <a:buFont typeface="Wingdings" pitchFamily="2" charset="2"/>
-              <a:buChar char="§"/>
-              <a:defRPr sz="1600" kern="1200">
-                <a:solidFill>
-                  <a:schemeClr val="tx1"/>
-                </a:solidFill>
-                <a:latin typeface="+mn-lt"/>
-                <a:ea typeface="+mn-ea"/>
-                <a:cs typeface="+mn-cs"/>
-              </a:defRPr>
-            </a:lvl7pPr>
-            <a:lvl8pPr marL="2200000" indent="-228600" algn="l" defTabSz="914400" rtl="0" eaLnBrk="1" latinLnBrk="0" hangingPunct="1">
-              <a:lnSpc>
-                <a:spcPct val="90000"/>
-              </a:lnSpc>
-              <a:spcBef>
-                <a:spcPts val="400"/>
-              </a:spcBef>
-              <a:spcAft>
-                <a:spcPts val="200"/>
-              </a:spcAft>
-              <a:buClr>
-                <a:schemeClr val="accent1">
-                  <a:lumMod val="75000"/>
-                </a:schemeClr>
-              </a:buClr>
-              <a:buSzPct val="85000"/>
-              <a:buFont typeface="Wingdings" pitchFamily="2" charset="2"/>
-              <a:buChar char="§"/>
-              <a:defRPr sz="1600" kern="1200">
-                <a:solidFill>
-                  <a:schemeClr val="tx1"/>
-                </a:solidFill>
-                <a:latin typeface="+mn-lt"/>
-                <a:ea typeface="+mn-ea"/>
-                <a:cs typeface="+mn-cs"/>
-              </a:defRPr>
-            </a:lvl8pPr>
-            <a:lvl9pPr marL="2500000" indent="-228600" algn="l" defTabSz="914400" rtl="0" eaLnBrk="1" latinLnBrk="0" hangingPunct="1">
-              <a:lnSpc>
-                <a:spcPct val="90000"/>
-              </a:lnSpc>
-              <a:spcBef>
-                <a:spcPts val="400"/>
-              </a:spcBef>
-              <a:spcAft>
-                <a:spcPts val="200"/>
-              </a:spcAft>
-              <a:buClr>
-                <a:schemeClr val="accent1">
-                  <a:lumMod val="75000"/>
-                </a:schemeClr>
-              </a:buClr>
-              <a:buSzPct val="85000"/>
-              <a:buFont typeface="Wingdings" pitchFamily="2" charset="2"/>
-              <a:buChar char="§"/>
-              <a:defRPr sz="1600" kern="1200">
-                <a:solidFill>
-                  <a:schemeClr val="tx1"/>
-                </a:solidFill>
-                <a:latin typeface="+mn-lt"/>
-                <a:ea typeface="+mn-ea"/>
-                <a:cs typeface="+mn-cs"/>
-              </a:defRPr>
-            </a:lvl9pPr>
-          </a:lstStyle>
-          <a:p>
-            <a:pPr>
-              <a:buClr>
-                <a:srgbClr val="666666"/>
-              </a:buClr>
-              <a:buSzPct val="45000"/>
-              <a:buFont typeface="StarSymbol"/>
-              <a:buChar char="●"/>
-            </a:pPr>
-            <a:r>
-              <a:rPr lang="ru-RU" sz="2800" dirty="0"/>
-              <a:t>Проектирование предметной области</a:t>
-            </a:r>
-            <a:br>
-              <a:rPr lang="ru-RU" sz="2800" dirty="0"/>
-            </a:br>
-            <a:endParaRPr lang="ru-RU" sz="2800" dirty="0"/>
-          </a:p>
-          <a:p>
-            <a:pPr lvl="1">
-              <a:buClr>
-                <a:srgbClr val="666666"/>
-              </a:buClr>
-              <a:buSzPct val="45000"/>
-              <a:buFont typeface="StarSymbol"/>
-              <a:buChar char="●"/>
-            </a:pPr>
-            <a:r>
-              <a:rPr lang="ru-RU" sz="2400" dirty="0"/>
-              <a:t>Определить список сущностей, которые будут включены в </a:t>
-            </a:r>
-            <a:r>
-              <a:rPr lang="en-US" sz="2400" dirty="0"/>
-              <a:t>anchor</a:t>
-            </a:r>
-            <a:r>
-              <a:rPr lang="ru-RU" sz="2400" dirty="0"/>
-              <a:t> модель</a:t>
-            </a:r>
-          </a:p>
-          <a:p>
-            <a:pPr lvl="1">
-              <a:buClr>
-                <a:srgbClr val="666666"/>
-              </a:buClr>
-              <a:buSzPct val="45000"/>
-              <a:buFont typeface="StarSymbol"/>
-              <a:buChar char="●"/>
-            </a:pPr>
-            <a:endParaRPr lang="ru-RU" sz="2600" dirty="0"/>
-          </a:p>
-          <a:p>
-            <a:pPr>
-              <a:buClr>
-                <a:srgbClr val="666666"/>
-              </a:buClr>
-              <a:buSzPct val="45000"/>
-              <a:buFont typeface="StarSymbol"/>
-              <a:buChar char="●"/>
-            </a:pPr>
-            <a:endParaRPr lang="ru-RU" sz="2800" dirty="0"/>
-          </a:p>
-          <a:p>
-            <a:pPr>
-              <a:buClr>
-                <a:srgbClr val="666666"/>
-              </a:buClr>
-              <a:buSzPct val="45000"/>
-              <a:buFont typeface="StarSymbol"/>
-              <a:buChar char="●"/>
-            </a:pPr>
-            <a:r>
-              <a:rPr lang="ru-RU" sz="2800" dirty="0" err="1"/>
-              <a:t>Тайминг</a:t>
-            </a:r>
-            <a:r>
-              <a:rPr lang="ru-RU" sz="2800" dirty="0"/>
-              <a:t> – 10 минут</a:t>
-            </a:r>
-          </a:p>
-        </p:txBody>
-      </p:sp>
+      </p:pic>
     </p:spTree>
     <p:extLst>
       <p:ext uri="{BB962C8B-B14F-4D97-AF65-F5344CB8AC3E}">
-        <p14:creationId xmlns:p14="http://schemas.microsoft.com/office/powerpoint/2010/main" val="2378839638"/>
+        <p14:creationId xmlns:p14="http://schemas.microsoft.com/office/powerpoint/2010/main" val="1144353171"/>
       </p:ext>
     </p:extLst>
   </p:cSld>
@@ -15254,80 +14526,53 @@
       </p:grpSpPr>
       <p:sp>
         <p:nvSpPr>
-          <p:cNvPr id="7" name="Title 1">
+          <p:cNvPr id="2" name="Title 1">
             <a:extLst>
               <a:ext uri="{FF2B5EF4-FFF2-40B4-BE49-F238E27FC236}">
-                <a16:creationId xmlns:a16="http://schemas.microsoft.com/office/drawing/2014/main" id="{1EF4567A-7000-4DBA-860E-8218A54FC856}"/>
+                <a16:creationId xmlns:a16="http://schemas.microsoft.com/office/drawing/2014/main" id="{74ED2800-BE23-482A-B152-A72BC607E8B0}"/>
               </a:ext>
             </a:extLst>
           </p:cNvPr>
-          <p:cNvSpPr txBox="1">
-            <a:spLocks/>
+          <p:cNvSpPr>
+            <a:spLocks noGrp="1"/>
           </p:cNvSpPr>
-          <p:nvPr/>
+          <p:nvPr>
+            <p:ph type="title"/>
+          </p:nvPr>
         </p:nvSpPr>
-        <p:spPr>
-          <a:xfrm>
-            <a:off x="1069848" y="484632"/>
-            <a:ext cx="10058400" cy="1609344"/>
-          </a:xfrm>
-          <a:prstGeom prst="rect">
-            <a:avLst/>
-          </a:prstGeom>
-        </p:spPr>
+        <p:spPr/>
         <p:txBody>
-          <a:bodyPr vert="horz" lIns="91440" tIns="45720" rIns="91440" bIns="45720" rtlCol="0" anchor="ctr">
+          <a:bodyPr>
             <a:normAutofit/>
           </a:bodyPr>
-          <a:lstStyle>
-            <a:lvl1pPr algn="l" defTabSz="914400" rtl="0" eaLnBrk="1" latinLnBrk="0" hangingPunct="1">
-              <a:lnSpc>
-                <a:spcPct val="90000"/>
-              </a:lnSpc>
-              <a:spcBef>
-                <a:spcPct val="0"/>
-              </a:spcBef>
-              <a:buNone/>
-              <a:defRPr sz="4800" kern="1200" cap="none" baseline="0">
-                <a:blipFill>
-                  <a:blip r:embed="rId3">
-                    <a:extLst>
-                      <a:ext uri="{28A0092B-C50C-407E-A947-70E740481C1C}">
-                        <a14:useLocalDpi xmlns:a14="http://schemas.microsoft.com/office/drawing/2010/main" val="0"/>
-                      </a:ext>
-                    </a:extLst>
-                  </a:blip>
-                  <a:tile tx="6350" ty="-127000" sx="65000" sy="64000" flip="none" algn="tl"/>
-                </a:blipFill>
-                <a:latin typeface="+mj-lt"/>
-                <a:ea typeface="+mj-ea"/>
-                <a:cs typeface="+mj-cs"/>
-              </a:defRPr>
-            </a:lvl1pPr>
-          </a:lstStyle>
-          <a:p>
-            <a:r>
-              <a:rPr lang="ru-RU" dirty="0">
-                <a:ea typeface="DejaVu Sans" pitchFamily="2"/>
-                <a:cs typeface="DejaVu Sans" pitchFamily="2"/>
-              </a:rPr>
-              <a:t>Проектирование</a:t>
-            </a:r>
-          </a:p>
+          <a:lstStyle/>
           <a:p>
             <a:r>
               <a:rPr lang="en-US" dirty="0">
                 <a:ea typeface="DejaVu Sans" pitchFamily="2"/>
                 <a:cs typeface="DejaVu Sans" pitchFamily="2"/>
               </a:rPr>
-              <a:t>anchor</a:t>
-            </a:r>
-            <a:r>
-              <a:rPr lang="ru-RU" dirty="0">
-                <a:ea typeface="DejaVu Sans" pitchFamily="2"/>
-                <a:cs typeface="DejaVu Sans" pitchFamily="2"/>
-              </a:rPr>
-              <a:t> модели</a:t>
+              <a:t>Data Vault 2.0 &amp; </a:t>
+            </a:r>
+            <a:r>
+              <a:rPr lang="en-US" dirty="0" err="1">
+                <a:ea typeface="DejaVu Sans" pitchFamily="2"/>
+                <a:cs typeface="DejaVu Sans" pitchFamily="2"/>
+              </a:rPr>
+              <a:t>Ankor</a:t>
+            </a:r>
+            <a:br>
+              <a:rPr lang="en-US" dirty="0">
+                <a:ea typeface="DejaVu Sans" pitchFamily="2"/>
+                <a:cs typeface="DejaVu Sans" pitchFamily="2"/>
+              </a:rPr>
+            </a:br>
+            <a:r>
+              <a:rPr lang="ru-RU" sz="3600" dirty="0">
+                <a:ea typeface="DejaVu Sans" pitchFamily="2"/>
+                <a:cs typeface="DejaVu Sans" pitchFamily="2"/>
+              </a:rPr>
+              <a:t>Комбинация подходов</a:t>
             </a:r>
             <a:endParaRPr lang="ru-RU" dirty="0"/>
           </a:p>
@@ -15335,10 +14580,10 @@
       </p:sp>
       <p:sp>
         <p:nvSpPr>
-          <p:cNvPr id="10" name="Content Placeholder 2">
+          <p:cNvPr id="3" name="Content Placeholder 2">
             <a:extLst>
               <a:ext uri="{FF2B5EF4-FFF2-40B4-BE49-F238E27FC236}">
-                <a16:creationId xmlns:a16="http://schemas.microsoft.com/office/drawing/2014/main" id="{32BBA25A-D744-446A-BD85-6796C997ED1A}"/>
+                <a16:creationId xmlns:a16="http://schemas.microsoft.com/office/drawing/2014/main" id="{C15EB09F-B745-4151-9C07-58D16BCE98C4}"/>
               </a:ext>
             </a:extLst>
           </p:cNvPr>
@@ -15351,8 +14596,8 @@
         </p:nvSpPr>
         <p:spPr>
           <a:xfrm>
-            <a:off x="1069848" y="2169042"/>
-            <a:ext cx="9603275" cy="3991025"/>
+            <a:off x="1451579" y="2413590"/>
+            <a:ext cx="9603275" cy="3727327"/>
           </a:xfrm>
         </p:spPr>
         <p:txBody>
@@ -15370,39 +14615,101 @@
               <a:buChar char="●"/>
             </a:pPr>
             <a:r>
-              <a:rPr lang="ru-RU" sz="2800" dirty="0"/>
-              <a:t>Предметная область</a:t>
-            </a:r>
-            <a:r>
-              <a:rPr lang="en-US" sz="2800" dirty="0"/>
-              <a:t>:</a:t>
+              <a:rPr lang="ru-RU" dirty="0">
+                <a:solidFill>
+                  <a:srgbClr val="000000"/>
+                </a:solidFill>
+                <a:ea typeface="DejaVu Sans" pitchFamily="2"/>
+                <a:cs typeface="DejaVu Sans" pitchFamily="2"/>
+              </a:rPr>
+              <a:t>Часто используют комбинацию этих моделей: </a:t>
+            </a:r>
+            <a:r>
+              <a:rPr lang="ru-RU" dirty="0" err="1">
+                <a:solidFill>
+                  <a:srgbClr val="000000"/>
+                </a:solidFill>
+                <a:ea typeface="DejaVu Sans" pitchFamily="2"/>
+                <a:cs typeface="DejaVu Sans" pitchFamily="2"/>
+              </a:rPr>
+              <a:t>хабы</a:t>
+            </a:r>
+            <a:r>
+              <a:rPr lang="ru-RU" dirty="0">
+                <a:solidFill>
+                  <a:srgbClr val="000000"/>
+                </a:solidFill>
+                <a:ea typeface="DejaVu Sans" pitchFamily="2"/>
+                <a:cs typeface="DejaVu Sans" pitchFamily="2"/>
+              </a:rPr>
+              <a:t>, сателлиты и </a:t>
+            </a:r>
+            <a:r>
+              <a:rPr lang="ru-RU" dirty="0" err="1">
+                <a:solidFill>
+                  <a:srgbClr val="000000"/>
+                </a:solidFill>
+                <a:ea typeface="DejaVu Sans" pitchFamily="2"/>
+                <a:cs typeface="DejaVu Sans" pitchFamily="2"/>
+              </a:rPr>
+              <a:t>линки</a:t>
+            </a:r>
+            <a:r>
+              <a:rPr lang="ru-RU" dirty="0">
+                <a:solidFill>
+                  <a:srgbClr val="000000"/>
+                </a:solidFill>
+                <a:ea typeface="DejaVu Sans" pitchFamily="2"/>
+                <a:cs typeface="DejaVu Sans" pitchFamily="2"/>
+              </a:rPr>
+              <a:t> из </a:t>
+            </a:r>
+            <a:r>
+              <a:rPr lang="en-US" dirty="0">
+                <a:solidFill>
+                  <a:srgbClr val="000000"/>
+                </a:solidFill>
+                <a:ea typeface="DejaVu Sans" pitchFamily="2"/>
+                <a:cs typeface="DejaVu Sans" pitchFamily="2"/>
+              </a:rPr>
+              <a:t>DV 2.0</a:t>
+            </a:r>
+            <a:r>
+              <a:rPr lang="ru-RU" dirty="0">
+                <a:solidFill>
+                  <a:srgbClr val="000000"/>
+                </a:solidFill>
+                <a:ea typeface="DejaVu Sans" pitchFamily="2"/>
+                <a:cs typeface="DejaVu Sans" pitchFamily="2"/>
+              </a:rPr>
+              <a:t> и гранулярность </a:t>
+            </a:r>
+            <a:r>
+              <a:rPr lang="en-US" dirty="0">
+                <a:solidFill>
+                  <a:srgbClr val="000000"/>
+                </a:solidFill>
+                <a:ea typeface="DejaVu Sans" pitchFamily="2"/>
+                <a:cs typeface="DejaVu Sans" pitchFamily="2"/>
+              </a:rPr>
+              <a:t>Anchor</a:t>
             </a:r>
             <a:br>
-              <a:rPr lang="en-US" sz="2800" dirty="0"/>
+              <a:rPr lang="en-US" dirty="0">
+                <a:solidFill>
+                  <a:srgbClr val="000000"/>
+                </a:solidFill>
+                <a:ea typeface="DejaVu Sans" pitchFamily="2"/>
+                <a:cs typeface="DejaVu Sans" pitchFamily="2"/>
+              </a:rPr>
             </a:br>
-            <a:endParaRPr lang="en-US" sz="2800" dirty="0"/>
-          </a:p>
-          <a:p>
-            <a:pPr lvl="1">
-              <a:buClr>
-                <a:srgbClr val="666666"/>
-              </a:buClr>
-              <a:buSzPct val="45000"/>
-              <a:buFont typeface="Wingdings" panose="05000000000000000000" pitchFamily="2" charset="2"/>
-              <a:buChar char="Ø"/>
-            </a:pPr>
-            <a:r>
-              <a:rPr lang="ru-RU" sz="2600" dirty="0"/>
-              <a:t> </a:t>
-            </a:r>
-            <a:r>
-              <a:rPr lang="en-US" sz="2600" dirty="0"/>
-              <a:t>online</a:t>
-            </a:r>
-            <a:r>
-              <a:rPr lang="ru-RU" sz="2600" dirty="0"/>
-              <a:t> магазин</a:t>
-            </a:r>
+            <a:endParaRPr lang="ru-RU" dirty="0">
+              <a:solidFill>
+                <a:srgbClr val="000000"/>
+              </a:solidFill>
+              <a:ea typeface="DejaVu Sans" pitchFamily="2"/>
+              <a:cs typeface="DejaVu Sans" pitchFamily="2"/>
+            </a:endParaRPr>
           </a:p>
           <a:p>
             <a:pPr lvl="0">
@@ -15413,543 +14720,32 @@
               <a:buFont typeface="StarSymbol"/>
               <a:buChar char="●"/>
             </a:pPr>
-            <a:endParaRPr lang="ru-RU" sz="2800" dirty="0"/>
-          </a:p>
-          <a:p>
-            <a:pPr lvl="0">
-              <a:buClr>
-                <a:srgbClr val="666666"/>
-              </a:buClr>
-              <a:buSzPct val="45000"/>
-              <a:buFont typeface="StarSymbol"/>
-              <a:buChar char="●"/>
-            </a:pPr>
-            <a:r>
-              <a:rPr lang="ru-RU" sz="2800" dirty="0"/>
-              <a:t>Основные сущности:</a:t>
+            <a:r>
+              <a:rPr lang="ru-RU" dirty="0">
+                <a:solidFill>
+                  <a:srgbClr val="000000"/>
+                </a:solidFill>
+                <a:ea typeface="DejaVu Sans" pitchFamily="2"/>
+                <a:cs typeface="DejaVu Sans" pitchFamily="2"/>
+              </a:rPr>
+              <a:t>Примеры: </a:t>
             </a:r>
             <a:br>
-              <a:rPr lang="ru-RU" sz="2800" dirty="0"/>
+              <a:rPr lang="en-US" dirty="0">
+                <a:solidFill>
+                  <a:srgbClr val="000000"/>
+                </a:solidFill>
+                <a:ea typeface="DejaVu Sans" pitchFamily="2"/>
+                <a:cs typeface="DejaVu Sans" pitchFamily="2"/>
+              </a:rPr>
             </a:br>
-            <a:endParaRPr lang="ru-RU" sz="2800" dirty="0"/>
-          </a:p>
-          <a:p>
-            <a:pPr lvl="1">
-              <a:buClr>
-                <a:srgbClr val="666666"/>
-              </a:buClr>
-              <a:buSzPct val="45000"/>
-              <a:buFont typeface="Wingdings" panose="05000000000000000000" pitchFamily="2" charset="2"/>
-              <a:buChar char="Ø"/>
-            </a:pPr>
-            <a:r>
-              <a:rPr lang="ru-RU" sz="2400" dirty="0"/>
-              <a:t>Клиент</a:t>
-            </a:r>
-          </a:p>
-          <a:p>
-            <a:pPr lvl="1">
-              <a:buClr>
-                <a:srgbClr val="666666"/>
-              </a:buClr>
-              <a:buSzPct val="45000"/>
-              <a:buFont typeface="Wingdings" panose="05000000000000000000" pitchFamily="2" charset="2"/>
-              <a:buChar char="Ø"/>
-            </a:pPr>
-            <a:r>
-              <a:rPr lang="ru-RU" sz="2400" dirty="0"/>
-              <a:t>Товар</a:t>
-            </a:r>
-          </a:p>
-          <a:p>
-            <a:pPr lvl="1">
-              <a:buClr>
-                <a:srgbClr val="666666"/>
-              </a:buClr>
-              <a:buSzPct val="45000"/>
-              <a:buFont typeface="Wingdings" panose="05000000000000000000" pitchFamily="2" charset="2"/>
-              <a:buChar char="Ø"/>
-            </a:pPr>
-            <a:r>
-              <a:rPr lang="ru-RU" sz="2400" dirty="0"/>
-              <a:t>Продажа</a:t>
-            </a:r>
-          </a:p>
-          <a:p>
-            <a:pPr marL="0" lvl="0" indent="0">
-              <a:buClr>
-                <a:srgbClr val="666666"/>
-              </a:buClr>
-              <a:buSzPct val="45000"/>
-              <a:buNone/>
-            </a:pPr>
-            <a:endParaRPr lang="ru-RU" sz="2800" dirty="0">
+            <a:endParaRPr lang="en-US" dirty="0">
               <a:solidFill>
                 <a:srgbClr val="000000"/>
               </a:solidFill>
               <a:ea typeface="DejaVu Sans" pitchFamily="2"/>
               <a:cs typeface="DejaVu Sans" pitchFamily="2"/>
             </a:endParaRPr>
-          </a:p>
-          <a:p>
-            <a:endParaRPr lang="ru-RU" sz="2800" dirty="0"/>
-          </a:p>
-        </p:txBody>
-      </p:sp>
-      <p:sp>
-        <p:nvSpPr>
-          <p:cNvPr id="4" name="Rectangle 3">
-            <a:extLst>
-              <a:ext uri="{FF2B5EF4-FFF2-40B4-BE49-F238E27FC236}">
-                <a16:creationId xmlns:a16="http://schemas.microsoft.com/office/drawing/2014/main" id="{954A197D-5061-4C23-8E05-F183BB34F59F}"/>
-              </a:ext>
-            </a:extLst>
-          </p:cNvPr>
-          <p:cNvSpPr/>
-          <p:nvPr/>
-        </p:nvSpPr>
-        <p:spPr>
-          <a:xfrm>
-            <a:off x="0" y="0"/>
-            <a:ext cx="12192000" cy="6858000"/>
-          </a:xfrm>
-          <a:prstGeom prst="rect">
-            <a:avLst/>
-          </a:prstGeom>
-          <a:solidFill>
-            <a:schemeClr val="dk1">
-              <a:alpha val="21000"/>
-            </a:schemeClr>
-          </a:solidFill>
-        </p:spPr>
-        <p:style>
-          <a:lnRef idx="2">
-            <a:schemeClr val="dk1">
-              <a:shade val="50000"/>
-            </a:schemeClr>
-          </a:lnRef>
-          <a:fillRef idx="1">
-            <a:schemeClr val="dk1"/>
-          </a:fillRef>
-          <a:effectRef idx="0">
-            <a:schemeClr val="dk1"/>
-          </a:effectRef>
-          <a:fontRef idx="minor">
-            <a:schemeClr val="lt1"/>
-          </a:fontRef>
-        </p:style>
-        <p:txBody>
-          <a:bodyPr rtlCol="0" anchor="ctr"/>
-          <a:lstStyle/>
-          <a:p>
-            <a:pPr algn="ctr"/>
-            <a:endParaRPr lang="ru-RU" dirty="0"/>
-          </a:p>
-        </p:txBody>
-      </p:sp>
-      <p:sp>
-        <p:nvSpPr>
-          <p:cNvPr id="5" name="Rectangle 4">
-            <a:extLst>
-              <a:ext uri="{FF2B5EF4-FFF2-40B4-BE49-F238E27FC236}">
-                <a16:creationId xmlns:a16="http://schemas.microsoft.com/office/drawing/2014/main" id="{0CB849B5-5FE2-40BE-BC00-AC9E03B04C5E}"/>
-              </a:ext>
-            </a:extLst>
-          </p:cNvPr>
-          <p:cNvSpPr/>
-          <p:nvPr/>
-        </p:nvSpPr>
-        <p:spPr>
-          <a:xfrm>
-            <a:off x="7123814" y="1"/>
-            <a:ext cx="5068185" cy="6858000"/>
-          </a:xfrm>
-          <a:prstGeom prst="rect">
-            <a:avLst/>
-          </a:prstGeom>
-        </p:spPr>
-        <p:style>
-          <a:lnRef idx="2">
-            <a:schemeClr val="dk1"/>
-          </a:lnRef>
-          <a:fillRef idx="1">
-            <a:schemeClr val="lt1"/>
-          </a:fillRef>
-          <a:effectRef idx="0">
-            <a:schemeClr val="dk1"/>
-          </a:effectRef>
-          <a:fontRef idx="minor">
-            <a:schemeClr val="dk1"/>
-          </a:fontRef>
-        </p:style>
-        <p:txBody>
-          <a:bodyPr rtlCol="0" anchor="ctr"/>
-          <a:lstStyle/>
-          <a:p>
-            <a:pPr algn="ctr"/>
-            <a:endParaRPr lang="ru-RU"/>
-          </a:p>
-        </p:txBody>
-      </p:sp>
-      <p:sp>
-        <p:nvSpPr>
-          <p:cNvPr id="6" name="Title 1">
-            <a:extLst>
-              <a:ext uri="{FF2B5EF4-FFF2-40B4-BE49-F238E27FC236}">
-                <a16:creationId xmlns:a16="http://schemas.microsoft.com/office/drawing/2014/main" id="{1BF48606-88DE-42B9-BD72-B78C20334A2A}"/>
-              </a:ext>
-            </a:extLst>
-          </p:cNvPr>
-          <p:cNvSpPr txBox="1">
-            <a:spLocks/>
-          </p:cNvSpPr>
-          <p:nvPr/>
-        </p:nvSpPr>
-        <p:spPr>
-          <a:xfrm>
-            <a:off x="7899989" y="222362"/>
-            <a:ext cx="4292010" cy="1609344"/>
-          </a:xfrm>
-          <a:prstGeom prst="rect">
-            <a:avLst/>
-          </a:prstGeom>
-        </p:spPr>
-        <p:txBody>
-          <a:bodyPr vert="horz" lIns="91440" tIns="45720" rIns="91440" bIns="45720" rtlCol="0" anchor="ctr">
-            <a:normAutofit/>
-          </a:bodyPr>
-          <a:lstStyle>
-            <a:lvl1pPr algn="l" defTabSz="914400" rtl="0" eaLnBrk="1" latinLnBrk="0" hangingPunct="1">
-              <a:lnSpc>
-                <a:spcPct val="90000"/>
-              </a:lnSpc>
-              <a:spcBef>
-                <a:spcPct val="0"/>
-              </a:spcBef>
-              <a:buNone/>
-              <a:defRPr sz="4800" kern="1200" cap="none" baseline="0">
-                <a:blipFill>
-                  <a:blip r:embed="rId3">
-                    <a:extLst>
-                      <a:ext uri="{28A0092B-C50C-407E-A947-70E740481C1C}">
-                        <a14:useLocalDpi xmlns:a14="http://schemas.microsoft.com/office/drawing/2010/main" val="0"/>
-                      </a:ext>
-                    </a:extLst>
-                  </a:blip>
-                  <a:tile tx="6350" ty="-127000" sx="65000" sy="64000" flip="none" algn="tl"/>
-                </a:blipFill>
-                <a:latin typeface="+mj-lt"/>
-                <a:ea typeface="+mj-ea"/>
-                <a:cs typeface="+mj-cs"/>
-              </a:defRPr>
-            </a:lvl1pPr>
-          </a:lstStyle>
-          <a:p>
-            <a:r>
-              <a:rPr lang="ru-RU" dirty="0">
-                <a:ea typeface="DejaVu Sans" pitchFamily="2"/>
-                <a:cs typeface="DejaVu Sans" pitchFamily="2"/>
-              </a:rPr>
-              <a:t>Задание 3</a:t>
-            </a:r>
-            <a:endParaRPr lang="ru-RU" dirty="0"/>
-          </a:p>
-        </p:txBody>
-      </p:sp>
-      <p:sp>
-        <p:nvSpPr>
-          <p:cNvPr id="8" name="Content Placeholder 2">
-            <a:extLst>
-              <a:ext uri="{FF2B5EF4-FFF2-40B4-BE49-F238E27FC236}">
-                <a16:creationId xmlns:a16="http://schemas.microsoft.com/office/drawing/2014/main" id="{6595D009-711B-40A8-AA2F-C0C69AB2A7AA}"/>
-              </a:ext>
-            </a:extLst>
-          </p:cNvPr>
-          <p:cNvSpPr txBox="1">
-            <a:spLocks/>
-          </p:cNvSpPr>
-          <p:nvPr/>
-        </p:nvSpPr>
-        <p:spPr>
-          <a:xfrm>
-            <a:off x="7336466" y="2093976"/>
-            <a:ext cx="4855533" cy="4589993"/>
-          </a:xfrm>
-          <a:prstGeom prst="rect">
-            <a:avLst/>
-          </a:prstGeom>
-        </p:spPr>
-        <p:txBody>
-          <a:bodyPr vert="horz" lIns="91440" tIns="45720" rIns="91440" bIns="45720" rtlCol="0">
-            <a:normAutofit/>
-          </a:bodyPr>
-          <a:lstStyle>
-            <a:lvl1pPr marL="182880" indent="-182880" algn="l" defTabSz="914400" rtl="0" eaLnBrk="1" latinLnBrk="0" hangingPunct="1">
-              <a:lnSpc>
-                <a:spcPct val="90000"/>
-              </a:lnSpc>
-              <a:spcBef>
-                <a:spcPts val="1200"/>
-              </a:spcBef>
-              <a:buClr>
-                <a:schemeClr val="accent1">
-                  <a:lumMod val="75000"/>
-                </a:schemeClr>
-              </a:buClr>
-              <a:buSzPct val="85000"/>
-              <a:buFont typeface="Wingdings" pitchFamily="2" charset="2"/>
-              <a:buChar char="§"/>
-              <a:defRPr sz="2000" kern="1200">
-                <a:solidFill>
-                  <a:schemeClr val="tx1"/>
-                </a:solidFill>
-                <a:latin typeface="+mn-lt"/>
-                <a:ea typeface="+mn-ea"/>
-                <a:cs typeface="+mn-cs"/>
-              </a:defRPr>
-            </a:lvl1pPr>
-            <a:lvl2pPr marL="457200" indent="-182880" algn="l" defTabSz="914400" rtl="0" eaLnBrk="1" latinLnBrk="0" hangingPunct="1">
-              <a:lnSpc>
-                <a:spcPct val="90000"/>
-              </a:lnSpc>
-              <a:spcBef>
-                <a:spcPts val="400"/>
-              </a:spcBef>
-              <a:spcAft>
-                <a:spcPts val="200"/>
-              </a:spcAft>
-              <a:buClr>
-                <a:schemeClr val="accent1">
-                  <a:lumMod val="75000"/>
-                </a:schemeClr>
-              </a:buClr>
-              <a:buSzPct val="85000"/>
-              <a:buFont typeface="Wingdings" pitchFamily="2" charset="2"/>
-              <a:buChar char="§"/>
-              <a:defRPr sz="1800" kern="1200">
-                <a:solidFill>
-                  <a:schemeClr val="tx1"/>
-                </a:solidFill>
-                <a:latin typeface="+mn-lt"/>
-                <a:ea typeface="+mn-ea"/>
-                <a:cs typeface="+mn-cs"/>
-              </a:defRPr>
-            </a:lvl2pPr>
-            <a:lvl3pPr marL="731520" indent="-182880" algn="l" defTabSz="914400" rtl="0" eaLnBrk="1" latinLnBrk="0" hangingPunct="1">
-              <a:lnSpc>
-                <a:spcPct val="90000"/>
-              </a:lnSpc>
-              <a:spcBef>
-                <a:spcPts val="400"/>
-              </a:spcBef>
-              <a:spcAft>
-                <a:spcPts val="200"/>
-              </a:spcAft>
-              <a:buClr>
-                <a:schemeClr val="accent1">
-                  <a:lumMod val="75000"/>
-                </a:schemeClr>
-              </a:buClr>
-              <a:buSzPct val="85000"/>
-              <a:buFont typeface="Wingdings" pitchFamily="2" charset="2"/>
-              <a:buChar char="§"/>
-              <a:defRPr sz="1600" kern="1200">
-                <a:solidFill>
-                  <a:schemeClr val="tx1"/>
-                </a:solidFill>
-                <a:latin typeface="+mn-lt"/>
-                <a:ea typeface="+mn-ea"/>
-                <a:cs typeface="+mn-cs"/>
-              </a:defRPr>
-            </a:lvl3pPr>
-            <a:lvl4pPr marL="1005840" indent="-182880" algn="l" defTabSz="914400" rtl="0" eaLnBrk="1" latinLnBrk="0" hangingPunct="1">
-              <a:lnSpc>
-                <a:spcPct val="90000"/>
-              </a:lnSpc>
-              <a:spcBef>
-                <a:spcPts val="400"/>
-              </a:spcBef>
-              <a:spcAft>
-                <a:spcPts val="200"/>
-              </a:spcAft>
-              <a:buClr>
-                <a:schemeClr val="accent1">
-                  <a:lumMod val="75000"/>
-                </a:schemeClr>
-              </a:buClr>
-              <a:buSzPct val="85000"/>
-              <a:buFont typeface="Wingdings" pitchFamily="2" charset="2"/>
-              <a:buChar char="§"/>
-              <a:defRPr sz="1600" kern="1200">
-                <a:solidFill>
-                  <a:schemeClr val="tx1"/>
-                </a:solidFill>
-                <a:latin typeface="+mn-lt"/>
-                <a:ea typeface="+mn-ea"/>
-                <a:cs typeface="+mn-cs"/>
-              </a:defRPr>
-            </a:lvl4pPr>
-            <a:lvl5pPr marL="1280160" indent="-182880" algn="l" defTabSz="914400" rtl="0" eaLnBrk="1" latinLnBrk="0" hangingPunct="1">
-              <a:lnSpc>
-                <a:spcPct val="90000"/>
-              </a:lnSpc>
-              <a:spcBef>
-                <a:spcPts val="400"/>
-              </a:spcBef>
-              <a:spcAft>
-                <a:spcPts val="200"/>
-              </a:spcAft>
-              <a:buClr>
-                <a:schemeClr val="accent1">
-                  <a:lumMod val="75000"/>
-                </a:schemeClr>
-              </a:buClr>
-              <a:buSzPct val="85000"/>
-              <a:buFont typeface="Wingdings" pitchFamily="2" charset="2"/>
-              <a:buChar char="§"/>
-              <a:defRPr sz="1600" kern="1200">
-                <a:solidFill>
-                  <a:schemeClr val="tx1"/>
-                </a:solidFill>
-                <a:latin typeface="+mn-lt"/>
-                <a:ea typeface="+mn-ea"/>
-                <a:cs typeface="+mn-cs"/>
-              </a:defRPr>
-            </a:lvl5pPr>
-            <a:lvl6pPr marL="1600000" indent="-228600" algn="l" defTabSz="914400" rtl="0" eaLnBrk="1" latinLnBrk="0" hangingPunct="1">
-              <a:lnSpc>
-                <a:spcPct val="90000"/>
-              </a:lnSpc>
-              <a:spcBef>
-                <a:spcPts val="400"/>
-              </a:spcBef>
-              <a:spcAft>
-                <a:spcPts val="200"/>
-              </a:spcAft>
-              <a:buClr>
-                <a:schemeClr val="accent1">
-                  <a:lumMod val="75000"/>
-                </a:schemeClr>
-              </a:buClr>
-              <a:buSzPct val="85000"/>
-              <a:buFont typeface="Wingdings" pitchFamily="2" charset="2"/>
-              <a:buChar char="§"/>
-              <a:defRPr sz="1600" kern="1200">
-                <a:solidFill>
-                  <a:schemeClr val="tx1"/>
-                </a:solidFill>
-                <a:latin typeface="+mn-lt"/>
-                <a:ea typeface="+mn-ea"/>
-                <a:cs typeface="+mn-cs"/>
-              </a:defRPr>
-            </a:lvl6pPr>
-            <a:lvl7pPr marL="1900000" indent="-228600" algn="l" defTabSz="914400" rtl="0" eaLnBrk="1" latinLnBrk="0" hangingPunct="1">
-              <a:lnSpc>
-                <a:spcPct val="90000"/>
-              </a:lnSpc>
-              <a:spcBef>
-                <a:spcPts val="400"/>
-              </a:spcBef>
-              <a:spcAft>
-                <a:spcPts val="200"/>
-              </a:spcAft>
-              <a:buClr>
-                <a:schemeClr val="accent1">
-                  <a:lumMod val="75000"/>
-                </a:schemeClr>
-              </a:buClr>
-              <a:buSzPct val="85000"/>
-              <a:buFont typeface="Wingdings" pitchFamily="2" charset="2"/>
-              <a:buChar char="§"/>
-              <a:defRPr sz="1600" kern="1200">
-                <a:solidFill>
-                  <a:schemeClr val="tx1"/>
-                </a:solidFill>
-                <a:latin typeface="+mn-lt"/>
-                <a:ea typeface="+mn-ea"/>
-                <a:cs typeface="+mn-cs"/>
-              </a:defRPr>
-            </a:lvl7pPr>
-            <a:lvl8pPr marL="2200000" indent="-228600" algn="l" defTabSz="914400" rtl="0" eaLnBrk="1" latinLnBrk="0" hangingPunct="1">
-              <a:lnSpc>
-                <a:spcPct val="90000"/>
-              </a:lnSpc>
-              <a:spcBef>
-                <a:spcPts val="400"/>
-              </a:spcBef>
-              <a:spcAft>
-                <a:spcPts val="200"/>
-              </a:spcAft>
-              <a:buClr>
-                <a:schemeClr val="accent1">
-                  <a:lumMod val="75000"/>
-                </a:schemeClr>
-              </a:buClr>
-              <a:buSzPct val="85000"/>
-              <a:buFont typeface="Wingdings" pitchFamily="2" charset="2"/>
-              <a:buChar char="§"/>
-              <a:defRPr sz="1600" kern="1200">
-                <a:solidFill>
-                  <a:schemeClr val="tx1"/>
-                </a:solidFill>
-                <a:latin typeface="+mn-lt"/>
-                <a:ea typeface="+mn-ea"/>
-                <a:cs typeface="+mn-cs"/>
-              </a:defRPr>
-            </a:lvl8pPr>
-            <a:lvl9pPr marL="2500000" indent="-228600" algn="l" defTabSz="914400" rtl="0" eaLnBrk="1" latinLnBrk="0" hangingPunct="1">
-              <a:lnSpc>
-                <a:spcPct val="90000"/>
-              </a:lnSpc>
-              <a:spcBef>
-                <a:spcPts val="400"/>
-              </a:spcBef>
-              <a:spcAft>
-                <a:spcPts val="200"/>
-              </a:spcAft>
-              <a:buClr>
-                <a:schemeClr val="accent1">
-                  <a:lumMod val="75000"/>
-                </a:schemeClr>
-              </a:buClr>
-              <a:buSzPct val="85000"/>
-              <a:buFont typeface="Wingdings" pitchFamily="2" charset="2"/>
-              <a:buChar char="§"/>
-              <a:defRPr sz="1600" kern="1200">
-                <a:solidFill>
-                  <a:schemeClr val="tx1"/>
-                </a:solidFill>
-                <a:latin typeface="+mn-lt"/>
-                <a:ea typeface="+mn-ea"/>
-                <a:cs typeface="+mn-cs"/>
-              </a:defRPr>
-            </a:lvl9pPr>
-          </a:lstStyle>
-          <a:p>
-            <a:pPr>
-              <a:buClr>
-                <a:srgbClr val="666666"/>
-              </a:buClr>
-              <a:buSzPct val="45000"/>
-              <a:buFont typeface="StarSymbol"/>
-              <a:buChar char="●"/>
-            </a:pPr>
-            <a:r>
-              <a:rPr lang="ru-RU" sz="2800" dirty="0"/>
-              <a:t>Создание  </a:t>
-            </a:r>
-            <a:r>
-              <a:rPr lang="en-US" sz="2800" dirty="0"/>
-              <a:t>ER</a:t>
-            </a:r>
-            <a:r>
-              <a:rPr lang="ru-RU" sz="2800" dirty="0"/>
-              <a:t>-модели предметной области</a:t>
-            </a:r>
-            <a:br>
-              <a:rPr lang="ru-RU" sz="2800" dirty="0"/>
-            </a:br>
-            <a:endParaRPr lang="ru-RU" sz="2800" dirty="0"/>
           </a:p>
           <a:p>
             <a:pPr lvl="1">
@@ -15961,14 +14757,52 @@
               <a:buChar char="●"/>
             </a:pPr>
             <a:r>
-              <a:rPr lang="ru-RU" sz="2400" dirty="0"/>
-              <a:t>Распределить атрибуты выбранных на Задании 2 сущностей по таблицам в соответствии с </a:t>
-            </a:r>
-            <a:r>
-              <a:rPr lang="en-US" sz="2400" dirty="0"/>
-              <a:t>anchor model</a:t>
-            </a:r>
-            <a:endParaRPr lang="ru-RU" sz="2400" dirty="0"/>
+              <a:rPr lang="ru-RU" dirty="0" err="1">
+                <a:solidFill>
+                  <a:srgbClr val="000000"/>
+                </a:solidFill>
+                <a:ea typeface="DejaVu Sans" pitchFamily="2"/>
+                <a:cs typeface="DejaVu Sans" pitchFamily="2"/>
+              </a:rPr>
+              <a:t>Сибур</a:t>
+            </a:r>
+            <a:r>
+              <a:rPr lang="en-US" dirty="0">
+                <a:solidFill>
+                  <a:srgbClr val="000000"/>
+                </a:solidFill>
+                <a:ea typeface="DejaVu Sans" pitchFamily="2"/>
+                <a:cs typeface="DejaVu Sans" pitchFamily="2"/>
+              </a:rPr>
+              <a:t>: </a:t>
+            </a:r>
+            <a:r>
+              <a:rPr lang="en-US" dirty="0">
+                <a:solidFill>
+                  <a:srgbClr val="000000"/>
+                </a:solidFill>
+                <a:ea typeface="DejaVu Sans" pitchFamily="2"/>
+                <a:cs typeface="DejaVu Sans" pitchFamily="2"/>
+                <a:hlinkClick r:id="rId2"/>
+              </a:rPr>
+              <a:t>https://sibur.digital/84-osobennosti-data-driven-v-neftekhimii</a:t>
+            </a:r>
+            <a:br>
+              <a:rPr lang="en-US" dirty="0">
+                <a:solidFill>
+                  <a:srgbClr val="000000"/>
+                </a:solidFill>
+                <a:ea typeface="DejaVu Sans" pitchFamily="2"/>
+                <a:cs typeface="DejaVu Sans" pitchFamily="2"/>
+              </a:rPr>
+            </a:br>
+            <a:endParaRPr lang="en-US" dirty="0">
+              <a:solidFill>
+                <a:srgbClr val="000000"/>
+              </a:solidFill>
+              <a:ea typeface="DejaVu Sans" pitchFamily="2"/>
+              <a:cs typeface="DejaVu Sans" pitchFamily="2"/>
+            </a:endParaRPr>
           </a:p>
           <a:p>
             <a:pPr lvl="1">
@@ -15979,43 +14813,86 @@
               <a:buFont typeface="StarSymbol"/>
               <a:buChar char="●"/>
             </a:pPr>
-            <a:endParaRPr lang="ru-RU" sz="2600" dirty="0"/>
-          </a:p>
-          <a:p>
-            <a:pPr>
+            <a:r>
+              <a:rPr lang="ru-RU" dirty="0">
+                <a:solidFill>
+                  <a:srgbClr val="000000"/>
+                </a:solidFill>
+                <a:ea typeface="DejaVu Sans" pitchFamily="2"/>
+                <a:cs typeface="DejaVu Sans" pitchFamily="2"/>
+              </a:rPr>
+              <a:t>Яндекс.</a:t>
+            </a:r>
+            <a:r>
+              <a:rPr lang="en-US" dirty="0">
+                <a:solidFill>
+                  <a:srgbClr val="000000"/>
+                </a:solidFill>
+                <a:ea typeface="DejaVu Sans" pitchFamily="2"/>
+                <a:cs typeface="DejaVu Sans" pitchFamily="2"/>
+              </a:rPr>
+              <a:t>Go: </a:t>
+            </a:r>
+            <a:r>
+              <a:rPr lang="en-US" dirty="0">
+                <a:solidFill>
+                  <a:srgbClr val="000000"/>
+                </a:solidFill>
+                <a:ea typeface="DejaVu Sans" pitchFamily="2"/>
+                <a:cs typeface="DejaVu Sans" pitchFamily="2"/>
+                <a:hlinkClick r:id="rId3"/>
+              </a:rPr>
+              <a:t>https://habr.com/ru/company/yandex/blog/557140/</a:t>
+            </a:r>
+            <a:endParaRPr lang="en-US" dirty="0">
+              <a:solidFill>
+                <a:srgbClr val="000000"/>
+              </a:solidFill>
+              <a:ea typeface="DejaVu Sans" pitchFamily="2"/>
+              <a:cs typeface="DejaVu Sans" pitchFamily="2"/>
+            </a:endParaRPr>
+          </a:p>
+          <a:p>
+            <a:pPr marL="274320" lvl="1" indent="0">
               <a:buClr>
                 <a:srgbClr val="666666"/>
               </a:buClr>
               <a:buSzPct val="45000"/>
-              <a:buFont typeface="StarSymbol"/>
-              <a:buChar char="●"/>
+              <a:buNone/>
             </a:pPr>
-            <a:endParaRPr lang="ru-RU" sz="2800" dirty="0"/>
-          </a:p>
-          <a:p>
-            <a:pPr>
+            <a:endParaRPr lang="ru-RU" dirty="0">
+              <a:solidFill>
+                <a:srgbClr val="000000"/>
+              </a:solidFill>
+              <a:ea typeface="DejaVu Sans" pitchFamily="2"/>
+              <a:cs typeface="DejaVu Sans" pitchFamily="2"/>
+            </a:endParaRPr>
+          </a:p>
+          <a:p>
+            <a:pPr marL="0" lvl="0" indent="0">
               <a:buClr>
                 <a:srgbClr val="666666"/>
               </a:buClr>
               <a:buSzPct val="45000"/>
-              <a:buFont typeface="StarSymbol"/>
-              <a:buChar char="●"/>
+              <a:buNone/>
             </a:pPr>
-            <a:r>
-              <a:rPr lang="ru-RU" sz="2800" dirty="0" err="1"/>
-              <a:t>Тайминг</a:t>
-            </a:r>
-            <a:r>
-              <a:rPr lang="ru-RU" sz="2800" dirty="0"/>
-              <a:t> – 15 минут</a:t>
-            </a:r>
+            <a:endParaRPr lang="ru-RU" dirty="0">
+              <a:solidFill>
+                <a:srgbClr val="000000"/>
+              </a:solidFill>
+              <a:ea typeface="DejaVu Sans" pitchFamily="2"/>
+              <a:cs typeface="DejaVu Sans" pitchFamily="2"/>
+            </a:endParaRPr>
+          </a:p>
+          <a:p>
+            <a:endParaRPr lang="ru-RU" dirty="0"/>
           </a:p>
         </p:txBody>
       </p:sp>
     </p:spTree>
     <p:extLst>
       <p:ext uri="{BB962C8B-B14F-4D97-AF65-F5344CB8AC3E}">
-        <p14:creationId xmlns:p14="http://schemas.microsoft.com/office/powerpoint/2010/main" val="2964478912"/>
+        <p14:creationId xmlns:p14="http://schemas.microsoft.com/office/powerpoint/2010/main" val="3191551256"/>
       </p:ext>
     </p:extLst>
   </p:cSld>
@@ -16280,450 +15157,6 @@
           <p:cNvPr id="2" name="Title 1">
             <a:extLst>
               <a:ext uri="{FF2B5EF4-FFF2-40B4-BE49-F238E27FC236}">
-                <a16:creationId xmlns:a16="http://schemas.microsoft.com/office/drawing/2014/main" id="{FA7CD49F-D4C2-48A5-9EF0-80BD7AB3DA72}"/>
-              </a:ext>
-            </a:extLst>
-          </p:cNvPr>
-          <p:cNvSpPr>
-            <a:spLocks noGrp="1"/>
-          </p:cNvSpPr>
-          <p:nvPr>
-            <p:ph type="title"/>
-          </p:nvPr>
-        </p:nvSpPr>
-        <p:spPr>
-          <a:xfrm>
-            <a:off x="1002060" y="137596"/>
-            <a:ext cx="10058400" cy="1609344"/>
-          </a:xfrm>
-        </p:spPr>
-        <p:txBody>
-          <a:bodyPr/>
-          <a:lstStyle/>
-          <a:p>
-            <a:r>
-              <a:rPr lang="en-US" dirty="0"/>
-              <a:t>ETL template</a:t>
-            </a:r>
-            <a:endParaRPr lang="ru-RU" dirty="0"/>
-          </a:p>
-        </p:txBody>
-      </p:sp>
-      <p:pic>
-        <p:nvPicPr>
-          <p:cNvPr id="1026" name="Picture 2" descr="https://i.ytimg.com/vi/x-WkIngiHf4/maxresdefault.jpg">
-            <a:extLst>
-              <a:ext uri="{FF2B5EF4-FFF2-40B4-BE49-F238E27FC236}">
-                <a16:creationId xmlns:a16="http://schemas.microsoft.com/office/drawing/2014/main" id="{F2AF4024-7B43-409A-B953-AE521359C8B5}"/>
-              </a:ext>
-            </a:extLst>
-          </p:cNvPr>
-          <p:cNvPicPr>
-            <a:picLocks noChangeAspect="1" noChangeArrowheads="1"/>
-          </p:cNvPicPr>
-          <p:nvPr/>
-        </p:nvPicPr>
-        <p:blipFill rotWithShape="1">
-          <a:blip r:embed="rId3">
-            <a:extLst>
-              <a:ext uri="{28A0092B-C50C-407E-A947-70E740481C1C}">
-                <a14:useLocalDpi xmlns:a14="http://schemas.microsoft.com/office/drawing/2010/main" val="0"/>
-              </a:ext>
-            </a:extLst>
-          </a:blip>
-          <a:srcRect l="5762" t="23899" r="21917" b="9134"/>
-          <a:stretch/>
-        </p:blipFill>
-        <p:spPr bwMode="auto">
-          <a:xfrm>
-            <a:off x="816428" y="1230087"/>
-            <a:ext cx="10540703" cy="5490318"/>
-          </a:xfrm>
-          <a:prstGeom prst="rect">
-            <a:avLst/>
-          </a:prstGeom>
-          <a:noFill/>
-          <a:extLst>
-            <a:ext uri="{909E8E84-426E-40DD-AFC4-6F175D3DCCD1}">
-              <a14:hiddenFill xmlns:a14="http://schemas.microsoft.com/office/drawing/2010/main">
-                <a:solidFill>
-                  <a:srgbClr val="FFFFFF"/>
-                </a:solidFill>
-              </a14:hiddenFill>
-            </a:ext>
-          </a:extLst>
-        </p:spPr>
-      </p:pic>
-      <p:sp>
-        <p:nvSpPr>
-          <p:cNvPr id="6" name="Content Placeholder 2">
-            <a:extLst>
-              <a:ext uri="{FF2B5EF4-FFF2-40B4-BE49-F238E27FC236}">
-                <a16:creationId xmlns:a16="http://schemas.microsoft.com/office/drawing/2014/main" id="{1FD58966-FB84-4FC2-BB43-C27E8C54B0E4}"/>
-              </a:ext>
-            </a:extLst>
-          </p:cNvPr>
-          <p:cNvSpPr>
-            <a:spLocks noGrp="1"/>
-          </p:cNvSpPr>
-          <p:nvPr>
-            <p:ph idx="1"/>
-          </p:nvPr>
-        </p:nvSpPr>
-        <p:spPr>
-          <a:xfrm>
-            <a:off x="6530221" y="827752"/>
-            <a:ext cx="5117493" cy="315248"/>
-          </a:xfrm>
-        </p:spPr>
-        <p:txBody>
-          <a:bodyPr>
-            <a:normAutofit fontScale="92500" lnSpcReduction="20000"/>
-          </a:bodyPr>
-          <a:lstStyle/>
-          <a:p>
-            <a:r>
-              <a:rPr lang="en-US" dirty="0"/>
-              <a:t>Source: </a:t>
-            </a:r>
-            <a:r>
-              <a:rPr lang="en-US" dirty="0">
-                <a:hlinkClick r:id="rId4"/>
-              </a:rPr>
-              <a:t>https://www.anchormodeling.com/</a:t>
-            </a:r>
-            <a:r>
-              <a:rPr lang="en-US" dirty="0"/>
-              <a:t> </a:t>
-            </a:r>
-            <a:endParaRPr lang="ru-RU" dirty="0"/>
-          </a:p>
-        </p:txBody>
-      </p:sp>
-    </p:spTree>
-    <p:extLst>
-      <p:ext uri="{BB962C8B-B14F-4D97-AF65-F5344CB8AC3E}">
-        <p14:creationId xmlns:p14="http://schemas.microsoft.com/office/powerpoint/2010/main" val="2068844240"/>
-      </p:ext>
-    </p:extLst>
-  </p:cSld>
-  <p:clrMapOvr>
-    <a:masterClrMapping/>
-  </p:clrMapOvr>
-</p:sld>
-</file>
-
-<file path=ppt/slides/slide21.xml><?xml version="1.0" encoding="utf-8"?>
-<p:sld xmlns:a="http://schemas.openxmlformats.org/drawingml/2006/main" xmlns:r="http://schemas.openxmlformats.org/officeDocument/2006/relationships" xmlns:p="http://schemas.openxmlformats.org/presentationml/2006/main">
-  <p:cSld>
-    <p:spTree>
-      <p:nvGrpSpPr>
-        <p:cNvPr id="1" name=""/>
-        <p:cNvGrpSpPr/>
-        <p:nvPr/>
-      </p:nvGrpSpPr>
-      <p:grpSpPr>
-        <a:xfrm>
-          <a:off x="0" y="0"/>
-          <a:ext cx="0" cy="0"/>
-          <a:chOff x="0" y="0"/>
-          <a:chExt cx="0" cy="0"/>
-        </a:xfrm>
-      </p:grpSpPr>
-      <p:sp>
-        <p:nvSpPr>
-          <p:cNvPr id="2" name="Title 1">
-            <a:extLst>
-              <a:ext uri="{FF2B5EF4-FFF2-40B4-BE49-F238E27FC236}">
-                <a16:creationId xmlns:a16="http://schemas.microsoft.com/office/drawing/2014/main" id="{74ED2800-BE23-482A-B152-A72BC607E8B0}"/>
-              </a:ext>
-            </a:extLst>
-          </p:cNvPr>
-          <p:cNvSpPr>
-            <a:spLocks noGrp="1"/>
-          </p:cNvSpPr>
-          <p:nvPr>
-            <p:ph type="title"/>
-          </p:nvPr>
-        </p:nvSpPr>
-        <p:spPr/>
-        <p:txBody>
-          <a:bodyPr>
-            <a:normAutofit/>
-          </a:bodyPr>
-          <a:lstStyle/>
-          <a:p>
-            <a:r>
-              <a:rPr lang="en-US" dirty="0">
-                <a:ea typeface="DejaVu Sans" pitchFamily="2"/>
-                <a:cs typeface="DejaVu Sans" pitchFamily="2"/>
-              </a:rPr>
-              <a:t>Anchor</a:t>
-            </a:r>
-            <a:r>
-              <a:rPr lang="ru-RU" dirty="0">
-                <a:ea typeface="DejaVu Sans" pitchFamily="2"/>
-                <a:cs typeface="DejaVu Sans" pitchFamily="2"/>
-              </a:rPr>
-              <a:t> – якорная модель</a:t>
-            </a:r>
-            <a:br>
-              <a:rPr lang="ru-RU" dirty="0">
-                <a:ea typeface="DejaVu Sans" pitchFamily="2"/>
-                <a:cs typeface="DejaVu Sans" pitchFamily="2"/>
-              </a:rPr>
-            </a:br>
-            <a:r>
-              <a:rPr lang="ru-RU" sz="3600" dirty="0">
-                <a:ea typeface="DejaVu Sans" pitchFamily="2"/>
-                <a:cs typeface="DejaVu Sans" pitchFamily="2"/>
-              </a:rPr>
-              <a:t>Оптимизация физической модели</a:t>
-            </a:r>
-            <a:endParaRPr lang="ru-RU" dirty="0"/>
-          </a:p>
-        </p:txBody>
-      </p:sp>
-      <p:sp>
-        <p:nvSpPr>
-          <p:cNvPr id="3" name="Content Placeholder 2">
-            <a:extLst>
-              <a:ext uri="{FF2B5EF4-FFF2-40B4-BE49-F238E27FC236}">
-                <a16:creationId xmlns:a16="http://schemas.microsoft.com/office/drawing/2014/main" id="{C15EB09F-B745-4151-9C07-58D16BCE98C4}"/>
-              </a:ext>
-            </a:extLst>
-          </p:cNvPr>
-          <p:cNvSpPr>
-            <a:spLocks noGrp="1"/>
-          </p:cNvSpPr>
-          <p:nvPr>
-            <p:ph idx="1"/>
-          </p:nvPr>
-        </p:nvSpPr>
-        <p:spPr>
-          <a:xfrm>
-            <a:off x="1440946" y="2093976"/>
-            <a:ext cx="8298477" cy="4672147"/>
-          </a:xfrm>
-        </p:spPr>
-        <p:txBody>
-          <a:bodyPr>
-            <a:normAutofit/>
-          </a:bodyPr>
-          <a:lstStyle/>
-          <a:p>
-            <a:pPr lvl="0">
-              <a:buClr>
-                <a:srgbClr val="666666"/>
-              </a:buClr>
-              <a:buSzPct val="45000"/>
-              <a:buFont typeface="StarSymbol"/>
-              <a:buChar char="●"/>
-            </a:pPr>
-            <a:r>
-              <a:rPr lang="en-US" b="1" dirty="0"/>
-              <a:t>Join elimination</a:t>
-            </a:r>
-          </a:p>
-          <a:p>
-            <a:pPr marL="0" lvl="0" indent="0">
-              <a:buClr>
-                <a:srgbClr val="666666"/>
-              </a:buClr>
-              <a:buSzPct val="45000"/>
-              <a:buNone/>
-            </a:pPr>
-            <a:r>
-              <a:rPr lang="ru-RU" dirty="0"/>
-              <a:t>Анализ запроса на предмет использования таблиц</a:t>
-            </a:r>
-            <a:r>
-              <a:rPr lang="en-US" dirty="0"/>
-              <a:t>:</a:t>
-            </a:r>
-          </a:p>
-          <a:p>
-            <a:pPr marL="0" lvl="0" indent="0">
-              <a:buClr>
-                <a:srgbClr val="666666"/>
-              </a:buClr>
-              <a:buSzPct val="45000"/>
-              <a:buNone/>
-            </a:pPr>
-            <a:r>
-              <a:rPr lang="ru-RU" dirty="0"/>
-              <a:t>Если в запросе из таблицы не выбирается и не используется ни одного атрибута – такая таблицы из плана запроса исключается</a:t>
-            </a:r>
-            <a:endParaRPr lang="en-US" dirty="0"/>
-          </a:p>
-          <a:p>
-            <a:pPr marL="0" lvl="0" indent="0">
-              <a:buClr>
-                <a:srgbClr val="666666"/>
-              </a:buClr>
-              <a:buSzPct val="45000"/>
-              <a:buNone/>
-            </a:pPr>
-            <a:r>
-              <a:rPr lang="ru-RU" dirty="0"/>
-              <a:t>Применяется в основном для оптимизации выборки части атрибутов из </a:t>
-            </a:r>
-            <a:r>
-              <a:rPr lang="en-US" dirty="0"/>
-              <a:t>view</a:t>
-            </a:r>
-          </a:p>
-          <a:p>
-            <a:pPr marL="0" indent="0">
-              <a:buClr>
-                <a:srgbClr val="666666"/>
-              </a:buClr>
-              <a:buSzPct val="45000"/>
-              <a:buNone/>
-            </a:pPr>
-            <a:endParaRPr lang="en-US" dirty="0"/>
-          </a:p>
-          <a:p>
-            <a:pPr>
-              <a:buClr>
-                <a:srgbClr val="666666"/>
-              </a:buClr>
-              <a:buSzPct val="45000"/>
-            </a:pPr>
-            <a:r>
-              <a:rPr lang="en-US" b="1" dirty="0"/>
-              <a:t>Cluster index + merge join</a:t>
-            </a:r>
-            <a:endParaRPr lang="ru-RU" b="1" dirty="0"/>
-          </a:p>
-          <a:p>
-            <a:pPr marL="0" indent="0">
-              <a:buClr>
-                <a:srgbClr val="666666"/>
-              </a:buClr>
-              <a:buSzPct val="45000"/>
-              <a:buNone/>
-            </a:pPr>
-            <a:r>
-              <a:rPr lang="ru-RU" dirty="0"/>
-              <a:t>Добавление кластерного индекса на суррогатные ключи обеспечивает хранение данных в отсортированном виде, который будет оптимален для </a:t>
-            </a:r>
-            <a:r>
-              <a:rPr lang="ru-RU" dirty="0" err="1"/>
-              <a:t>джойна</a:t>
-            </a:r>
-            <a:r>
-              <a:rPr lang="ru-RU" dirty="0"/>
-              <a:t> таблиц через </a:t>
-            </a:r>
-            <a:r>
-              <a:rPr lang="en-US" dirty="0"/>
-              <a:t>merge join</a:t>
-            </a:r>
-            <a:endParaRPr lang="ru-RU" dirty="0"/>
-          </a:p>
-          <a:p>
-            <a:pPr marL="0" indent="0">
-              <a:buClr>
-                <a:srgbClr val="666666"/>
-              </a:buClr>
-              <a:buSzPct val="45000"/>
-              <a:buNone/>
-            </a:pPr>
-            <a:endParaRPr lang="ru-RU" dirty="0">
-              <a:solidFill>
-                <a:srgbClr val="000000"/>
-              </a:solidFill>
-              <a:ea typeface="DejaVu Sans" pitchFamily="2"/>
-              <a:cs typeface="DejaVu Sans" pitchFamily="2"/>
-            </a:endParaRPr>
-          </a:p>
-          <a:p>
-            <a:pPr marL="0" lvl="0" indent="0">
-              <a:buClr>
-                <a:srgbClr val="666666"/>
-              </a:buClr>
-              <a:buSzPct val="45000"/>
-              <a:buNone/>
-            </a:pPr>
-            <a:endParaRPr lang="ru-RU" dirty="0">
-              <a:solidFill>
-                <a:srgbClr val="000000"/>
-              </a:solidFill>
-              <a:ea typeface="DejaVu Sans" pitchFamily="2"/>
-              <a:cs typeface="DejaVu Sans" pitchFamily="2"/>
-            </a:endParaRPr>
-          </a:p>
-          <a:p>
-            <a:endParaRPr lang="ru-RU" dirty="0"/>
-          </a:p>
-        </p:txBody>
-      </p:sp>
-      <p:pic>
-        <p:nvPicPr>
-          <p:cNvPr id="4" name="Picture 3">
-            <a:extLst>
-              <a:ext uri="{FF2B5EF4-FFF2-40B4-BE49-F238E27FC236}">
-                <a16:creationId xmlns:a16="http://schemas.microsoft.com/office/drawing/2014/main" id="{CECC54B2-5B5F-421A-80B3-F0041397DFC0}"/>
-              </a:ext>
-            </a:extLst>
-          </p:cNvPr>
-          <p:cNvPicPr>
-            <a:picLocks noChangeAspect="1"/>
-          </p:cNvPicPr>
-          <p:nvPr/>
-        </p:nvPicPr>
-        <p:blipFill>
-          <a:blip r:embed="rId2"/>
-          <a:stretch>
-            <a:fillRect/>
-          </a:stretch>
-        </p:blipFill>
-        <p:spPr>
-          <a:xfrm>
-            <a:off x="9246989" y="3172005"/>
-            <a:ext cx="2778433" cy="2403813"/>
-          </a:xfrm>
-          <a:prstGeom prst="rect">
-            <a:avLst/>
-          </a:prstGeom>
-        </p:spPr>
-      </p:pic>
-    </p:spTree>
-    <p:extLst>
-      <p:ext uri="{BB962C8B-B14F-4D97-AF65-F5344CB8AC3E}">
-        <p14:creationId xmlns:p14="http://schemas.microsoft.com/office/powerpoint/2010/main" val="1144353171"/>
-      </p:ext>
-    </p:extLst>
-  </p:cSld>
-  <p:clrMapOvr>
-    <a:masterClrMapping/>
-  </p:clrMapOvr>
-</p:sld>
-</file>
-
-<file path=ppt/slides/slide22.xml><?xml version="1.0" encoding="utf-8"?>
-<p:sld xmlns:a="http://schemas.openxmlformats.org/drawingml/2006/main" xmlns:r="http://schemas.openxmlformats.org/officeDocument/2006/relationships" xmlns:p="http://schemas.openxmlformats.org/presentationml/2006/main">
-  <p:cSld>
-    <p:spTree>
-      <p:nvGrpSpPr>
-        <p:cNvPr id="1" name=""/>
-        <p:cNvGrpSpPr/>
-        <p:nvPr/>
-      </p:nvGrpSpPr>
-      <p:grpSpPr>
-        <a:xfrm>
-          <a:off x="0" y="0"/>
-          <a:ext cx="0" cy="0"/>
-          <a:chOff x="0" y="0"/>
-          <a:chExt cx="0" cy="0"/>
-        </a:xfrm>
-      </p:grpSpPr>
-      <p:sp>
-        <p:nvSpPr>
-          <p:cNvPr id="2" name="Title 1">
-            <a:extLst>
-              <a:ext uri="{FF2B5EF4-FFF2-40B4-BE49-F238E27FC236}">
                 <a16:creationId xmlns:a16="http://schemas.microsoft.com/office/drawing/2014/main" id="{42DED8B5-3736-4F67-AF04-223CB6047EFE}"/>
               </a:ext>
             </a:extLst>
@@ -16904,6 +15337,15 @@
               </a:rPr>
               <a:t>: </a:t>
             </a:r>
+            <a:br>
+              <a:rPr lang="ru-RU" dirty="0">
+                <a:solidFill>
+                  <a:srgbClr val="000000"/>
+                </a:solidFill>
+                <a:ea typeface="DejaVu Sans" pitchFamily="2"/>
+                <a:cs typeface="DejaVu Sans" pitchFamily="2"/>
+              </a:rPr>
+            </a:br>
             <a:r>
               <a:rPr lang="en-US" dirty="0">
                 <a:solidFill>
@@ -16998,7 +15440,7 @@
 </p:sld>
 </file>
 
-<file path=ppt/slides/slide23.xml><?xml version="1.0" encoding="utf-8"?>
+<file path=ppt/slides/slide21.xml><?xml version="1.0" encoding="utf-8"?>
 <p:sld xmlns:a="http://schemas.openxmlformats.org/drawingml/2006/main" xmlns:r="http://schemas.openxmlformats.org/officeDocument/2006/relationships" xmlns:p="http://schemas.openxmlformats.org/presentationml/2006/main">
   <p:cSld>
     <p:spTree>
@@ -17248,7 +15690,7 @@
         </p:nvSpPr>
         <p:spPr>
           <a:xfrm>
-            <a:off x="1063751" y="1789801"/>
+            <a:off x="1063751" y="1670055"/>
             <a:ext cx="4905198" cy="1120873"/>
           </a:xfrm>
         </p:spPr>
@@ -17266,14 +15708,14 @@
               <a:buNone/>
             </a:pPr>
             <a:r>
-              <a:rPr lang="ru-RU" sz="2400" b="1" dirty="0" err="1">
+              <a:rPr lang="en-US" sz="2400" b="1" dirty="0">
                 <a:solidFill>
                   <a:schemeClr val="accent1"/>
                 </a:solidFill>
                 <a:ea typeface="DejaVu Sans" pitchFamily="2"/>
                 <a:cs typeface="DejaVu Sans" pitchFamily="2"/>
               </a:rPr>
-              <a:t>Инмон</a:t>
+              <a:t>3NF &amp; </a:t>
             </a:r>
             <a:r>
               <a:rPr lang="ru-RU" sz="2400" b="1" dirty="0">
@@ -17283,48 +15725,15 @@
                 <a:ea typeface="DejaVu Sans" pitchFamily="2"/>
                 <a:cs typeface="DejaVu Sans" pitchFamily="2"/>
               </a:rPr>
-              <a:t>, </a:t>
-            </a:r>
-            <a:r>
-              <a:rPr lang="ru-RU" sz="2400" b="1" dirty="0" err="1">
-                <a:solidFill>
-                  <a:schemeClr val="accent1"/>
-                </a:solidFill>
-                <a:ea typeface="DejaVu Sans" pitchFamily="2"/>
-                <a:cs typeface="DejaVu Sans" pitchFamily="2"/>
-              </a:rPr>
-              <a:t>Кимбалл</a:t>
-            </a:r>
-            <a:r>
-              <a:rPr lang="en-US" sz="2400" b="1" dirty="0">
-                <a:solidFill>
-                  <a:schemeClr val="accent1"/>
-                </a:solidFill>
-                <a:ea typeface="DejaVu Sans" pitchFamily="2"/>
-                <a:cs typeface="DejaVu Sans" pitchFamily="2"/>
-              </a:rPr>
-              <a:t> (3NF, </a:t>
-            </a:r>
-            <a:r>
-              <a:rPr lang="ru-RU" sz="2400" b="1" dirty="0">
-                <a:solidFill>
-                  <a:schemeClr val="accent1"/>
-                </a:solidFill>
-                <a:ea typeface="DejaVu Sans" pitchFamily="2"/>
-                <a:cs typeface="DejaVu Sans" pitchFamily="2"/>
-              </a:rPr>
               <a:t>Звезда</a:t>
             </a:r>
-            <a:r>
-              <a:rPr lang="en-US" sz="2400" b="1" dirty="0">
-                <a:solidFill>
-                  <a:schemeClr val="accent1"/>
-                </a:solidFill>
-                <a:ea typeface="DejaVu Sans" pitchFamily="2"/>
-                <a:cs typeface="DejaVu Sans" pitchFamily="2"/>
-              </a:rPr>
-              <a:t>)</a:t>
-            </a:r>
+            <a:endParaRPr lang="en-US" sz="2400" b="1" dirty="0">
+              <a:solidFill>
+                <a:schemeClr val="accent1"/>
+              </a:solidFill>
+              <a:ea typeface="DejaVu Sans" pitchFamily="2"/>
+              <a:cs typeface="DejaVu Sans" pitchFamily="2"/>
+            </a:endParaRPr>
           </a:p>
         </p:txBody>
       </p:sp>
@@ -17344,7 +15753,7 @@
         </p:nvSpPr>
         <p:spPr>
           <a:xfrm>
-            <a:off x="6229146" y="1789802"/>
+            <a:off x="6229146" y="1680942"/>
             <a:ext cx="4905198" cy="1120873"/>
           </a:xfrm>
           <a:prstGeom prst="rect">
@@ -17644,8 +16053,8 @@
         </p:nvSpPr>
         <p:spPr>
           <a:xfrm>
-            <a:off x="6229146" y="2350239"/>
-            <a:ext cx="5679319" cy="4281832"/>
+            <a:off x="5975045" y="2056323"/>
+            <a:ext cx="6216955" cy="4380612"/>
           </a:xfrm>
           <a:prstGeom prst="rect">
             <a:avLst/>
@@ -18024,7 +16433,7 @@
             </a:pPr>
             <a:r>
               <a:rPr lang="ru-RU" sz="1700" dirty="0"/>
-              <a:t>Сложность использования в классическом ХД – для построения витрины данных требуется большое количество </a:t>
+              <a:t>Сложность использования при построении широких витрин – требуется большое количество </a:t>
             </a:r>
             <a:r>
               <a:rPr lang="ru-RU" sz="1700" dirty="0" err="1"/>
@@ -18049,7 +16458,7 @@
             </a:r>
             <a:r>
               <a:rPr lang="en-US" sz="1700" dirty="0"/>
-              <a:t>Hive)</a:t>
+              <a:t>Hive - expect performance issues if total number of objects exceeds 500,000)</a:t>
             </a:r>
             <a:endParaRPr lang="ru-RU" sz="1700" dirty="0"/>
           </a:p>
@@ -18573,6 +16982,1264 @@
           <p:cNvPr id="2" name="Title 1">
             <a:extLst>
               <a:ext uri="{FF2B5EF4-FFF2-40B4-BE49-F238E27FC236}">
+                <a16:creationId xmlns:a16="http://schemas.microsoft.com/office/drawing/2014/main" id="{0023CC39-2ED9-49E4-AC5E-72DA17FE620B}"/>
+              </a:ext>
+            </a:extLst>
+          </p:cNvPr>
+          <p:cNvSpPr>
+            <a:spLocks noGrp="1"/>
+          </p:cNvSpPr>
+          <p:nvPr>
+            <p:ph type="title"/>
+          </p:nvPr>
+        </p:nvSpPr>
+        <p:spPr/>
+        <p:txBody>
+          <a:bodyPr/>
+          <a:lstStyle/>
+          <a:p>
+            <a:r>
+              <a:rPr lang="ru-RU" dirty="0"/>
+              <a:t>Слои </a:t>
+            </a:r>
+            <a:r>
+              <a:rPr lang="en-US" dirty="0"/>
+              <a:t>DWH / DL</a:t>
+            </a:r>
+            <a:endParaRPr lang="ru-RU" dirty="0"/>
+          </a:p>
+        </p:txBody>
+      </p:sp>
+      <p:grpSp>
+        <p:nvGrpSpPr>
+          <p:cNvPr id="4" name="Group 3">
+            <a:extLst>
+              <a:ext uri="{FF2B5EF4-FFF2-40B4-BE49-F238E27FC236}">
+                <a16:creationId xmlns:a16="http://schemas.microsoft.com/office/drawing/2014/main" id="{F7C9271D-C0BD-44EC-99C2-E77888A1B362}"/>
+              </a:ext>
+            </a:extLst>
+          </p:cNvPr>
+          <p:cNvGrpSpPr/>
+          <p:nvPr/>
+        </p:nvGrpSpPr>
+        <p:grpSpPr>
+          <a:xfrm>
+            <a:off x="7646641" y="3736318"/>
+            <a:ext cx="112222" cy="524126"/>
+            <a:chOff x="1366060" y="2781513"/>
+            <a:chExt cx="112222" cy="524126"/>
+          </a:xfrm>
+        </p:grpSpPr>
+        <p:sp>
+          <p:nvSpPr>
+            <p:cNvPr id="5" name="Oval 4">
+              <a:extLst>
+                <a:ext uri="{FF2B5EF4-FFF2-40B4-BE49-F238E27FC236}">
+                  <a16:creationId xmlns:a16="http://schemas.microsoft.com/office/drawing/2014/main" id="{E814E3D4-4DE6-46DB-A27C-A33CAE0A1D70}"/>
+                </a:ext>
+              </a:extLst>
+            </p:cNvPr>
+            <p:cNvSpPr/>
+            <p:nvPr/>
+          </p:nvSpPr>
+          <p:spPr>
+            <a:xfrm>
+              <a:off x="1366060" y="2781513"/>
+              <a:ext cx="112222" cy="112222"/>
+            </a:xfrm>
+            <a:prstGeom prst="ellipse">
+              <a:avLst/>
+            </a:prstGeom>
+          </p:spPr>
+          <p:style>
+            <a:lnRef idx="2">
+              <a:schemeClr val="accent1">
+                <a:shade val="50000"/>
+              </a:schemeClr>
+            </a:lnRef>
+            <a:fillRef idx="1">
+              <a:schemeClr val="accent1"/>
+            </a:fillRef>
+            <a:effectRef idx="0">
+              <a:schemeClr val="accent1"/>
+            </a:effectRef>
+            <a:fontRef idx="minor">
+              <a:schemeClr val="lt1"/>
+            </a:fontRef>
+          </p:style>
+          <p:txBody>
+            <a:bodyPr rtlCol="0" anchor="ctr"/>
+            <a:lstStyle/>
+            <a:p>
+              <a:pPr algn="ctr"/>
+              <a:endParaRPr lang="ru-RU"/>
+            </a:p>
+          </p:txBody>
+        </p:sp>
+        <p:sp>
+          <p:nvSpPr>
+            <p:cNvPr id="6" name="Oval 5">
+              <a:extLst>
+                <a:ext uri="{FF2B5EF4-FFF2-40B4-BE49-F238E27FC236}">
+                  <a16:creationId xmlns:a16="http://schemas.microsoft.com/office/drawing/2014/main" id="{D00A0898-C538-429F-B224-FA320E278410}"/>
+                </a:ext>
+              </a:extLst>
+            </p:cNvPr>
+            <p:cNvSpPr/>
+            <p:nvPr/>
+          </p:nvSpPr>
+          <p:spPr>
+            <a:xfrm>
+              <a:off x="1366060" y="2987465"/>
+              <a:ext cx="112222" cy="112222"/>
+            </a:xfrm>
+            <a:prstGeom prst="ellipse">
+              <a:avLst/>
+            </a:prstGeom>
+          </p:spPr>
+          <p:style>
+            <a:lnRef idx="2">
+              <a:schemeClr val="accent1">
+                <a:shade val="50000"/>
+              </a:schemeClr>
+            </a:lnRef>
+            <a:fillRef idx="1">
+              <a:schemeClr val="accent1"/>
+            </a:fillRef>
+            <a:effectRef idx="0">
+              <a:schemeClr val="accent1"/>
+            </a:effectRef>
+            <a:fontRef idx="minor">
+              <a:schemeClr val="lt1"/>
+            </a:fontRef>
+          </p:style>
+          <p:txBody>
+            <a:bodyPr rtlCol="0" anchor="ctr"/>
+            <a:lstStyle/>
+            <a:p>
+              <a:pPr algn="ctr"/>
+              <a:endParaRPr lang="ru-RU"/>
+            </a:p>
+          </p:txBody>
+        </p:sp>
+        <p:sp>
+          <p:nvSpPr>
+            <p:cNvPr id="7" name="Oval 6">
+              <a:extLst>
+                <a:ext uri="{FF2B5EF4-FFF2-40B4-BE49-F238E27FC236}">
+                  <a16:creationId xmlns:a16="http://schemas.microsoft.com/office/drawing/2014/main" id="{C5F264F8-B3EF-4996-9D32-98F9078EEA8D}"/>
+                </a:ext>
+              </a:extLst>
+            </p:cNvPr>
+            <p:cNvSpPr/>
+            <p:nvPr/>
+          </p:nvSpPr>
+          <p:spPr>
+            <a:xfrm>
+              <a:off x="1366060" y="3193417"/>
+              <a:ext cx="112222" cy="112222"/>
+            </a:xfrm>
+            <a:prstGeom prst="ellipse">
+              <a:avLst/>
+            </a:prstGeom>
+          </p:spPr>
+          <p:style>
+            <a:lnRef idx="2">
+              <a:schemeClr val="accent1">
+                <a:shade val="50000"/>
+              </a:schemeClr>
+            </a:lnRef>
+            <a:fillRef idx="1">
+              <a:schemeClr val="accent1"/>
+            </a:fillRef>
+            <a:effectRef idx="0">
+              <a:schemeClr val="accent1"/>
+            </a:effectRef>
+            <a:fontRef idx="minor">
+              <a:schemeClr val="lt1"/>
+            </a:fontRef>
+          </p:style>
+          <p:txBody>
+            <a:bodyPr rtlCol="0" anchor="ctr"/>
+            <a:lstStyle/>
+            <a:p>
+              <a:pPr algn="ctr"/>
+              <a:endParaRPr lang="ru-RU"/>
+            </a:p>
+          </p:txBody>
+        </p:sp>
+      </p:grpSp>
+      <p:sp>
+        <p:nvSpPr>
+          <p:cNvPr id="8" name="Rectangle: Rounded Corners 7">
+            <a:extLst>
+              <a:ext uri="{FF2B5EF4-FFF2-40B4-BE49-F238E27FC236}">
+                <a16:creationId xmlns:a16="http://schemas.microsoft.com/office/drawing/2014/main" id="{2A52C32A-D434-421C-ABFC-E65E6C8A2C00}"/>
+              </a:ext>
+            </a:extLst>
+          </p:cNvPr>
+          <p:cNvSpPr/>
+          <p:nvPr/>
+        </p:nvSpPr>
+        <p:spPr>
+          <a:xfrm>
+            <a:off x="1308271" y="2365520"/>
+            <a:ext cx="1799671" cy="1015551"/>
+          </a:xfrm>
+          <a:prstGeom prst="roundRect">
+            <a:avLst/>
+          </a:prstGeom>
+        </p:spPr>
+        <p:style>
+          <a:lnRef idx="2">
+            <a:schemeClr val="accent1">
+              <a:shade val="50000"/>
+            </a:schemeClr>
+          </a:lnRef>
+          <a:fillRef idx="1">
+            <a:schemeClr val="accent1"/>
+          </a:fillRef>
+          <a:effectRef idx="0">
+            <a:schemeClr val="accent1"/>
+          </a:effectRef>
+          <a:fontRef idx="minor">
+            <a:schemeClr val="lt1"/>
+          </a:fontRef>
+        </p:style>
+        <p:txBody>
+          <a:bodyPr rtlCol="0" anchor="ctr"/>
+          <a:lstStyle/>
+          <a:p>
+            <a:pPr algn="ctr"/>
+            <a:r>
+              <a:rPr lang="en-US" dirty="0"/>
+              <a:t>STG</a:t>
+            </a:r>
+            <a:endParaRPr lang="ru-RU" dirty="0"/>
+          </a:p>
+        </p:txBody>
+      </p:sp>
+      <p:sp>
+        <p:nvSpPr>
+          <p:cNvPr id="10" name="Rectangle: Rounded Corners 9">
+            <a:extLst>
+              <a:ext uri="{FF2B5EF4-FFF2-40B4-BE49-F238E27FC236}">
+                <a16:creationId xmlns:a16="http://schemas.microsoft.com/office/drawing/2014/main" id="{373CE173-507D-4A33-96AE-1B0669CEDDC2}"/>
+              </a:ext>
+            </a:extLst>
+          </p:cNvPr>
+          <p:cNvSpPr/>
+          <p:nvPr/>
+        </p:nvSpPr>
+        <p:spPr>
+          <a:xfrm>
+            <a:off x="6746806" y="2359624"/>
+            <a:ext cx="1799671" cy="1015551"/>
+          </a:xfrm>
+          <a:prstGeom prst="roundRect">
+            <a:avLst/>
+          </a:prstGeom>
+        </p:spPr>
+        <p:style>
+          <a:lnRef idx="2">
+            <a:schemeClr val="accent1">
+              <a:shade val="50000"/>
+            </a:schemeClr>
+          </a:lnRef>
+          <a:fillRef idx="1">
+            <a:schemeClr val="accent1"/>
+          </a:fillRef>
+          <a:effectRef idx="0">
+            <a:schemeClr val="accent1"/>
+          </a:effectRef>
+          <a:fontRef idx="minor">
+            <a:schemeClr val="lt1"/>
+          </a:fontRef>
+        </p:style>
+        <p:txBody>
+          <a:bodyPr rtlCol="0" anchor="ctr"/>
+          <a:lstStyle/>
+          <a:p>
+            <a:pPr algn="ctr"/>
+            <a:r>
+              <a:rPr lang="en-US" dirty="0"/>
+              <a:t>CDM</a:t>
+            </a:r>
+            <a:endParaRPr lang="ru-RU" dirty="0"/>
+          </a:p>
+        </p:txBody>
+      </p:sp>
+      <p:sp>
+        <p:nvSpPr>
+          <p:cNvPr id="11" name="Rectangle: Rounded Corners 10">
+            <a:extLst>
+              <a:ext uri="{FF2B5EF4-FFF2-40B4-BE49-F238E27FC236}">
+                <a16:creationId xmlns:a16="http://schemas.microsoft.com/office/drawing/2014/main" id="{3573EE3A-01FD-4FF5-BC13-E76F45E19AD4}"/>
+              </a:ext>
+            </a:extLst>
+          </p:cNvPr>
+          <p:cNvSpPr/>
+          <p:nvPr/>
+        </p:nvSpPr>
+        <p:spPr>
+          <a:xfrm>
+            <a:off x="9505609" y="2394149"/>
+            <a:ext cx="1799671" cy="1015551"/>
+          </a:xfrm>
+          <a:prstGeom prst="roundRect">
+            <a:avLst/>
+          </a:prstGeom>
+        </p:spPr>
+        <p:style>
+          <a:lnRef idx="2">
+            <a:schemeClr val="accent1">
+              <a:shade val="50000"/>
+            </a:schemeClr>
+          </a:lnRef>
+          <a:fillRef idx="1">
+            <a:schemeClr val="accent1"/>
+          </a:fillRef>
+          <a:effectRef idx="0">
+            <a:schemeClr val="accent1"/>
+          </a:effectRef>
+          <a:fontRef idx="minor">
+            <a:schemeClr val="lt1"/>
+          </a:fontRef>
+        </p:style>
+        <p:txBody>
+          <a:bodyPr rtlCol="0" anchor="ctr"/>
+          <a:lstStyle/>
+          <a:p>
+            <a:pPr algn="ctr"/>
+            <a:r>
+              <a:rPr lang="en-US" dirty="0"/>
+              <a:t>REP</a:t>
+            </a:r>
+            <a:endParaRPr lang="ru-RU" dirty="0"/>
+          </a:p>
+        </p:txBody>
+      </p:sp>
+      <p:sp>
+        <p:nvSpPr>
+          <p:cNvPr id="13" name="Arrow: Right 12">
+            <a:extLst>
+              <a:ext uri="{FF2B5EF4-FFF2-40B4-BE49-F238E27FC236}">
+                <a16:creationId xmlns:a16="http://schemas.microsoft.com/office/drawing/2014/main" id="{21EED7F8-D85F-41CD-8AC4-7AF7292FAEC9}"/>
+              </a:ext>
+            </a:extLst>
+          </p:cNvPr>
+          <p:cNvSpPr/>
+          <p:nvPr/>
+        </p:nvSpPr>
+        <p:spPr>
+          <a:xfrm>
+            <a:off x="5958375" y="2684365"/>
+            <a:ext cx="526100" cy="323423"/>
+          </a:xfrm>
+          <a:prstGeom prst="rightArrow">
+            <a:avLst/>
+          </a:prstGeom>
+        </p:spPr>
+        <p:style>
+          <a:lnRef idx="2">
+            <a:schemeClr val="accent1">
+              <a:shade val="50000"/>
+            </a:schemeClr>
+          </a:lnRef>
+          <a:fillRef idx="1">
+            <a:schemeClr val="accent1"/>
+          </a:fillRef>
+          <a:effectRef idx="0">
+            <a:schemeClr val="accent1"/>
+          </a:effectRef>
+          <a:fontRef idx="minor">
+            <a:schemeClr val="lt1"/>
+          </a:fontRef>
+        </p:style>
+        <p:txBody>
+          <a:bodyPr rtlCol="0" anchor="ctr"/>
+          <a:lstStyle/>
+          <a:p>
+            <a:pPr algn="ctr"/>
+            <a:endParaRPr lang="ru-RU"/>
+          </a:p>
+        </p:txBody>
+      </p:sp>
+      <p:sp>
+        <p:nvSpPr>
+          <p:cNvPr id="14" name="Arrow: Right 13">
+            <a:extLst>
+              <a:ext uri="{FF2B5EF4-FFF2-40B4-BE49-F238E27FC236}">
+                <a16:creationId xmlns:a16="http://schemas.microsoft.com/office/drawing/2014/main" id="{BB999FC6-58B7-4779-9A17-EABE6B3564D7}"/>
+              </a:ext>
+            </a:extLst>
+          </p:cNvPr>
+          <p:cNvSpPr/>
+          <p:nvPr/>
+        </p:nvSpPr>
+        <p:spPr>
+          <a:xfrm>
+            <a:off x="8808808" y="2740214"/>
+            <a:ext cx="526100" cy="323423"/>
+          </a:xfrm>
+          <a:prstGeom prst="rightArrow">
+            <a:avLst/>
+          </a:prstGeom>
+        </p:spPr>
+        <p:style>
+          <a:lnRef idx="2">
+            <a:schemeClr val="accent1">
+              <a:shade val="50000"/>
+            </a:schemeClr>
+          </a:lnRef>
+          <a:fillRef idx="1">
+            <a:schemeClr val="accent1"/>
+          </a:fillRef>
+          <a:effectRef idx="0">
+            <a:schemeClr val="accent1"/>
+          </a:effectRef>
+          <a:fontRef idx="minor">
+            <a:schemeClr val="lt1"/>
+          </a:fontRef>
+        </p:style>
+        <p:txBody>
+          <a:bodyPr rtlCol="0" anchor="ctr"/>
+          <a:lstStyle/>
+          <a:p>
+            <a:pPr algn="ctr"/>
+            <a:endParaRPr lang="ru-RU"/>
+          </a:p>
+        </p:txBody>
+      </p:sp>
+      <p:sp>
+        <p:nvSpPr>
+          <p:cNvPr id="15" name="Rectangle: Rounded Corners 14">
+            <a:extLst>
+              <a:ext uri="{FF2B5EF4-FFF2-40B4-BE49-F238E27FC236}">
+                <a16:creationId xmlns:a16="http://schemas.microsoft.com/office/drawing/2014/main" id="{B2426BDF-54B1-4B0C-9EE1-3C1A3DFB2355}"/>
+              </a:ext>
+            </a:extLst>
+          </p:cNvPr>
+          <p:cNvSpPr/>
+          <p:nvPr/>
+        </p:nvSpPr>
+        <p:spPr>
+          <a:xfrm>
+            <a:off x="4054819" y="2322879"/>
+            <a:ext cx="1799671" cy="1015551"/>
+          </a:xfrm>
+          <a:prstGeom prst="roundRect">
+            <a:avLst/>
+          </a:prstGeom>
+        </p:spPr>
+        <p:style>
+          <a:lnRef idx="2">
+            <a:schemeClr val="accent1">
+              <a:shade val="50000"/>
+            </a:schemeClr>
+          </a:lnRef>
+          <a:fillRef idx="1">
+            <a:schemeClr val="accent1"/>
+          </a:fillRef>
+          <a:effectRef idx="0">
+            <a:schemeClr val="accent1"/>
+          </a:effectRef>
+          <a:fontRef idx="minor">
+            <a:schemeClr val="lt1"/>
+          </a:fontRef>
+        </p:style>
+        <p:txBody>
+          <a:bodyPr rtlCol="0" anchor="ctr"/>
+          <a:lstStyle/>
+          <a:p>
+            <a:pPr algn="ctr"/>
+            <a:r>
+              <a:rPr lang="en-US" dirty="0"/>
+              <a:t>DDS</a:t>
+            </a:r>
+            <a:endParaRPr lang="ru-RU" dirty="0"/>
+          </a:p>
+        </p:txBody>
+      </p:sp>
+      <p:sp>
+        <p:nvSpPr>
+          <p:cNvPr id="17" name="Rectangle: Rounded Corners 16">
+            <a:extLst>
+              <a:ext uri="{FF2B5EF4-FFF2-40B4-BE49-F238E27FC236}">
+                <a16:creationId xmlns:a16="http://schemas.microsoft.com/office/drawing/2014/main" id="{BEF9BECE-E936-4C62-A3B1-6444CC89970D}"/>
+              </a:ext>
+            </a:extLst>
+          </p:cNvPr>
+          <p:cNvSpPr/>
+          <p:nvPr/>
+        </p:nvSpPr>
+        <p:spPr>
+          <a:xfrm>
+            <a:off x="6575118" y="4582885"/>
+            <a:ext cx="2367489" cy="718458"/>
+          </a:xfrm>
+          <a:prstGeom prst="roundRect">
+            <a:avLst/>
+          </a:prstGeom>
+        </p:spPr>
+        <p:style>
+          <a:lnRef idx="2">
+            <a:schemeClr val="accent1"/>
+          </a:lnRef>
+          <a:fillRef idx="1">
+            <a:schemeClr val="lt1"/>
+          </a:fillRef>
+          <a:effectRef idx="0">
+            <a:schemeClr val="accent1"/>
+          </a:effectRef>
+          <a:fontRef idx="minor">
+            <a:schemeClr val="dk1"/>
+          </a:fontRef>
+        </p:style>
+        <p:txBody>
+          <a:bodyPr rtlCol="0" anchor="ctr"/>
+          <a:lstStyle/>
+          <a:p>
+            <a:pPr algn="ctr"/>
+            <a:r>
+              <a:rPr lang="ru-RU" dirty="0" err="1"/>
+              <a:t>Денормализация</a:t>
+            </a:r>
+            <a:endParaRPr lang="ru-RU" dirty="0"/>
+          </a:p>
+        </p:txBody>
+      </p:sp>
+      <p:sp>
+        <p:nvSpPr>
+          <p:cNvPr id="18" name="Arrow: Right 17">
+            <a:extLst>
+              <a:ext uri="{FF2B5EF4-FFF2-40B4-BE49-F238E27FC236}">
+                <a16:creationId xmlns:a16="http://schemas.microsoft.com/office/drawing/2014/main" id="{CC3D8D33-AF62-4FE1-AFDD-6BB8698D5F56}"/>
+              </a:ext>
+            </a:extLst>
+          </p:cNvPr>
+          <p:cNvSpPr/>
+          <p:nvPr/>
+        </p:nvSpPr>
+        <p:spPr>
+          <a:xfrm>
+            <a:off x="3367576" y="2684365"/>
+            <a:ext cx="526100" cy="323423"/>
+          </a:xfrm>
+          <a:prstGeom prst="rightArrow">
+            <a:avLst/>
+          </a:prstGeom>
+        </p:spPr>
+        <p:style>
+          <a:lnRef idx="2">
+            <a:schemeClr val="accent1">
+              <a:shade val="50000"/>
+            </a:schemeClr>
+          </a:lnRef>
+          <a:fillRef idx="1">
+            <a:schemeClr val="accent1"/>
+          </a:fillRef>
+          <a:effectRef idx="0">
+            <a:schemeClr val="accent1"/>
+          </a:effectRef>
+          <a:fontRef idx="minor">
+            <a:schemeClr val="lt1"/>
+          </a:fontRef>
+        </p:style>
+        <p:txBody>
+          <a:bodyPr rtlCol="0" anchor="ctr"/>
+          <a:lstStyle/>
+          <a:p>
+            <a:pPr algn="ctr"/>
+            <a:endParaRPr lang="ru-RU"/>
+          </a:p>
+        </p:txBody>
+      </p:sp>
+      <p:grpSp>
+        <p:nvGrpSpPr>
+          <p:cNvPr id="19" name="Group 18">
+            <a:extLst>
+              <a:ext uri="{FF2B5EF4-FFF2-40B4-BE49-F238E27FC236}">
+                <a16:creationId xmlns:a16="http://schemas.microsoft.com/office/drawing/2014/main" id="{145E6D53-7DE3-48BA-9205-542D18C5F9AB}"/>
+              </a:ext>
+            </a:extLst>
+          </p:cNvPr>
+          <p:cNvGrpSpPr/>
+          <p:nvPr/>
+        </p:nvGrpSpPr>
+        <p:grpSpPr>
+          <a:xfrm>
+            <a:off x="4870788" y="3758091"/>
+            <a:ext cx="112222" cy="524126"/>
+            <a:chOff x="1366060" y="2781513"/>
+            <a:chExt cx="112222" cy="524126"/>
+          </a:xfrm>
+        </p:grpSpPr>
+        <p:sp>
+          <p:nvSpPr>
+            <p:cNvPr id="20" name="Oval 19">
+              <a:extLst>
+                <a:ext uri="{FF2B5EF4-FFF2-40B4-BE49-F238E27FC236}">
+                  <a16:creationId xmlns:a16="http://schemas.microsoft.com/office/drawing/2014/main" id="{E498AC4A-C3B6-484E-A1D0-013D166D6447}"/>
+                </a:ext>
+              </a:extLst>
+            </p:cNvPr>
+            <p:cNvSpPr/>
+            <p:nvPr/>
+          </p:nvSpPr>
+          <p:spPr>
+            <a:xfrm>
+              <a:off x="1366060" y="2781513"/>
+              <a:ext cx="112222" cy="112222"/>
+            </a:xfrm>
+            <a:prstGeom prst="ellipse">
+              <a:avLst/>
+            </a:prstGeom>
+          </p:spPr>
+          <p:style>
+            <a:lnRef idx="2">
+              <a:schemeClr val="accent1">
+                <a:shade val="50000"/>
+              </a:schemeClr>
+            </a:lnRef>
+            <a:fillRef idx="1">
+              <a:schemeClr val="accent1"/>
+            </a:fillRef>
+            <a:effectRef idx="0">
+              <a:schemeClr val="accent1"/>
+            </a:effectRef>
+            <a:fontRef idx="minor">
+              <a:schemeClr val="lt1"/>
+            </a:fontRef>
+          </p:style>
+          <p:txBody>
+            <a:bodyPr rtlCol="0" anchor="ctr"/>
+            <a:lstStyle/>
+            <a:p>
+              <a:pPr algn="ctr"/>
+              <a:endParaRPr lang="ru-RU"/>
+            </a:p>
+          </p:txBody>
+        </p:sp>
+        <p:sp>
+          <p:nvSpPr>
+            <p:cNvPr id="21" name="Oval 20">
+              <a:extLst>
+                <a:ext uri="{FF2B5EF4-FFF2-40B4-BE49-F238E27FC236}">
+                  <a16:creationId xmlns:a16="http://schemas.microsoft.com/office/drawing/2014/main" id="{C1878C95-DE19-4EAE-B386-BF5419B8967D}"/>
+                </a:ext>
+              </a:extLst>
+            </p:cNvPr>
+            <p:cNvSpPr/>
+            <p:nvPr/>
+          </p:nvSpPr>
+          <p:spPr>
+            <a:xfrm>
+              <a:off x="1366060" y="2987465"/>
+              <a:ext cx="112222" cy="112222"/>
+            </a:xfrm>
+            <a:prstGeom prst="ellipse">
+              <a:avLst/>
+            </a:prstGeom>
+          </p:spPr>
+          <p:style>
+            <a:lnRef idx="2">
+              <a:schemeClr val="accent1">
+                <a:shade val="50000"/>
+              </a:schemeClr>
+            </a:lnRef>
+            <a:fillRef idx="1">
+              <a:schemeClr val="accent1"/>
+            </a:fillRef>
+            <a:effectRef idx="0">
+              <a:schemeClr val="accent1"/>
+            </a:effectRef>
+            <a:fontRef idx="minor">
+              <a:schemeClr val="lt1"/>
+            </a:fontRef>
+          </p:style>
+          <p:txBody>
+            <a:bodyPr rtlCol="0" anchor="ctr"/>
+            <a:lstStyle/>
+            <a:p>
+              <a:pPr algn="ctr"/>
+              <a:endParaRPr lang="ru-RU"/>
+            </a:p>
+          </p:txBody>
+        </p:sp>
+        <p:sp>
+          <p:nvSpPr>
+            <p:cNvPr id="22" name="Oval 21">
+              <a:extLst>
+                <a:ext uri="{FF2B5EF4-FFF2-40B4-BE49-F238E27FC236}">
+                  <a16:creationId xmlns:a16="http://schemas.microsoft.com/office/drawing/2014/main" id="{AA011F28-10C0-49AC-834A-8E81921F3486}"/>
+                </a:ext>
+              </a:extLst>
+            </p:cNvPr>
+            <p:cNvSpPr/>
+            <p:nvPr/>
+          </p:nvSpPr>
+          <p:spPr>
+            <a:xfrm>
+              <a:off x="1366060" y="3193417"/>
+              <a:ext cx="112222" cy="112222"/>
+            </a:xfrm>
+            <a:prstGeom prst="ellipse">
+              <a:avLst/>
+            </a:prstGeom>
+          </p:spPr>
+          <p:style>
+            <a:lnRef idx="2">
+              <a:schemeClr val="accent1">
+                <a:shade val="50000"/>
+              </a:schemeClr>
+            </a:lnRef>
+            <a:fillRef idx="1">
+              <a:schemeClr val="accent1"/>
+            </a:fillRef>
+            <a:effectRef idx="0">
+              <a:schemeClr val="accent1"/>
+            </a:effectRef>
+            <a:fontRef idx="minor">
+              <a:schemeClr val="lt1"/>
+            </a:fontRef>
+          </p:style>
+          <p:txBody>
+            <a:bodyPr rtlCol="0" anchor="ctr"/>
+            <a:lstStyle/>
+            <a:p>
+              <a:pPr algn="ctr"/>
+              <a:endParaRPr lang="ru-RU"/>
+            </a:p>
+          </p:txBody>
+        </p:sp>
+      </p:grpSp>
+      <p:sp>
+        <p:nvSpPr>
+          <p:cNvPr id="23" name="Rectangle: Rounded Corners 22">
+            <a:extLst>
+              <a:ext uri="{FF2B5EF4-FFF2-40B4-BE49-F238E27FC236}">
+                <a16:creationId xmlns:a16="http://schemas.microsoft.com/office/drawing/2014/main" id="{2DEA144E-ABF8-41A4-92B6-A8BAD4FE141A}"/>
+              </a:ext>
+            </a:extLst>
+          </p:cNvPr>
+          <p:cNvSpPr/>
+          <p:nvPr/>
+        </p:nvSpPr>
+        <p:spPr>
+          <a:xfrm>
+            <a:off x="3799265" y="4582886"/>
+            <a:ext cx="2367489" cy="718458"/>
+          </a:xfrm>
+          <a:prstGeom prst="roundRect">
+            <a:avLst/>
+          </a:prstGeom>
+        </p:spPr>
+        <p:style>
+          <a:lnRef idx="2">
+            <a:schemeClr val="accent3">
+              <a:shade val="50000"/>
+            </a:schemeClr>
+          </a:lnRef>
+          <a:fillRef idx="1">
+            <a:schemeClr val="accent3"/>
+          </a:fillRef>
+          <a:effectRef idx="0">
+            <a:schemeClr val="accent3"/>
+          </a:effectRef>
+          <a:fontRef idx="minor">
+            <a:schemeClr val="lt1"/>
+          </a:fontRef>
+        </p:style>
+        <p:txBody>
+          <a:bodyPr rtlCol="0" anchor="ctr"/>
+          <a:lstStyle/>
+          <a:p>
+            <a:pPr algn="ctr"/>
+            <a:r>
+              <a:rPr lang="en-US" dirty="0">
+                <a:solidFill>
+                  <a:sysClr val="windowText" lastClr="000000"/>
+                </a:solidFill>
+              </a:rPr>
+              <a:t>&lt;</a:t>
+            </a:r>
+            <a:r>
+              <a:rPr lang="ru-RU" dirty="0">
+                <a:solidFill>
+                  <a:sysClr val="windowText" lastClr="000000"/>
+                </a:solidFill>
+              </a:rPr>
+              <a:t>Модель данных</a:t>
+            </a:r>
+            <a:r>
+              <a:rPr lang="en-US" dirty="0">
+                <a:solidFill>
+                  <a:sysClr val="windowText" lastClr="000000"/>
+                </a:solidFill>
+              </a:rPr>
+              <a:t>&gt;</a:t>
+            </a:r>
+            <a:endParaRPr lang="ru-RU" dirty="0">
+              <a:solidFill>
+                <a:sysClr val="windowText" lastClr="000000"/>
+              </a:solidFill>
+            </a:endParaRPr>
+          </a:p>
+        </p:txBody>
+      </p:sp>
+      <p:grpSp>
+        <p:nvGrpSpPr>
+          <p:cNvPr id="24" name="Group 23">
+            <a:extLst>
+              <a:ext uri="{FF2B5EF4-FFF2-40B4-BE49-F238E27FC236}">
+                <a16:creationId xmlns:a16="http://schemas.microsoft.com/office/drawing/2014/main" id="{B427E324-A298-4B91-9C0F-977C620780C1}"/>
+              </a:ext>
+            </a:extLst>
+          </p:cNvPr>
+          <p:cNvGrpSpPr/>
+          <p:nvPr/>
+        </p:nvGrpSpPr>
+        <p:grpSpPr>
+          <a:xfrm>
+            <a:off x="2105821" y="3725433"/>
+            <a:ext cx="112222" cy="524126"/>
+            <a:chOff x="1366060" y="2781513"/>
+            <a:chExt cx="112222" cy="524126"/>
+          </a:xfrm>
+        </p:grpSpPr>
+        <p:sp>
+          <p:nvSpPr>
+            <p:cNvPr id="25" name="Oval 24">
+              <a:extLst>
+                <a:ext uri="{FF2B5EF4-FFF2-40B4-BE49-F238E27FC236}">
+                  <a16:creationId xmlns:a16="http://schemas.microsoft.com/office/drawing/2014/main" id="{9BA377F2-F325-4658-9A4C-AFFF6F7805D9}"/>
+                </a:ext>
+              </a:extLst>
+            </p:cNvPr>
+            <p:cNvSpPr/>
+            <p:nvPr/>
+          </p:nvSpPr>
+          <p:spPr>
+            <a:xfrm>
+              <a:off x="1366060" y="2781513"/>
+              <a:ext cx="112222" cy="112222"/>
+            </a:xfrm>
+            <a:prstGeom prst="ellipse">
+              <a:avLst/>
+            </a:prstGeom>
+          </p:spPr>
+          <p:style>
+            <a:lnRef idx="2">
+              <a:schemeClr val="accent1">
+                <a:shade val="50000"/>
+              </a:schemeClr>
+            </a:lnRef>
+            <a:fillRef idx="1">
+              <a:schemeClr val="accent1"/>
+            </a:fillRef>
+            <a:effectRef idx="0">
+              <a:schemeClr val="accent1"/>
+            </a:effectRef>
+            <a:fontRef idx="minor">
+              <a:schemeClr val="lt1"/>
+            </a:fontRef>
+          </p:style>
+          <p:txBody>
+            <a:bodyPr rtlCol="0" anchor="ctr"/>
+            <a:lstStyle/>
+            <a:p>
+              <a:pPr algn="ctr"/>
+              <a:endParaRPr lang="ru-RU"/>
+            </a:p>
+          </p:txBody>
+        </p:sp>
+        <p:sp>
+          <p:nvSpPr>
+            <p:cNvPr id="26" name="Oval 25">
+              <a:extLst>
+                <a:ext uri="{FF2B5EF4-FFF2-40B4-BE49-F238E27FC236}">
+                  <a16:creationId xmlns:a16="http://schemas.microsoft.com/office/drawing/2014/main" id="{F43BA513-1F85-4B4D-B361-DC24C4C0911B}"/>
+                </a:ext>
+              </a:extLst>
+            </p:cNvPr>
+            <p:cNvSpPr/>
+            <p:nvPr/>
+          </p:nvSpPr>
+          <p:spPr>
+            <a:xfrm>
+              <a:off x="1366060" y="2987465"/>
+              <a:ext cx="112222" cy="112222"/>
+            </a:xfrm>
+            <a:prstGeom prst="ellipse">
+              <a:avLst/>
+            </a:prstGeom>
+          </p:spPr>
+          <p:style>
+            <a:lnRef idx="2">
+              <a:schemeClr val="accent1">
+                <a:shade val="50000"/>
+              </a:schemeClr>
+            </a:lnRef>
+            <a:fillRef idx="1">
+              <a:schemeClr val="accent1"/>
+            </a:fillRef>
+            <a:effectRef idx="0">
+              <a:schemeClr val="accent1"/>
+            </a:effectRef>
+            <a:fontRef idx="minor">
+              <a:schemeClr val="lt1"/>
+            </a:fontRef>
+          </p:style>
+          <p:txBody>
+            <a:bodyPr rtlCol="0" anchor="ctr"/>
+            <a:lstStyle/>
+            <a:p>
+              <a:pPr algn="ctr"/>
+              <a:endParaRPr lang="ru-RU"/>
+            </a:p>
+          </p:txBody>
+        </p:sp>
+        <p:sp>
+          <p:nvSpPr>
+            <p:cNvPr id="27" name="Oval 26">
+              <a:extLst>
+                <a:ext uri="{FF2B5EF4-FFF2-40B4-BE49-F238E27FC236}">
+                  <a16:creationId xmlns:a16="http://schemas.microsoft.com/office/drawing/2014/main" id="{DC3AC7BD-C0F9-4F32-8292-8F59BC981E3F}"/>
+                </a:ext>
+              </a:extLst>
+            </p:cNvPr>
+            <p:cNvSpPr/>
+            <p:nvPr/>
+          </p:nvSpPr>
+          <p:spPr>
+            <a:xfrm>
+              <a:off x="1366060" y="3193417"/>
+              <a:ext cx="112222" cy="112222"/>
+            </a:xfrm>
+            <a:prstGeom prst="ellipse">
+              <a:avLst/>
+            </a:prstGeom>
+          </p:spPr>
+          <p:style>
+            <a:lnRef idx="2">
+              <a:schemeClr val="accent1">
+                <a:shade val="50000"/>
+              </a:schemeClr>
+            </a:lnRef>
+            <a:fillRef idx="1">
+              <a:schemeClr val="accent1"/>
+            </a:fillRef>
+            <a:effectRef idx="0">
+              <a:schemeClr val="accent1"/>
+            </a:effectRef>
+            <a:fontRef idx="minor">
+              <a:schemeClr val="lt1"/>
+            </a:fontRef>
+          </p:style>
+          <p:txBody>
+            <a:bodyPr rtlCol="0" anchor="ctr"/>
+            <a:lstStyle/>
+            <a:p>
+              <a:pPr algn="ctr"/>
+              <a:endParaRPr lang="ru-RU"/>
+            </a:p>
+          </p:txBody>
+        </p:sp>
+      </p:grpSp>
+      <p:sp>
+        <p:nvSpPr>
+          <p:cNvPr id="28" name="Rectangle: Rounded Corners 27">
+            <a:extLst>
+              <a:ext uri="{FF2B5EF4-FFF2-40B4-BE49-F238E27FC236}">
+                <a16:creationId xmlns:a16="http://schemas.microsoft.com/office/drawing/2014/main" id="{1CF3984F-B222-4EA2-A7C8-34629494541D}"/>
+              </a:ext>
+            </a:extLst>
+          </p:cNvPr>
+          <p:cNvSpPr/>
+          <p:nvPr/>
+        </p:nvSpPr>
+        <p:spPr>
+          <a:xfrm>
+            <a:off x="1034298" y="4572000"/>
+            <a:ext cx="2367489" cy="718458"/>
+          </a:xfrm>
+          <a:prstGeom prst="roundRect">
+            <a:avLst/>
+          </a:prstGeom>
+        </p:spPr>
+        <p:style>
+          <a:lnRef idx="2">
+            <a:schemeClr val="accent1"/>
+          </a:lnRef>
+          <a:fillRef idx="1">
+            <a:schemeClr val="lt1"/>
+          </a:fillRef>
+          <a:effectRef idx="0">
+            <a:schemeClr val="accent1"/>
+          </a:effectRef>
+          <a:fontRef idx="minor">
+            <a:schemeClr val="dk1"/>
+          </a:fontRef>
+        </p:style>
+        <p:txBody>
+          <a:bodyPr rtlCol="0" anchor="ctr"/>
+          <a:lstStyle/>
+          <a:p>
+            <a:pPr algn="ctr"/>
+            <a:r>
+              <a:rPr lang="ru-RU" dirty="0"/>
+              <a:t>Модель источника </a:t>
+            </a:r>
+            <a:r>
+              <a:rPr lang="en-US" dirty="0"/>
+              <a:t>AS-IS</a:t>
+            </a:r>
+            <a:endParaRPr lang="ru-RU" dirty="0"/>
+          </a:p>
+        </p:txBody>
+      </p:sp>
+      <p:grpSp>
+        <p:nvGrpSpPr>
+          <p:cNvPr id="29" name="Group 28">
+            <a:extLst>
+              <a:ext uri="{FF2B5EF4-FFF2-40B4-BE49-F238E27FC236}">
+                <a16:creationId xmlns:a16="http://schemas.microsoft.com/office/drawing/2014/main" id="{4E10D690-3A42-4B41-9DEC-0A068138EFF2}"/>
+              </a:ext>
+            </a:extLst>
+          </p:cNvPr>
+          <p:cNvGrpSpPr/>
+          <p:nvPr/>
+        </p:nvGrpSpPr>
+        <p:grpSpPr>
+          <a:xfrm>
+            <a:off x="10346297" y="3736318"/>
+            <a:ext cx="112222" cy="524126"/>
+            <a:chOff x="1366060" y="2781513"/>
+            <a:chExt cx="112222" cy="524126"/>
+          </a:xfrm>
+        </p:grpSpPr>
+        <p:sp>
+          <p:nvSpPr>
+            <p:cNvPr id="30" name="Oval 29">
+              <a:extLst>
+                <a:ext uri="{FF2B5EF4-FFF2-40B4-BE49-F238E27FC236}">
+                  <a16:creationId xmlns:a16="http://schemas.microsoft.com/office/drawing/2014/main" id="{F9CB345B-0FFF-49C8-BAB5-9983B900ED21}"/>
+                </a:ext>
+              </a:extLst>
+            </p:cNvPr>
+            <p:cNvSpPr/>
+            <p:nvPr/>
+          </p:nvSpPr>
+          <p:spPr>
+            <a:xfrm>
+              <a:off x="1366060" y="2781513"/>
+              <a:ext cx="112222" cy="112222"/>
+            </a:xfrm>
+            <a:prstGeom prst="ellipse">
+              <a:avLst/>
+            </a:prstGeom>
+          </p:spPr>
+          <p:style>
+            <a:lnRef idx="2">
+              <a:schemeClr val="accent1">
+                <a:shade val="50000"/>
+              </a:schemeClr>
+            </a:lnRef>
+            <a:fillRef idx="1">
+              <a:schemeClr val="accent1"/>
+            </a:fillRef>
+            <a:effectRef idx="0">
+              <a:schemeClr val="accent1"/>
+            </a:effectRef>
+            <a:fontRef idx="minor">
+              <a:schemeClr val="lt1"/>
+            </a:fontRef>
+          </p:style>
+          <p:txBody>
+            <a:bodyPr rtlCol="0" anchor="ctr"/>
+            <a:lstStyle/>
+            <a:p>
+              <a:pPr algn="ctr"/>
+              <a:endParaRPr lang="ru-RU"/>
+            </a:p>
+          </p:txBody>
+        </p:sp>
+        <p:sp>
+          <p:nvSpPr>
+            <p:cNvPr id="31" name="Oval 30">
+              <a:extLst>
+                <a:ext uri="{FF2B5EF4-FFF2-40B4-BE49-F238E27FC236}">
+                  <a16:creationId xmlns:a16="http://schemas.microsoft.com/office/drawing/2014/main" id="{3ECBC151-5F36-4669-8FDA-62D9B78A27BF}"/>
+                </a:ext>
+              </a:extLst>
+            </p:cNvPr>
+            <p:cNvSpPr/>
+            <p:nvPr/>
+          </p:nvSpPr>
+          <p:spPr>
+            <a:xfrm>
+              <a:off x="1366060" y="2987465"/>
+              <a:ext cx="112222" cy="112222"/>
+            </a:xfrm>
+            <a:prstGeom prst="ellipse">
+              <a:avLst/>
+            </a:prstGeom>
+          </p:spPr>
+          <p:style>
+            <a:lnRef idx="2">
+              <a:schemeClr val="accent1">
+                <a:shade val="50000"/>
+              </a:schemeClr>
+            </a:lnRef>
+            <a:fillRef idx="1">
+              <a:schemeClr val="accent1"/>
+            </a:fillRef>
+            <a:effectRef idx="0">
+              <a:schemeClr val="accent1"/>
+            </a:effectRef>
+            <a:fontRef idx="minor">
+              <a:schemeClr val="lt1"/>
+            </a:fontRef>
+          </p:style>
+          <p:txBody>
+            <a:bodyPr rtlCol="0" anchor="ctr"/>
+            <a:lstStyle/>
+            <a:p>
+              <a:pPr algn="ctr"/>
+              <a:endParaRPr lang="ru-RU"/>
+            </a:p>
+          </p:txBody>
+        </p:sp>
+        <p:sp>
+          <p:nvSpPr>
+            <p:cNvPr id="32" name="Oval 31">
+              <a:extLst>
+                <a:ext uri="{FF2B5EF4-FFF2-40B4-BE49-F238E27FC236}">
+                  <a16:creationId xmlns:a16="http://schemas.microsoft.com/office/drawing/2014/main" id="{D185EDF0-36A6-42BB-A424-4BF6226BE5AC}"/>
+                </a:ext>
+              </a:extLst>
+            </p:cNvPr>
+            <p:cNvSpPr/>
+            <p:nvPr/>
+          </p:nvSpPr>
+          <p:spPr>
+            <a:xfrm>
+              <a:off x="1366060" y="3193417"/>
+              <a:ext cx="112222" cy="112222"/>
+            </a:xfrm>
+            <a:prstGeom prst="ellipse">
+              <a:avLst/>
+            </a:prstGeom>
+          </p:spPr>
+          <p:style>
+            <a:lnRef idx="2">
+              <a:schemeClr val="accent1">
+                <a:shade val="50000"/>
+              </a:schemeClr>
+            </a:lnRef>
+            <a:fillRef idx="1">
+              <a:schemeClr val="accent1"/>
+            </a:fillRef>
+            <a:effectRef idx="0">
+              <a:schemeClr val="accent1"/>
+            </a:effectRef>
+            <a:fontRef idx="minor">
+              <a:schemeClr val="lt1"/>
+            </a:fontRef>
+          </p:style>
+          <p:txBody>
+            <a:bodyPr rtlCol="0" anchor="ctr"/>
+            <a:lstStyle/>
+            <a:p>
+              <a:pPr algn="ctr"/>
+              <a:endParaRPr lang="ru-RU"/>
+            </a:p>
+          </p:txBody>
+        </p:sp>
+      </p:grpSp>
+      <p:sp>
+        <p:nvSpPr>
+          <p:cNvPr id="33" name="Rectangle: Rounded Corners 32">
+            <a:extLst>
+              <a:ext uri="{FF2B5EF4-FFF2-40B4-BE49-F238E27FC236}">
+                <a16:creationId xmlns:a16="http://schemas.microsoft.com/office/drawing/2014/main" id="{67F1F1CB-0240-44E7-A62E-F4BD5AB1F496}"/>
+              </a:ext>
+            </a:extLst>
+          </p:cNvPr>
+          <p:cNvSpPr/>
+          <p:nvPr/>
+        </p:nvSpPr>
+        <p:spPr>
+          <a:xfrm>
+            <a:off x="9274774" y="4582885"/>
+            <a:ext cx="2367489" cy="718458"/>
+          </a:xfrm>
+          <a:prstGeom prst="roundRect">
+            <a:avLst/>
+          </a:prstGeom>
+        </p:spPr>
+        <p:style>
+          <a:lnRef idx="2">
+            <a:schemeClr val="accent1"/>
+          </a:lnRef>
+          <a:fillRef idx="1">
+            <a:schemeClr val="lt1"/>
+          </a:fillRef>
+          <a:effectRef idx="0">
+            <a:schemeClr val="accent1"/>
+          </a:effectRef>
+          <a:fontRef idx="minor">
+            <a:schemeClr val="dk1"/>
+          </a:fontRef>
+        </p:style>
+        <p:txBody>
+          <a:bodyPr rtlCol="0" anchor="ctr"/>
+          <a:lstStyle/>
+          <a:p>
+            <a:pPr algn="ctr"/>
+            <a:r>
+              <a:rPr lang="ru-RU" dirty="0"/>
+              <a:t>Формат отчета</a:t>
+            </a:r>
+          </a:p>
+        </p:txBody>
+      </p:sp>
+    </p:spTree>
+    <p:extLst>
+      <p:ext uri="{BB962C8B-B14F-4D97-AF65-F5344CB8AC3E}">
+        <p14:creationId xmlns:p14="http://schemas.microsoft.com/office/powerpoint/2010/main" val="302979445"/>
+      </p:ext>
+    </p:extLst>
+  </p:cSld>
+  <p:clrMapOvr>
+    <a:masterClrMapping/>
+  </p:clrMapOvr>
+</p:sld>
+</file>
+
+<file path=ppt/slides/slide5.xml><?xml version="1.0" encoding="utf-8"?>
+<p:sld xmlns:a="http://schemas.openxmlformats.org/drawingml/2006/main" xmlns:r="http://schemas.openxmlformats.org/officeDocument/2006/relationships" xmlns:p="http://schemas.openxmlformats.org/presentationml/2006/main">
+  <p:cSld>
+    <p:spTree>
+      <p:nvGrpSpPr>
+        <p:cNvPr id="1" name=""/>
+        <p:cNvGrpSpPr/>
+        <p:nvPr/>
+      </p:nvGrpSpPr>
+      <p:grpSpPr>
+        <a:xfrm>
+          <a:off x="0" y="0"/>
+          <a:ext cx="0" cy="0"/>
+          <a:chOff x="0" y="0"/>
+          <a:chExt cx="0" cy="0"/>
+        </a:xfrm>
+      </p:grpSpPr>
+      <p:sp>
+        <p:nvSpPr>
+          <p:cNvPr id="2" name="Title 1">
+            <a:extLst>
+              <a:ext uri="{FF2B5EF4-FFF2-40B4-BE49-F238E27FC236}">
                 <a16:creationId xmlns:a16="http://schemas.microsoft.com/office/drawing/2014/main" id="{74ED2800-BE23-482A-B152-A72BC607E8B0}"/>
               </a:ext>
             </a:extLst>
@@ -18640,7 +18307,7 @@
 </p:sld>
 </file>
 
-<file path=ppt/slides/slide5.xml><?xml version="1.0" encoding="utf-8"?>
+<file path=ppt/slides/slide6.xml><?xml version="1.0" encoding="utf-8"?>
 <p:sld xmlns:a="http://schemas.openxmlformats.org/drawingml/2006/main" xmlns:r="http://schemas.openxmlformats.org/officeDocument/2006/relationships" xmlns:p="http://schemas.openxmlformats.org/presentationml/2006/main">
   <p:cSld>
     <p:spTree>
@@ -19496,6 +19163,16 @@
                 <a:cs typeface="DejaVu Sans" pitchFamily="2"/>
               </a:rPr>
               <a:t> или </a:t>
+            </a:r>
+            <a:r>
+              <a:rPr lang="en-US" dirty="0">
+                <a:solidFill>
+                  <a:srgbClr val="000000"/>
+                </a:solidFill>
+                <a:ea typeface="DejaVu Sans" pitchFamily="2"/>
+                <a:cs typeface="DejaVu Sans" pitchFamily="2"/>
+              </a:rPr>
+              <a:t>c</a:t>
             </a:r>
             <a:r>
               <a:rPr lang="ru-RU" dirty="0" err="1">
@@ -20555,7 +20232,7 @@
 </p:sld>
 </file>
 
-<file path=ppt/slides/slide6.xml><?xml version="1.0" encoding="utf-8"?>
+<file path=ppt/slides/slide7.xml><?xml version="1.0" encoding="utf-8"?>
 <p:sld xmlns:a="http://schemas.openxmlformats.org/drawingml/2006/main" xmlns:r="http://schemas.openxmlformats.org/officeDocument/2006/relationships" xmlns:p="http://schemas.openxmlformats.org/presentationml/2006/main">
   <p:cSld>
     <p:spTree>
@@ -20655,7 +20332,7 @@
 </p:sld>
 </file>
 
-<file path=ppt/slides/slide7.xml><?xml version="1.0" encoding="utf-8"?>
+<file path=ppt/slides/slide8.xml><?xml version="1.0" encoding="utf-8"?>
 <p:sld xmlns:a="http://schemas.openxmlformats.org/drawingml/2006/main" xmlns:r="http://schemas.openxmlformats.org/officeDocument/2006/relationships" xmlns:p="http://schemas.openxmlformats.org/presentationml/2006/main">
   <p:cSld>
     <p:spTree>
@@ -20751,7 +20428,7 @@
 </p:sld>
 </file>
 
-<file path=ppt/slides/slide8.xml><?xml version="1.0" encoding="utf-8"?>
+<file path=ppt/slides/slide9.xml><?xml version="1.0" encoding="utf-8"?>
 <p:sld xmlns:a="http://schemas.openxmlformats.org/drawingml/2006/main" xmlns:r="http://schemas.openxmlformats.org/officeDocument/2006/relationships" xmlns:p="http://schemas.openxmlformats.org/presentationml/2006/main">
   <p:cSld>
     <p:spTree>
@@ -21043,130 +20720,6 @@
     <p:extLst>
       <p:ext uri="{BB962C8B-B14F-4D97-AF65-F5344CB8AC3E}">
         <p14:creationId xmlns:p14="http://schemas.microsoft.com/office/powerpoint/2010/main" val="1684891031"/>
-      </p:ext>
-    </p:extLst>
-  </p:cSld>
-  <p:clrMapOvr>
-    <a:masterClrMapping/>
-  </p:clrMapOvr>
-</p:sld>
-</file>
-
-<file path=ppt/slides/slide9.xml><?xml version="1.0" encoding="utf-8"?>
-<p:sld xmlns:a="http://schemas.openxmlformats.org/drawingml/2006/main" xmlns:r="http://schemas.openxmlformats.org/officeDocument/2006/relationships" xmlns:p="http://schemas.openxmlformats.org/presentationml/2006/main">
-  <p:cSld>
-    <p:spTree>
-      <p:nvGrpSpPr>
-        <p:cNvPr id="1" name=""/>
-        <p:cNvGrpSpPr/>
-        <p:nvPr/>
-      </p:nvGrpSpPr>
-      <p:grpSpPr>
-        <a:xfrm>
-          <a:off x="0" y="0"/>
-          <a:ext cx="0" cy="0"/>
-          <a:chOff x="0" y="0"/>
-          <a:chExt cx="0" cy="0"/>
-        </a:xfrm>
-      </p:grpSpPr>
-      <p:pic>
-        <p:nvPicPr>
-          <p:cNvPr id="1026" name="Picture 2" descr="https://hsto.org/r/w1560/getpro/habr/upload_files/5d1/822/348/5d1822348e0aaa75814d80a01c84223f.png">
-            <a:extLst>
-              <a:ext uri="{FF2B5EF4-FFF2-40B4-BE49-F238E27FC236}">
-                <a16:creationId xmlns:a16="http://schemas.microsoft.com/office/drawing/2014/main" id="{EDFA957E-829E-43E7-860E-2A1B170958A7}"/>
-              </a:ext>
-            </a:extLst>
-          </p:cNvPr>
-          <p:cNvPicPr>
-            <a:picLocks noChangeAspect="1" noChangeArrowheads="1"/>
-          </p:cNvPicPr>
-          <p:nvPr/>
-        </p:nvPicPr>
-        <p:blipFill>
-          <a:blip r:embed="rId2">
-            <a:extLst>
-              <a:ext uri="{28A0092B-C50C-407E-A947-70E740481C1C}">
-                <a14:useLocalDpi xmlns:a14="http://schemas.microsoft.com/office/drawing/2010/main" val="0"/>
-              </a:ext>
-            </a:extLst>
-          </a:blip>
-          <a:srcRect/>
-          <a:stretch>
-            <a:fillRect/>
-          </a:stretch>
-        </p:blipFill>
-        <p:spPr bwMode="auto">
-          <a:xfrm>
-            <a:off x="3331029" y="842250"/>
-            <a:ext cx="8065562" cy="6015750"/>
-          </a:xfrm>
-          <a:prstGeom prst="rect">
-            <a:avLst/>
-          </a:prstGeom>
-          <a:noFill/>
-          <a:extLst>
-            <a:ext uri="{909E8E84-426E-40DD-AFC4-6F175D3DCCD1}">
-              <a14:hiddenFill xmlns:a14="http://schemas.microsoft.com/office/drawing/2010/main">
-                <a:solidFill>
-                  <a:srgbClr val="FFFFFF"/>
-                </a:solidFill>
-              </a14:hiddenFill>
-            </a:ext>
-          </a:extLst>
-        </p:spPr>
-      </p:pic>
-      <p:sp>
-        <p:nvSpPr>
-          <p:cNvPr id="2" name="Title 1">
-            <a:extLst>
-              <a:ext uri="{FF2B5EF4-FFF2-40B4-BE49-F238E27FC236}">
-                <a16:creationId xmlns:a16="http://schemas.microsoft.com/office/drawing/2014/main" id="{74ED2800-BE23-482A-B152-A72BC607E8B0}"/>
-              </a:ext>
-            </a:extLst>
-          </p:cNvPr>
-          <p:cNvSpPr>
-            <a:spLocks noGrp="1"/>
-          </p:cNvSpPr>
-          <p:nvPr>
-            <p:ph type="title"/>
-          </p:nvPr>
-        </p:nvSpPr>
-        <p:spPr/>
-        <p:txBody>
-          <a:bodyPr>
-            <a:normAutofit/>
-          </a:bodyPr>
-          <a:lstStyle/>
-          <a:p>
-            <a:r>
-              <a:rPr lang="ru-RU" dirty="0">
-                <a:ea typeface="DejaVu Sans" pitchFamily="2"/>
-                <a:cs typeface="DejaVu Sans" pitchFamily="2"/>
-              </a:rPr>
-              <a:t>Абстрактный</a:t>
-            </a:r>
-            <a:br>
-              <a:rPr lang="ru-RU" dirty="0">
-                <a:ea typeface="DejaVu Sans" pitchFamily="2"/>
-                <a:cs typeface="DejaVu Sans" pitchFamily="2"/>
-              </a:rPr>
-            </a:br>
-            <a:r>
-              <a:rPr lang="ru-RU" dirty="0">
-                <a:ea typeface="DejaVu Sans" pitchFamily="2"/>
-                <a:cs typeface="DejaVu Sans" pitchFamily="2"/>
-              </a:rPr>
-              <a:t>пример</a:t>
-            </a:r>
-            <a:endParaRPr lang="ru-RU" dirty="0"/>
-          </a:p>
-        </p:txBody>
-      </p:sp>
-    </p:spTree>
-    <p:extLst>
-      <p:ext uri="{BB962C8B-B14F-4D97-AF65-F5344CB8AC3E}">
-        <p14:creationId xmlns:p14="http://schemas.microsoft.com/office/powerpoint/2010/main" val="1384498176"/>
       </p:ext>
     </p:extLst>
   </p:cSld>

--- a/presentation/workshop_ankor_datavault_model_presentation.pptx
+++ b/presentation/workshop_ankor_datavault_model_presentation.pptx
@@ -11427,7 +11427,7 @@
         </p:spPr>
         <p:txBody>
           <a:bodyPr vert="horz" lIns="91440" tIns="45720" rIns="91440" bIns="45720" rtlCol="0">
-            <a:normAutofit/>
+            <a:normAutofit lnSpcReduction="10000"/>
           </a:bodyPr>
           <a:lstStyle>
             <a:lvl1pPr marL="182880" indent="-182880" algn="l" defTabSz="914400" rtl="0" eaLnBrk="1" latinLnBrk="0" hangingPunct="1">
@@ -11846,6 +11846,26 @@
                 <a:cs typeface="DejaVu Sans" pitchFamily="2"/>
               </a:rPr>
               <a:t>Значение атрибута</a:t>
+            </a:r>
+          </a:p>
+          <a:p>
+            <a:pPr lvl="1" algn="just">
+              <a:buClr>
+                <a:srgbClr val="666666"/>
+              </a:buClr>
+              <a:buSzPct val="45000"/>
+              <a:buFont typeface="StarSymbol"/>
+              <a:buChar char="●"/>
+            </a:pPr>
+            <a:r>
+              <a:rPr lang="ru-RU" dirty="0">
+                <a:solidFill>
+                  <a:srgbClr val="000000"/>
+                </a:solidFill>
+                <a:ea typeface="DejaVu Sans" pitchFamily="2"/>
+                <a:cs typeface="DejaVu Sans" pitchFamily="2"/>
+              </a:rPr>
+              <a:t>Ссылка на источник</a:t>
             </a:r>
           </a:p>
           <a:p>
@@ -15034,7 +15054,7 @@
                 <a:ea typeface="DejaVu Sans" pitchFamily="2"/>
                 <a:cs typeface="DejaVu Sans" pitchFamily="2"/>
               </a:rPr>
-              <a:t>краткий обзор</a:t>
+              <a:t>вспоминаем теорию из материалов модуля "Аналитические базы данных"</a:t>
             </a:r>
           </a:p>
           <a:p>
@@ -15054,7 +15074,7 @@
                 <a:ea typeface="DejaVu Sans" pitchFamily="2"/>
                 <a:cs typeface="DejaVu Sans" pitchFamily="2"/>
               </a:rPr>
-              <a:t>Якорная модель данных – общая теория</a:t>
+              <a:t>Якорная модель данных – погружение в теорию</a:t>
             </a:r>
           </a:p>
           <a:p>
@@ -19476,7 +19496,7 @@
                 <a:ea typeface="DejaVu Sans" pitchFamily="2"/>
                 <a:cs typeface="DejaVu Sans" pitchFamily="2"/>
               </a:rPr>
-              <a:t>ФИО</a:t>
+              <a:t>Номер паспорта</a:t>
             </a:r>
           </a:p>
           <a:p>
@@ -20578,22 +20598,7 @@
             </a:r>
           </a:p>
           <a:p>
-            <a:pPr lvl="0">
-              <a:buClr>
-                <a:srgbClr val="666666"/>
-              </a:buClr>
-              <a:buSzPct val="45000"/>
-              <a:buFont typeface="StarSymbol"/>
-              <a:buChar char="●"/>
-            </a:pPr>
-            <a:r>
-              <a:rPr lang="ru-RU" dirty="0"/>
-              <a:t>«Добавлять, не изменять»</a:t>
-            </a:r>
-            <a:endParaRPr lang="en-US" dirty="0"/>
-          </a:p>
-          <a:p>
-            <a:pPr marL="274320" lvl="1" indent="0">
+            <a:pPr marL="0" lvl="0" indent="0">
               <a:buClr>
                 <a:srgbClr val="666666"/>
               </a:buClr>

--- a/presentation/workshop_ankor_datavault_model_presentation.pptx
+++ b/presentation/workshop_ankor_datavault_model_presentation.pptx
@@ -13311,235 +13311,6 @@
       </p:sp>
       <p:sp>
         <p:nvSpPr>
-          <p:cNvPr id="10" name="Content Placeholder 2">
-            <a:extLst>
-              <a:ext uri="{FF2B5EF4-FFF2-40B4-BE49-F238E27FC236}">
-                <a16:creationId xmlns:a16="http://schemas.microsoft.com/office/drawing/2014/main" id="{32BBA25A-D744-446A-BD85-6796C997ED1A}"/>
-              </a:ext>
-            </a:extLst>
-          </p:cNvPr>
-          <p:cNvSpPr>
-            <a:spLocks noGrp="1"/>
-          </p:cNvSpPr>
-          <p:nvPr>
-            <p:ph idx="1"/>
-          </p:nvPr>
-        </p:nvSpPr>
-        <p:spPr>
-          <a:xfrm>
-            <a:off x="1069848" y="2169042"/>
-            <a:ext cx="5968905" cy="4514927"/>
-          </a:xfrm>
-        </p:spPr>
-        <p:txBody>
-          <a:bodyPr>
-            <a:normAutofit lnSpcReduction="10000"/>
-          </a:bodyPr>
-          <a:lstStyle/>
-          <a:p>
-            <a:pPr lvl="0">
-              <a:buClr>
-                <a:srgbClr val="666666"/>
-              </a:buClr>
-              <a:buSzPct val="45000"/>
-              <a:buFont typeface="StarSymbol"/>
-              <a:buChar char="●"/>
-            </a:pPr>
-            <a:r>
-              <a:rPr lang="ru-RU" sz="2800" dirty="0"/>
-              <a:t>Предметная область</a:t>
-            </a:r>
-            <a:r>
-              <a:rPr lang="en-US" sz="2800" dirty="0"/>
-              <a:t>:</a:t>
-            </a:r>
-            <a:br>
-              <a:rPr lang="en-US" sz="2800" dirty="0"/>
-            </a:br>
-            <a:endParaRPr lang="en-US" sz="2800" dirty="0"/>
-          </a:p>
-          <a:p>
-            <a:pPr lvl="1">
-              <a:buClr>
-                <a:srgbClr val="666666"/>
-              </a:buClr>
-              <a:buSzPct val="45000"/>
-              <a:buFont typeface="Wingdings" panose="05000000000000000000" pitchFamily="2" charset="2"/>
-              <a:buChar char="Ø"/>
-            </a:pPr>
-            <a:r>
-              <a:rPr lang="ru-RU" sz="2600" dirty="0"/>
-              <a:t>Доставка еды</a:t>
-            </a:r>
-          </a:p>
-          <a:p>
-            <a:pPr lvl="0">
-              <a:buClr>
-                <a:srgbClr val="666666"/>
-              </a:buClr>
-              <a:buSzPct val="45000"/>
-              <a:buFont typeface="StarSymbol"/>
-              <a:buChar char="●"/>
-            </a:pPr>
-            <a:endParaRPr lang="ru-RU" sz="2800" dirty="0"/>
-          </a:p>
-          <a:p>
-            <a:pPr lvl="0">
-              <a:buClr>
-                <a:srgbClr val="666666"/>
-              </a:buClr>
-              <a:buSzPct val="45000"/>
-              <a:buFont typeface="StarSymbol"/>
-              <a:buChar char="●"/>
-            </a:pPr>
-            <a:r>
-              <a:rPr lang="ru-RU" sz="2800" dirty="0"/>
-              <a:t>Основные сущности:</a:t>
-            </a:r>
-            <a:br>
-              <a:rPr lang="ru-RU" sz="2800" dirty="0"/>
-            </a:br>
-            <a:endParaRPr lang="ru-RU" sz="2800" dirty="0"/>
-          </a:p>
-          <a:p>
-            <a:pPr lvl="1">
-              <a:buClr>
-                <a:srgbClr val="666666"/>
-              </a:buClr>
-              <a:buSzPct val="45000"/>
-              <a:buFont typeface="Wingdings" panose="05000000000000000000" pitchFamily="2" charset="2"/>
-              <a:buChar char="Ø"/>
-            </a:pPr>
-            <a:r>
-              <a:rPr lang="ru-RU" sz="2400" b="1" dirty="0"/>
-              <a:t>Рестораны</a:t>
-            </a:r>
-            <a:r>
-              <a:rPr lang="ru-RU" sz="2400" dirty="0"/>
-              <a:t> (</a:t>
-            </a:r>
-            <a:r>
-              <a:rPr lang="en-US" sz="2400" dirty="0"/>
-              <a:t>id</a:t>
-            </a:r>
-            <a:r>
-              <a:rPr lang="ru-RU" sz="2400" dirty="0"/>
-              <a:t>, </a:t>
-            </a:r>
-            <a:r>
-              <a:rPr lang="en-US" sz="2400" dirty="0"/>
-              <a:t>name)</a:t>
-            </a:r>
-            <a:endParaRPr lang="ru-RU" sz="2400" dirty="0"/>
-          </a:p>
-          <a:p>
-            <a:pPr lvl="1">
-              <a:buClr>
-                <a:srgbClr val="666666"/>
-              </a:buClr>
-              <a:buSzPct val="45000"/>
-              <a:buFont typeface="Wingdings" panose="05000000000000000000" pitchFamily="2" charset="2"/>
-              <a:buChar char="Ø"/>
-            </a:pPr>
-            <a:r>
-              <a:rPr lang="ru-RU" sz="2400" b="1" dirty="0"/>
-              <a:t>Курьеры</a:t>
-            </a:r>
-            <a:r>
-              <a:rPr lang="en-US" sz="2400" b="1" dirty="0"/>
-              <a:t> </a:t>
-            </a:r>
-            <a:r>
-              <a:rPr lang="en-US" sz="2400" dirty="0"/>
-              <a:t>(id, name)</a:t>
-            </a:r>
-            <a:endParaRPr lang="ru-RU" sz="2400" dirty="0"/>
-          </a:p>
-          <a:p>
-            <a:pPr lvl="1">
-              <a:buClr>
-                <a:srgbClr val="666666"/>
-              </a:buClr>
-              <a:buSzPct val="45000"/>
-              <a:buFont typeface="Wingdings" panose="05000000000000000000" pitchFamily="2" charset="2"/>
-              <a:buChar char="Ø"/>
-            </a:pPr>
-            <a:r>
-              <a:rPr lang="ru-RU" sz="2400" b="1" dirty="0"/>
-              <a:t>Доставки</a:t>
-            </a:r>
-            <a:r>
-              <a:rPr lang="en-US" sz="2400" dirty="0"/>
-              <a:t> (</a:t>
-            </a:r>
-            <a:r>
-              <a:rPr lang="en-US" sz="2400" dirty="0" err="1"/>
-              <a:t>order_id</a:t>
-            </a:r>
-            <a:r>
-              <a:rPr lang="en-US" sz="2400" dirty="0"/>
-              <a:t>, </a:t>
-            </a:r>
-            <a:r>
-              <a:rPr lang="en-US" sz="2400" dirty="0" err="1"/>
-              <a:t>order_ts</a:t>
-            </a:r>
-            <a:r>
-              <a:rPr lang="en-US" sz="2400" dirty="0"/>
-              <a:t>, </a:t>
-            </a:r>
-            <a:r>
-              <a:rPr lang="en-US" sz="2400" dirty="0" err="1"/>
-              <a:t>delivery_id</a:t>
-            </a:r>
-            <a:r>
-              <a:rPr lang="en-US" sz="2400" dirty="0"/>
-              <a:t>,</a:t>
-            </a:r>
-            <a:br>
-              <a:rPr lang="en-US" sz="2400" dirty="0"/>
-            </a:br>
-            <a:r>
-              <a:rPr lang="en-US" sz="2400" dirty="0" err="1"/>
-              <a:t>courier_id</a:t>
-            </a:r>
-            <a:r>
-              <a:rPr lang="en-US" sz="2400" dirty="0"/>
-              <a:t>, address, </a:t>
-            </a:r>
-            <a:r>
-              <a:rPr lang="en-US" sz="2400" dirty="0" err="1"/>
-              <a:t>delivery_ts</a:t>
-            </a:r>
-            <a:r>
-              <a:rPr lang="en-US" sz="2400" dirty="0"/>
-              <a:t>)</a:t>
-            </a:r>
-            <a:endParaRPr lang="ru-RU" sz="2400" dirty="0"/>
-          </a:p>
-          <a:p>
-            <a:pPr marL="0" lvl="0" indent="0">
-              <a:buClr>
-                <a:srgbClr val="666666"/>
-              </a:buClr>
-              <a:buSzPct val="45000"/>
-              <a:buNone/>
-            </a:pPr>
-            <a:endParaRPr lang="ru-RU" sz="2800" dirty="0">
-              <a:solidFill>
-                <a:srgbClr val="000000"/>
-              </a:solidFill>
-              <a:ea typeface="DejaVu Sans" pitchFamily="2"/>
-              <a:cs typeface="DejaVu Sans" pitchFamily="2"/>
-            </a:endParaRPr>
-          </a:p>
-          <a:p>
-            <a:endParaRPr lang="ru-RU" sz="2800" dirty="0"/>
-          </a:p>
-        </p:txBody>
-      </p:sp>
-      <p:sp>
-        <p:nvSpPr>
           <p:cNvPr id="4" name="Rectangle 3">
             <a:extLst>
               <a:ext uri="{FF2B5EF4-FFF2-40B4-BE49-F238E27FC236}">
@@ -13585,7 +13356,236 @@
           <a:lstStyle/>
           <a:p>
             <a:pPr algn="ctr"/>
-            <a:endParaRPr lang="ru-RU"/>
+            <a:endParaRPr lang="ru-RU" dirty="0"/>
+          </a:p>
+        </p:txBody>
+      </p:sp>
+      <p:sp>
+        <p:nvSpPr>
+          <p:cNvPr id="10" name="Content Placeholder 2">
+            <a:extLst>
+              <a:ext uri="{FF2B5EF4-FFF2-40B4-BE49-F238E27FC236}">
+                <a16:creationId xmlns:a16="http://schemas.microsoft.com/office/drawing/2014/main" id="{32BBA25A-D744-446A-BD85-6796C997ED1A}"/>
+              </a:ext>
+            </a:extLst>
+          </p:cNvPr>
+          <p:cNvSpPr>
+            <a:spLocks noGrp="1"/>
+          </p:cNvSpPr>
+          <p:nvPr>
+            <p:ph idx="1"/>
+          </p:nvPr>
+        </p:nvSpPr>
+        <p:spPr>
+          <a:xfrm>
+            <a:off x="1069848" y="2169042"/>
+            <a:ext cx="5968905" cy="4514927"/>
+          </a:xfrm>
+        </p:spPr>
+        <p:txBody>
+          <a:bodyPr>
+            <a:normAutofit fontScale="92500"/>
+          </a:bodyPr>
+          <a:lstStyle/>
+          <a:p>
+            <a:pPr lvl="0">
+              <a:buClr>
+                <a:srgbClr val="666666"/>
+              </a:buClr>
+              <a:buSzPct val="45000"/>
+              <a:buFont typeface="StarSymbol"/>
+              <a:buChar char="●"/>
+            </a:pPr>
+            <a:r>
+              <a:rPr lang="ru-RU" sz="2800" dirty="0"/>
+              <a:t>Предметная область</a:t>
+            </a:r>
+            <a:r>
+              <a:rPr lang="en-US" sz="2800" dirty="0"/>
+              <a:t>:</a:t>
+            </a:r>
+            <a:br>
+              <a:rPr lang="en-US" sz="2800" dirty="0"/>
+            </a:br>
+            <a:endParaRPr lang="en-US" sz="2800" dirty="0"/>
+          </a:p>
+          <a:p>
+            <a:pPr lvl="1">
+              <a:buClr>
+                <a:srgbClr val="666666"/>
+              </a:buClr>
+              <a:buSzPct val="45000"/>
+              <a:buFont typeface="Wingdings" panose="05000000000000000000" pitchFamily="2" charset="2"/>
+              <a:buChar char="Ø"/>
+            </a:pPr>
+            <a:r>
+              <a:rPr lang="ru-RU" sz="2600" dirty="0"/>
+              <a:t>Доставка еды</a:t>
+            </a:r>
+          </a:p>
+          <a:p>
+            <a:pPr lvl="0">
+              <a:buClr>
+                <a:srgbClr val="666666"/>
+              </a:buClr>
+              <a:buSzPct val="45000"/>
+              <a:buFont typeface="StarSymbol"/>
+              <a:buChar char="●"/>
+            </a:pPr>
+            <a:endParaRPr lang="ru-RU" sz="2800" dirty="0"/>
+          </a:p>
+          <a:p>
+            <a:pPr lvl="0">
+              <a:buClr>
+                <a:srgbClr val="666666"/>
+              </a:buClr>
+              <a:buSzPct val="45000"/>
+              <a:buFont typeface="StarSymbol"/>
+              <a:buChar char="●"/>
+            </a:pPr>
+            <a:r>
+              <a:rPr lang="ru-RU" sz="2800" dirty="0"/>
+              <a:t>Основные сущности к моделированию:</a:t>
+            </a:r>
+            <a:br>
+              <a:rPr lang="ru-RU" sz="2800" dirty="0"/>
+            </a:br>
+            <a:endParaRPr lang="ru-RU" sz="2800" dirty="0"/>
+          </a:p>
+          <a:p>
+            <a:pPr lvl="1">
+              <a:buClr>
+                <a:srgbClr val="666666"/>
+              </a:buClr>
+              <a:buSzPct val="45000"/>
+              <a:buFont typeface="Wingdings" panose="05000000000000000000" pitchFamily="2" charset="2"/>
+              <a:buChar char="Ø"/>
+            </a:pPr>
+            <a:r>
+              <a:rPr lang="ru-RU" sz="2400" b="1" dirty="0"/>
+              <a:t>Рестораны</a:t>
+            </a:r>
+            <a:r>
+              <a:rPr lang="ru-RU" sz="2400" dirty="0"/>
+              <a:t> (</a:t>
+            </a:r>
+            <a:r>
+              <a:rPr lang="en-US" sz="2400" dirty="0"/>
+              <a:t>id</a:t>
+            </a:r>
+            <a:r>
+              <a:rPr lang="ru-RU" sz="2400" dirty="0"/>
+              <a:t>, </a:t>
+            </a:r>
+            <a:r>
+              <a:rPr lang="en-US" sz="2400" dirty="0"/>
+              <a:t>name)</a:t>
+            </a:r>
+            <a:endParaRPr lang="ru-RU" sz="2400" dirty="0"/>
+          </a:p>
+          <a:p>
+            <a:pPr lvl="1">
+              <a:buClr>
+                <a:srgbClr val="666666"/>
+              </a:buClr>
+              <a:buSzPct val="45000"/>
+              <a:buFont typeface="Wingdings" panose="05000000000000000000" pitchFamily="2" charset="2"/>
+              <a:buChar char="Ø"/>
+            </a:pPr>
+            <a:r>
+              <a:rPr lang="ru-RU" sz="2400" b="1" dirty="0"/>
+              <a:t>Курьеры</a:t>
+            </a:r>
+            <a:r>
+              <a:rPr lang="en-US" sz="2400" b="1" dirty="0"/>
+              <a:t> </a:t>
+            </a:r>
+            <a:r>
+              <a:rPr lang="en-US" sz="2400" dirty="0"/>
+              <a:t>(id, name)</a:t>
+            </a:r>
+            <a:endParaRPr lang="ru-RU" sz="2400" dirty="0"/>
+          </a:p>
+          <a:p>
+            <a:pPr lvl="1">
+              <a:buClr>
+                <a:srgbClr val="666666"/>
+              </a:buClr>
+              <a:buSzPct val="45000"/>
+              <a:buFont typeface="Wingdings" panose="05000000000000000000" pitchFamily="2" charset="2"/>
+              <a:buChar char="Ø"/>
+            </a:pPr>
+            <a:r>
+              <a:rPr lang="ru-RU" sz="2400" b="1" dirty="0"/>
+              <a:t>Доставки</a:t>
+            </a:r>
+            <a:r>
+              <a:rPr lang="en-US" sz="2400" dirty="0"/>
+              <a:t> (</a:t>
+            </a:r>
+            <a:r>
+              <a:rPr lang="en-US" sz="2400" dirty="0" err="1"/>
+              <a:t>order_id</a:t>
+            </a:r>
+            <a:r>
+              <a:rPr lang="en-US" sz="2400" dirty="0"/>
+              <a:t>, </a:t>
+            </a:r>
+            <a:r>
+              <a:rPr lang="en-US" sz="2400" dirty="0" err="1"/>
+              <a:t>order_ts</a:t>
+            </a:r>
+            <a:r>
+              <a:rPr lang="en-US" sz="2400" dirty="0"/>
+              <a:t>, </a:t>
+            </a:r>
+            <a:r>
+              <a:rPr lang="en-US" sz="2400" dirty="0" err="1"/>
+              <a:t>delivery_id</a:t>
+            </a:r>
+            <a:r>
+              <a:rPr lang="en-US" sz="2400" dirty="0"/>
+              <a:t>,</a:t>
+            </a:r>
+            <a:br>
+              <a:rPr lang="en-US" sz="2400" dirty="0"/>
+            </a:br>
+            <a:r>
+              <a:rPr lang="en-US" sz="2400" dirty="0" err="1"/>
+              <a:t>courier_id</a:t>
+            </a:r>
+            <a:r>
+              <a:rPr lang="en-US" sz="2400" dirty="0"/>
+              <a:t>, address, </a:t>
+            </a:r>
+            <a:r>
+              <a:rPr lang="en-US" sz="2400" dirty="0" err="1"/>
+              <a:t>delivery_ts</a:t>
+            </a:r>
+            <a:r>
+              <a:rPr lang="en-US" sz="2400" dirty="0"/>
+              <a:t>)</a:t>
+            </a:r>
+            <a:endParaRPr lang="ru-RU" sz="2400" dirty="0"/>
+          </a:p>
+          <a:p>
+            <a:pPr marL="0" lvl="0" indent="0">
+              <a:buClr>
+                <a:srgbClr val="666666"/>
+              </a:buClr>
+              <a:buSzPct val="45000"/>
+              <a:buNone/>
+            </a:pPr>
+            <a:endParaRPr lang="ru-RU" sz="2800" dirty="0">
+              <a:solidFill>
+                <a:srgbClr val="000000"/>
+              </a:solidFill>
+              <a:ea typeface="DejaVu Sans" pitchFamily="2"/>
+              <a:cs typeface="DejaVu Sans" pitchFamily="2"/>
+            </a:endParaRPr>
+          </a:p>
+          <a:p>
+            <a:endParaRPr lang="ru-RU" sz="2800" dirty="0"/>
           </a:p>
         </p:txBody>
       </p:sp>

--- a/presentation/workshop_ankor_datavault_model_presentation.pptx
+++ b/presentation/workshop_ankor_datavault_model_presentation.pptx
@@ -5746,7 +5746,7 @@
           <a:p>
             <a:fld id="{EB24B70E-E497-4323-825B-7BFAFF3F9D73}" type="datetimeFigureOut">
               <a:rPr lang="ru-RU" smtClean="0"/>
-              <a:t>07.12.2022</a:t>
+              <a:t>26.04.2023</a:t>
             </a:fld>
             <a:endParaRPr lang="ru-RU"/>
           </a:p>
@@ -7204,7 +7204,7 @@
           <a:p>
             <a:fld id="{7CD77A28-62FA-4A1C-955D-4EB5AA405F1C}" type="datetimeFigureOut">
               <a:rPr lang="ru-RU" smtClean="0"/>
-              <a:t>07.12.2022</a:t>
+              <a:t>26.04.2023</a:t>
             </a:fld>
             <a:endParaRPr lang="ru-RU" dirty="0"/>
           </a:p>
@@ -7383,7 +7383,7 @@
           <a:p>
             <a:fld id="{7CD77A28-62FA-4A1C-955D-4EB5AA405F1C}" type="datetimeFigureOut">
               <a:rPr lang="ru-RU" smtClean="0"/>
-              <a:t>07.12.2022</a:t>
+              <a:t>26.04.2023</a:t>
             </a:fld>
             <a:endParaRPr lang="ru-RU" dirty="0"/>
           </a:p>
@@ -7563,7 +7563,7 @@
           <a:p>
             <a:fld id="{7CD77A28-62FA-4A1C-955D-4EB5AA405F1C}" type="datetimeFigureOut">
               <a:rPr lang="ru-RU" smtClean="0"/>
-              <a:t>07.12.2022</a:t>
+              <a:t>26.04.2023</a:t>
             </a:fld>
             <a:endParaRPr lang="ru-RU" dirty="0"/>
           </a:p>
@@ -7733,7 +7733,7 @@
           <a:p>
             <a:fld id="{7CD77A28-62FA-4A1C-955D-4EB5AA405F1C}" type="datetimeFigureOut">
               <a:rPr lang="ru-RU" smtClean="0"/>
-              <a:t>07.12.2022</a:t>
+              <a:t>26.04.2023</a:t>
             </a:fld>
             <a:endParaRPr lang="ru-RU" dirty="0"/>
           </a:p>
@@ -8046,7 +8046,7 @@
           <a:p>
             <a:fld id="{7CD77A28-62FA-4A1C-955D-4EB5AA405F1C}" type="datetimeFigureOut">
               <a:rPr lang="ru-RU" smtClean="0"/>
-              <a:t>07.12.2022</a:t>
+              <a:t>26.04.2023</a:t>
             </a:fld>
             <a:endParaRPr lang="ru-RU" dirty="0"/>
           </a:p>
@@ -8432,7 +8432,7 @@
           <a:p>
             <a:fld id="{7CD77A28-62FA-4A1C-955D-4EB5AA405F1C}" type="datetimeFigureOut">
               <a:rPr lang="ru-RU" smtClean="0"/>
-              <a:t>07.12.2022</a:t>
+              <a:t>26.04.2023</a:t>
             </a:fld>
             <a:endParaRPr lang="ru-RU" dirty="0"/>
           </a:p>
@@ -8866,7 +8866,7 @@
           <a:p>
             <a:fld id="{7CD77A28-62FA-4A1C-955D-4EB5AA405F1C}" type="datetimeFigureOut">
               <a:rPr lang="ru-RU" smtClean="0"/>
-              <a:t>07.12.2022</a:t>
+              <a:t>26.04.2023</a:t>
             </a:fld>
             <a:endParaRPr lang="ru-RU" dirty="0"/>
           </a:p>
@@ -8984,7 +8984,7 @@
           <a:p>
             <a:fld id="{7CD77A28-62FA-4A1C-955D-4EB5AA405F1C}" type="datetimeFigureOut">
               <a:rPr lang="ru-RU" smtClean="0"/>
-              <a:t>07.12.2022</a:t>
+              <a:t>26.04.2023</a:t>
             </a:fld>
             <a:endParaRPr lang="ru-RU" dirty="0"/>
           </a:p>
@@ -9079,7 +9079,7 @@
           <a:p>
             <a:fld id="{7CD77A28-62FA-4A1C-955D-4EB5AA405F1C}" type="datetimeFigureOut">
               <a:rPr lang="ru-RU" smtClean="0"/>
-              <a:t>07.12.2022</a:t>
+              <a:t>26.04.2023</a:t>
             </a:fld>
             <a:endParaRPr lang="ru-RU" dirty="0"/>
           </a:p>
@@ -9429,7 +9429,7 @@
           <a:p>
             <a:fld id="{7CD77A28-62FA-4A1C-955D-4EB5AA405F1C}" type="datetimeFigureOut">
               <a:rPr lang="ru-RU" smtClean="0"/>
-              <a:t>07.12.2022</a:t>
+              <a:t>26.04.2023</a:t>
             </a:fld>
             <a:endParaRPr lang="ru-RU" dirty="0"/>
           </a:p>
@@ -9853,7 +9853,7 @@
           <a:p>
             <a:fld id="{7CD77A28-62FA-4A1C-955D-4EB5AA405F1C}" type="datetimeFigureOut">
               <a:rPr lang="ru-RU" smtClean="0"/>
-              <a:t>07.12.2022</a:t>
+              <a:t>26.04.2023</a:t>
             </a:fld>
             <a:endParaRPr lang="ru-RU" dirty="0"/>
           </a:p>
@@ -10134,7 +10134,7 @@
           <a:p>
             <a:fld id="{7CD77A28-62FA-4A1C-955D-4EB5AA405F1C}" type="datetimeFigureOut">
               <a:rPr lang="ru-RU" smtClean="0"/>
-              <a:t>07.12.2022</a:t>
+              <a:t>26.04.2023</a:t>
             </a:fld>
             <a:endParaRPr lang="ru-RU" dirty="0"/>
           </a:p>
@@ -10749,34 +10749,6 @@
           </a:p>
         </p:txBody>
       </p:sp>
-      <p:sp>
-        <p:nvSpPr>
-          <p:cNvPr id="3" name="Subtitle 2">
-            <a:extLst>
-              <a:ext uri="{FF2B5EF4-FFF2-40B4-BE49-F238E27FC236}">
-                <a16:creationId xmlns:a16="http://schemas.microsoft.com/office/drawing/2014/main" id="{CFD3709F-4B90-4BF2-9300-125C5EA5B575}"/>
-              </a:ext>
-            </a:extLst>
-          </p:cNvPr>
-          <p:cNvSpPr>
-            <a:spLocks noGrp="1"/>
-          </p:cNvSpPr>
-          <p:nvPr>
-            <p:ph type="subTitle" idx="1"/>
-          </p:nvPr>
-        </p:nvSpPr>
-        <p:spPr/>
-        <p:txBody>
-          <a:bodyPr/>
-          <a:lstStyle/>
-          <a:p>
-            <a:r>
-              <a:rPr lang="ru-RU" dirty="0"/>
-              <a:t>Москвина Светлана</a:t>
-            </a:r>
-          </a:p>
-        </p:txBody>
-      </p:sp>
     </p:spTree>
     <p:extLst>
       <p:ext uri="{BB962C8B-B14F-4D97-AF65-F5344CB8AC3E}">
@@ -12331,7 +12303,7 @@
                 <a:ea typeface="DejaVu Sans" pitchFamily="2"/>
                 <a:cs typeface="DejaVu Sans" pitchFamily="2"/>
               </a:rPr>
-              <a:t> не должно быть атрибутов.</a:t>
+              <a:t> обычно не бывает атрибутов.</a:t>
             </a:r>
             <a:r>
               <a:rPr lang="en-US" dirty="0">
@@ -13384,7 +13356,7 @@
         </p:spPr>
         <p:txBody>
           <a:bodyPr>
-            <a:normAutofit fontScale="92500"/>
+            <a:normAutofit fontScale="92500" lnSpcReduction="10000"/>
           </a:bodyPr>
           <a:lstStyle/>
           <a:p>
@@ -13561,6 +13533,14 @@
             <a:r>
               <a:rPr lang="en-US" sz="2400" dirty="0" err="1"/>
               <a:t>delivery_ts</a:t>
+            </a:r>
+            <a:r>
+              <a:rPr lang="en-US" sz="2400" dirty="0"/>
+              <a:t>, </a:t>
+            </a:r>
+            <a:r>
+              <a:rPr lang="en-US" sz="2400" dirty="0" err="1"/>
+              <a:t>restaurant_id</a:t>
             </a:r>
             <a:r>
               <a:rPr lang="en-US" sz="2400" dirty="0"/>
@@ -14528,7 +14508,7 @@
 </file>
 
 <file path=ppt/slides/slide19.xml><?xml version="1.0" encoding="utf-8"?>
-<p:sld xmlns:a="http://schemas.openxmlformats.org/drawingml/2006/main" xmlns:r="http://schemas.openxmlformats.org/officeDocument/2006/relationships" xmlns:p="http://schemas.openxmlformats.org/presentationml/2006/main">
+<p:sld xmlns:a="http://schemas.openxmlformats.org/drawingml/2006/main" xmlns:r="http://schemas.openxmlformats.org/officeDocument/2006/relationships" xmlns:p="http://schemas.openxmlformats.org/presentationml/2006/main" show="0">
   <p:cSld>
     <p:spTree>
       <p:nvGrpSpPr>
@@ -15728,24 +15708,14 @@
               <a:buNone/>
             </a:pPr>
             <a:r>
-              <a:rPr lang="en-US" sz="2400" b="1" dirty="0">
+              <a:rPr lang="ru-RU" sz="2400" b="1" dirty="0">
                 <a:solidFill>
                   <a:schemeClr val="accent1"/>
                 </a:solidFill>
                 <a:ea typeface="DejaVu Sans" pitchFamily="2"/>
                 <a:cs typeface="DejaVu Sans" pitchFamily="2"/>
               </a:rPr>
-              <a:t>3NF &amp; </a:t>
-            </a:r>
-            <a:r>
-              <a:rPr lang="ru-RU" sz="2400" b="1" dirty="0">
-                <a:solidFill>
-                  <a:schemeClr val="accent1"/>
-                </a:solidFill>
-                <a:ea typeface="DejaVu Sans" pitchFamily="2"/>
-                <a:cs typeface="DejaVu Sans" pitchFamily="2"/>
-              </a:rPr>
-              <a:t>Звезда</a:t>
+              <a:t>Звезда, снежинка</a:t>
             </a:r>
             <a:endParaRPr lang="en-US" sz="2400" b="1" dirty="0">
               <a:solidFill>
@@ -16500,8 +16470,8 @@
         </p:nvSpPr>
         <p:spPr>
           <a:xfrm>
-            <a:off x="1069847" y="2350237"/>
-            <a:ext cx="4893008" cy="4380614"/>
+            <a:off x="1069846" y="2350237"/>
+            <a:ext cx="5026153" cy="4380614"/>
           </a:xfrm>
           <a:prstGeom prst="rect">
             <a:avLst/>
@@ -16887,7 +16857,47 @@
                 <a:ea typeface="DejaVu Sans" pitchFamily="2"/>
                 <a:cs typeface="DejaVu Sans" pitchFamily="2"/>
               </a:rPr>
-              <a:t>Сложности с расширением модели данных</a:t>
+              <a:t>Сложности с расширением модели данных (например, при изменении связи с 1:</a:t>
+            </a:r>
+            <a:r>
+              <a:rPr lang="en-US" sz="1700" dirty="0">
+                <a:solidFill>
+                  <a:srgbClr val="000000"/>
+                </a:solidFill>
+                <a:ea typeface="DejaVu Sans" pitchFamily="2"/>
+                <a:cs typeface="DejaVu Sans" pitchFamily="2"/>
+              </a:rPr>
+              <a:t>M</a:t>
+            </a:r>
+            <a:r>
+              <a:rPr lang="ru-RU" sz="1700" dirty="0">
+                <a:solidFill>
+                  <a:srgbClr val="000000"/>
+                </a:solidFill>
+                <a:ea typeface="DejaVu Sans" pitchFamily="2"/>
+                <a:cs typeface="DejaVu Sans" pitchFamily="2"/>
+              </a:rPr>
+              <a:t> на </a:t>
+            </a:r>
+            <a:r>
+              <a:rPr lang="en-US" sz="1700" dirty="0">
+                <a:solidFill>
+                  <a:srgbClr val="000000"/>
+                </a:solidFill>
+                <a:ea typeface="DejaVu Sans" pitchFamily="2"/>
+                <a:cs typeface="DejaVu Sans" pitchFamily="2"/>
+              </a:rPr>
+              <a:t>M:M</a:t>
+            </a:r>
+            <a:r>
+              <a:rPr lang="ru-RU" sz="1700" dirty="0">
+                <a:solidFill>
+                  <a:srgbClr val="000000"/>
+                </a:solidFill>
+                <a:ea typeface="DejaVu Sans" pitchFamily="2"/>
+                <a:cs typeface="DejaVu Sans" pitchFamily="2"/>
+              </a:rPr>
+              <a:t>)</a:t>
             </a:r>
           </a:p>
           <a:p>
@@ -19459,14 +19469,24 @@
               <a:t>Пример </a:t>
             </a:r>
             <a:r>
-              <a:rPr lang="en-US" dirty="0">
+              <a:rPr lang="en-US">
                 <a:solidFill>
                   <a:srgbClr val="000000"/>
                 </a:solidFill>
                 <a:ea typeface="DejaVu Sans" pitchFamily="2"/>
                 <a:cs typeface="DejaVu Sans" pitchFamily="2"/>
               </a:rPr>
-              <a:t>attribute</a:t>
+              <a:t>satelite</a:t>
+            </a:r>
+            <a:r>
+              <a:rPr lang="ru-RU">
+                <a:solidFill>
+                  <a:srgbClr val="000000"/>
+                </a:solidFill>
+                <a:ea typeface="DejaVu Sans" pitchFamily="2"/>
+                <a:cs typeface="DejaVu Sans" pitchFamily="2"/>
+              </a:rPr>
+              <a:t> </a:t>
             </a:r>
             <a:r>
               <a:rPr lang="ru-RU" dirty="0">
@@ -19476,7 +19496,7 @@
                 <a:ea typeface="DejaVu Sans" pitchFamily="2"/>
                 <a:cs typeface="DejaVu Sans" pitchFamily="2"/>
               </a:rPr>
-              <a:t> таблицы:</a:t>
+              <a:t>таблицы:</a:t>
             </a:r>
           </a:p>
           <a:p>
@@ -19975,36 +19995,6 @@
               <a:ea typeface="DejaVu Sans" pitchFamily="2"/>
               <a:cs typeface="DejaVu Sans" pitchFamily="2"/>
             </a:endParaRPr>
-          </a:p>
-          <a:p>
-            <a:pPr algn="just">
-              <a:buClr>
-                <a:srgbClr val="666666"/>
-              </a:buClr>
-              <a:buSzPct val="45000"/>
-              <a:buFont typeface="StarSymbol"/>
-              <a:buChar char="●"/>
-            </a:pPr>
-            <a:r>
-              <a:rPr lang="ru-RU" dirty="0">
-                <a:solidFill>
-                  <a:srgbClr val="000000"/>
-                </a:solidFill>
-                <a:ea typeface="DejaVu Sans" pitchFamily="2"/>
-                <a:cs typeface="DejaVu Sans" pitchFamily="2"/>
-              </a:rPr>
-              <a:t>Связь всегда </a:t>
-            </a:r>
-            <a:r>
-              <a:rPr lang="en-US" dirty="0">
-                <a:solidFill>
-                  <a:srgbClr val="000000"/>
-                </a:solidFill>
-                <a:ea typeface="DejaVu Sans" pitchFamily="2"/>
-                <a:cs typeface="DejaVu Sans" pitchFamily="2"/>
-              </a:rPr>
-              <a:t>M:M</a:t>
-            </a:r>
           </a:p>
           <a:p>
             <a:pPr algn="just">
